--- a/HW1/C110112103-HW1.pptx
+++ b/HW1/C110112103-HW1.pptx
@@ -5,24 +5,30 @@
     <p:sldMasterId id="2147483648" r:id="rId1"/>
   </p:sldMasterIdLst>
   <p:notesMasterIdLst>
-    <p:notesMasterId r:id="rId14"/>
+    <p:notesMasterId r:id="rId20"/>
   </p:notesMasterIdLst>
   <p:handoutMasterIdLst>
-    <p:handoutMasterId r:id="rId15"/>
+    <p:handoutMasterId r:id="rId21"/>
   </p:handoutMasterIdLst>
   <p:sldIdLst>
     <p:sldId id="259" r:id="rId2"/>
     <p:sldId id="614" r:id="rId3"/>
     <p:sldId id="1253" r:id="rId4"/>
     <p:sldId id="1256" r:id="rId5"/>
-    <p:sldId id="1257" r:id="rId6"/>
-    <p:sldId id="1258" r:id="rId7"/>
-    <p:sldId id="1259" r:id="rId8"/>
-    <p:sldId id="1143" r:id="rId9"/>
-    <p:sldId id="1261" r:id="rId10"/>
-    <p:sldId id="1264" r:id="rId11"/>
-    <p:sldId id="1262" r:id="rId12"/>
+    <p:sldId id="1270" r:id="rId6"/>
+    <p:sldId id="1257" r:id="rId7"/>
+    <p:sldId id="1258" r:id="rId8"/>
+    <p:sldId id="1259" r:id="rId9"/>
+    <p:sldId id="1143" r:id="rId10"/>
+    <p:sldId id="1261" r:id="rId11"/>
+    <p:sldId id="1264" r:id="rId12"/>
     <p:sldId id="1263" r:id="rId13"/>
+    <p:sldId id="1265" r:id="rId14"/>
+    <p:sldId id="1266" r:id="rId15"/>
+    <p:sldId id="1262" r:id="rId16"/>
+    <p:sldId id="1267" r:id="rId17"/>
+    <p:sldId id="1268" r:id="rId18"/>
+    <p:sldId id="1269" r:id="rId19"/>
   </p:sldIdLst>
   <p:sldSz cx="12192000" cy="6858000"/>
   <p:notesSz cx="6858000" cy="9144000"/>
@@ -218,7 +224,7 @@
               <a:rPr lang="zh-TW" altLang="en-US" smtClean="0">
                 <a:ea typeface="標楷體" panose="03000509000000000000" pitchFamily="65" charset="-120"/>
               </a:rPr>
-              <a:t>2023/3/14</a:t>
+              <a:t>2023/3/22</a:t>
             </a:fld>
             <a:endParaRPr lang="zh-TW" altLang="en-US" dirty="0">
               <a:ea typeface="標楷體" panose="03000509000000000000" pitchFamily="65" charset="-120"/>
@@ -396,7 +402,7 @@
             <a:fld id="{2CB905C5-9D54-40E2-B40C-7996280CAB02}" type="datetimeFigureOut">
               <a:rPr lang="zh-TW" altLang="en-US" smtClean="0"/>
               <a:pPr/>
-              <a:t>2023/3/14</a:t>
+              <a:t>2023/3/22</a:t>
             </a:fld>
             <a:endParaRPr lang="zh-TW" altLang="en-US" dirty="0"/>
           </a:p>
@@ -836,6 +842,510 @@
 </p:notes>
 </file>
 
+<file path=ppt/notesSlides/notesSlide11.xml><?xml version="1.0" encoding="utf-8"?>
+<p:notes xmlns:a="http://schemas.openxmlformats.org/drawingml/2006/main" xmlns:r="http://schemas.openxmlformats.org/officeDocument/2006/relationships" xmlns:p="http://schemas.openxmlformats.org/presentationml/2006/main">
+  <p:cSld>
+    <p:spTree>
+      <p:nvGrpSpPr>
+        <p:cNvPr id="1" name=""/>
+        <p:cNvGrpSpPr/>
+        <p:nvPr/>
+      </p:nvGrpSpPr>
+      <p:grpSpPr>
+        <a:xfrm>
+          <a:off x="0" y="0"/>
+          <a:ext cx="0" cy="0"/>
+          <a:chOff x="0" y="0"/>
+          <a:chExt cx="0" cy="0"/>
+        </a:xfrm>
+      </p:grpSpPr>
+      <p:sp>
+        <p:nvSpPr>
+          <p:cNvPr id="2" name="投影片圖像版面配置區 1"/>
+          <p:cNvSpPr>
+            <a:spLocks noGrp="1" noRot="1" noChangeAspect="1"/>
+          </p:cNvSpPr>
+          <p:nvPr>
+            <p:ph type="sldImg"/>
+          </p:nvPr>
+        </p:nvSpPr>
+        <p:spPr/>
+      </p:sp>
+      <p:sp>
+        <p:nvSpPr>
+          <p:cNvPr id="3" name="備忘稿版面配置區 2"/>
+          <p:cNvSpPr>
+            <a:spLocks noGrp="1"/>
+          </p:cNvSpPr>
+          <p:nvPr>
+            <p:ph type="body" idx="1"/>
+          </p:nvPr>
+        </p:nvSpPr>
+        <p:spPr/>
+        <p:txBody>
+          <a:bodyPr/>
+          <a:lstStyle/>
+          <a:p>
+            <a:endParaRPr lang="zh-TW" altLang="en-US" dirty="0"/>
+          </a:p>
+        </p:txBody>
+      </p:sp>
+      <p:sp>
+        <p:nvSpPr>
+          <p:cNvPr id="4" name="投影片編號版面配置區 3"/>
+          <p:cNvSpPr>
+            <a:spLocks noGrp="1"/>
+          </p:cNvSpPr>
+          <p:nvPr>
+            <p:ph type="sldNum" sz="quarter" idx="10"/>
+          </p:nvPr>
+        </p:nvSpPr>
+        <p:spPr/>
+        <p:txBody>
+          <a:bodyPr/>
+          <a:lstStyle/>
+          <a:p>
+            <a:fld id="{EF8A6B0B-A5FB-4629-B823-69B1A9EB3A43}" type="slidenum">
+              <a:rPr lang="zh-TW" altLang="en-US" smtClean="0"/>
+              <a:t>13</a:t>
+            </a:fld>
+            <a:endParaRPr lang="zh-TW" altLang="en-US"/>
+          </a:p>
+        </p:txBody>
+      </p:sp>
+    </p:spTree>
+    <p:extLst>
+      <p:ext uri="{BB962C8B-B14F-4D97-AF65-F5344CB8AC3E}">
+        <p14:creationId xmlns:p14="http://schemas.microsoft.com/office/powerpoint/2010/main" val="865219679"/>
+      </p:ext>
+    </p:extLst>
+  </p:cSld>
+  <p:clrMapOvr>
+    <a:masterClrMapping/>
+  </p:clrMapOvr>
+</p:notes>
+</file>
+
+<file path=ppt/notesSlides/notesSlide12.xml><?xml version="1.0" encoding="utf-8"?>
+<p:notes xmlns:a="http://schemas.openxmlformats.org/drawingml/2006/main" xmlns:r="http://schemas.openxmlformats.org/officeDocument/2006/relationships" xmlns:p="http://schemas.openxmlformats.org/presentationml/2006/main">
+  <p:cSld>
+    <p:spTree>
+      <p:nvGrpSpPr>
+        <p:cNvPr id="1" name=""/>
+        <p:cNvGrpSpPr/>
+        <p:nvPr/>
+      </p:nvGrpSpPr>
+      <p:grpSpPr>
+        <a:xfrm>
+          <a:off x="0" y="0"/>
+          <a:ext cx="0" cy="0"/>
+          <a:chOff x="0" y="0"/>
+          <a:chExt cx="0" cy="0"/>
+        </a:xfrm>
+      </p:grpSpPr>
+      <p:sp>
+        <p:nvSpPr>
+          <p:cNvPr id="2" name="投影片圖像版面配置區 1"/>
+          <p:cNvSpPr>
+            <a:spLocks noGrp="1" noRot="1" noChangeAspect="1"/>
+          </p:cNvSpPr>
+          <p:nvPr>
+            <p:ph type="sldImg"/>
+          </p:nvPr>
+        </p:nvSpPr>
+        <p:spPr/>
+      </p:sp>
+      <p:sp>
+        <p:nvSpPr>
+          <p:cNvPr id="3" name="備忘稿版面配置區 2"/>
+          <p:cNvSpPr>
+            <a:spLocks noGrp="1"/>
+          </p:cNvSpPr>
+          <p:nvPr>
+            <p:ph type="body" idx="1"/>
+          </p:nvPr>
+        </p:nvSpPr>
+        <p:spPr/>
+        <p:txBody>
+          <a:bodyPr/>
+          <a:lstStyle/>
+          <a:p>
+            <a:endParaRPr lang="zh-TW" altLang="en-US" dirty="0"/>
+          </a:p>
+        </p:txBody>
+      </p:sp>
+      <p:sp>
+        <p:nvSpPr>
+          <p:cNvPr id="4" name="投影片編號版面配置區 3"/>
+          <p:cNvSpPr>
+            <a:spLocks noGrp="1"/>
+          </p:cNvSpPr>
+          <p:nvPr>
+            <p:ph type="sldNum" sz="quarter" idx="10"/>
+          </p:nvPr>
+        </p:nvSpPr>
+        <p:spPr/>
+        <p:txBody>
+          <a:bodyPr/>
+          <a:lstStyle/>
+          <a:p>
+            <a:fld id="{EF8A6B0B-A5FB-4629-B823-69B1A9EB3A43}" type="slidenum">
+              <a:rPr lang="zh-TW" altLang="en-US" smtClean="0"/>
+              <a:t>14</a:t>
+            </a:fld>
+            <a:endParaRPr lang="zh-TW" altLang="en-US"/>
+          </a:p>
+        </p:txBody>
+      </p:sp>
+    </p:spTree>
+    <p:extLst>
+      <p:ext uri="{BB962C8B-B14F-4D97-AF65-F5344CB8AC3E}">
+        <p14:creationId xmlns:p14="http://schemas.microsoft.com/office/powerpoint/2010/main" val="1937862597"/>
+      </p:ext>
+    </p:extLst>
+  </p:cSld>
+  <p:clrMapOvr>
+    <a:masterClrMapping/>
+  </p:clrMapOvr>
+</p:notes>
+</file>
+
+<file path=ppt/notesSlides/notesSlide13.xml><?xml version="1.0" encoding="utf-8"?>
+<p:notes xmlns:a="http://schemas.openxmlformats.org/drawingml/2006/main" xmlns:r="http://schemas.openxmlformats.org/officeDocument/2006/relationships" xmlns:p="http://schemas.openxmlformats.org/presentationml/2006/main">
+  <p:cSld>
+    <p:spTree>
+      <p:nvGrpSpPr>
+        <p:cNvPr id="1" name=""/>
+        <p:cNvGrpSpPr/>
+        <p:nvPr/>
+      </p:nvGrpSpPr>
+      <p:grpSpPr>
+        <a:xfrm>
+          <a:off x="0" y="0"/>
+          <a:ext cx="0" cy="0"/>
+          <a:chOff x="0" y="0"/>
+          <a:chExt cx="0" cy="0"/>
+        </a:xfrm>
+      </p:grpSpPr>
+      <p:sp>
+        <p:nvSpPr>
+          <p:cNvPr id="2" name="投影片圖像版面配置區 1"/>
+          <p:cNvSpPr>
+            <a:spLocks noGrp="1" noRot="1" noChangeAspect="1"/>
+          </p:cNvSpPr>
+          <p:nvPr>
+            <p:ph type="sldImg"/>
+          </p:nvPr>
+        </p:nvSpPr>
+        <p:spPr/>
+      </p:sp>
+      <p:sp>
+        <p:nvSpPr>
+          <p:cNvPr id="3" name="備忘稿版面配置區 2"/>
+          <p:cNvSpPr>
+            <a:spLocks noGrp="1"/>
+          </p:cNvSpPr>
+          <p:nvPr>
+            <p:ph type="body" idx="1"/>
+          </p:nvPr>
+        </p:nvSpPr>
+        <p:spPr/>
+        <p:txBody>
+          <a:bodyPr/>
+          <a:lstStyle/>
+          <a:p>
+            <a:endParaRPr lang="zh-TW" altLang="en-US" dirty="0"/>
+          </a:p>
+        </p:txBody>
+      </p:sp>
+      <p:sp>
+        <p:nvSpPr>
+          <p:cNvPr id="4" name="投影片編號版面配置區 3"/>
+          <p:cNvSpPr>
+            <a:spLocks noGrp="1"/>
+          </p:cNvSpPr>
+          <p:nvPr>
+            <p:ph type="sldNum" sz="quarter" idx="10"/>
+          </p:nvPr>
+        </p:nvSpPr>
+        <p:spPr/>
+        <p:txBody>
+          <a:bodyPr/>
+          <a:lstStyle/>
+          <a:p>
+            <a:fld id="{EF8A6B0B-A5FB-4629-B823-69B1A9EB3A43}" type="slidenum">
+              <a:rPr lang="zh-TW" altLang="en-US" smtClean="0"/>
+              <a:t>15</a:t>
+            </a:fld>
+            <a:endParaRPr lang="zh-TW" altLang="en-US"/>
+          </a:p>
+        </p:txBody>
+      </p:sp>
+    </p:spTree>
+    <p:extLst>
+      <p:ext uri="{BB962C8B-B14F-4D97-AF65-F5344CB8AC3E}">
+        <p14:creationId xmlns:p14="http://schemas.microsoft.com/office/powerpoint/2010/main" val="2517263407"/>
+      </p:ext>
+    </p:extLst>
+  </p:cSld>
+  <p:clrMapOvr>
+    <a:masterClrMapping/>
+  </p:clrMapOvr>
+</p:notes>
+</file>
+
+<file path=ppt/notesSlides/notesSlide14.xml><?xml version="1.0" encoding="utf-8"?>
+<p:notes xmlns:a="http://schemas.openxmlformats.org/drawingml/2006/main" xmlns:r="http://schemas.openxmlformats.org/officeDocument/2006/relationships" xmlns:p="http://schemas.openxmlformats.org/presentationml/2006/main">
+  <p:cSld>
+    <p:spTree>
+      <p:nvGrpSpPr>
+        <p:cNvPr id="1" name=""/>
+        <p:cNvGrpSpPr/>
+        <p:nvPr/>
+      </p:nvGrpSpPr>
+      <p:grpSpPr>
+        <a:xfrm>
+          <a:off x="0" y="0"/>
+          <a:ext cx="0" cy="0"/>
+          <a:chOff x="0" y="0"/>
+          <a:chExt cx="0" cy="0"/>
+        </a:xfrm>
+      </p:grpSpPr>
+      <p:sp>
+        <p:nvSpPr>
+          <p:cNvPr id="2" name="投影片圖像版面配置區 1"/>
+          <p:cNvSpPr>
+            <a:spLocks noGrp="1" noRot="1" noChangeAspect="1"/>
+          </p:cNvSpPr>
+          <p:nvPr>
+            <p:ph type="sldImg"/>
+          </p:nvPr>
+        </p:nvSpPr>
+        <p:spPr/>
+      </p:sp>
+      <p:sp>
+        <p:nvSpPr>
+          <p:cNvPr id="3" name="備忘稿版面配置區 2"/>
+          <p:cNvSpPr>
+            <a:spLocks noGrp="1"/>
+          </p:cNvSpPr>
+          <p:nvPr>
+            <p:ph type="body" idx="1"/>
+          </p:nvPr>
+        </p:nvSpPr>
+        <p:spPr/>
+        <p:txBody>
+          <a:bodyPr/>
+          <a:lstStyle/>
+          <a:p>
+            <a:endParaRPr lang="zh-TW" altLang="en-US" dirty="0"/>
+          </a:p>
+        </p:txBody>
+      </p:sp>
+      <p:sp>
+        <p:nvSpPr>
+          <p:cNvPr id="4" name="投影片編號版面配置區 3"/>
+          <p:cNvSpPr>
+            <a:spLocks noGrp="1"/>
+          </p:cNvSpPr>
+          <p:nvPr>
+            <p:ph type="sldNum" sz="quarter" idx="10"/>
+          </p:nvPr>
+        </p:nvSpPr>
+        <p:spPr/>
+        <p:txBody>
+          <a:bodyPr/>
+          <a:lstStyle/>
+          <a:p>
+            <a:fld id="{EF8A6B0B-A5FB-4629-B823-69B1A9EB3A43}" type="slidenum">
+              <a:rPr lang="zh-TW" altLang="en-US" smtClean="0"/>
+              <a:t>16</a:t>
+            </a:fld>
+            <a:endParaRPr lang="zh-TW" altLang="en-US"/>
+          </a:p>
+        </p:txBody>
+      </p:sp>
+    </p:spTree>
+    <p:extLst>
+      <p:ext uri="{BB962C8B-B14F-4D97-AF65-F5344CB8AC3E}">
+        <p14:creationId xmlns:p14="http://schemas.microsoft.com/office/powerpoint/2010/main" val="282714309"/>
+      </p:ext>
+    </p:extLst>
+  </p:cSld>
+  <p:clrMapOvr>
+    <a:masterClrMapping/>
+  </p:clrMapOvr>
+</p:notes>
+</file>
+
+<file path=ppt/notesSlides/notesSlide15.xml><?xml version="1.0" encoding="utf-8"?>
+<p:notes xmlns:a="http://schemas.openxmlformats.org/drawingml/2006/main" xmlns:r="http://schemas.openxmlformats.org/officeDocument/2006/relationships" xmlns:p="http://schemas.openxmlformats.org/presentationml/2006/main">
+  <p:cSld>
+    <p:spTree>
+      <p:nvGrpSpPr>
+        <p:cNvPr id="1" name=""/>
+        <p:cNvGrpSpPr/>
+        <p:nvPr/>
+      </p:nvGrpSpPr>
+      <p:grpSpPr>
+        <a:xfrm>
+          <a:off x="0" y="0"/>
+          <a:ext cx="0" cy="0"/>
+          <a:chOff x="0" y="0"/>
+          <a:chExt cx="0" cy="0"/>
+        </a:xfrm>
+      </p:grpSpPr>
+      <p:sp>
+        <p:nvSpPr>
+          <p:cNvPr id="2" name="投影片圖像版面配置區 1"/>
+          <p:cNvSpPr>
+            <a:spLocks noGrp="1" noRot="1" noChangeAspect="1"/>
+          </p:cNvSpPr>
+          <p:nvPr>
+            <p:ph type="sldImg"/>
+          </p:nvPr>
+        </p:nvSpPr>
+        <p:spPr/>
+      </p:sp>
+      <p:sp>
+        <p:nvSpPr>
+          <p:cNvPr id="3" name="備忘稿版面配置區 2"/>
+          <p:cNvSpPr>
+            <a:spLocks noGrp="1"/>
+          </p:cNvSpPr>
+          <p:nvPr>
+            <p:ph type="body" idx="1"/>
+          </p:nvPr>
+        </p:nvSpPr>
+        <p:spPr/>
+        <p:txBody>
+          <a:bodyPr/>
+          <a:lstStyle/>
+          <a:p>
+            <a:endParaRPr lang="zh-TW" altLang="en-US" dirty="0"/>
+          </a:p>
+        </p:txBody>
+      </p:sp>
+      <p:sp>
+        <p:nvSpPr>
+          <p:cNvPr id="4" name="投影片編號版面配置區 3"/>
+          <p:cNvSpPr>
+            <a:spLocks noGrp="1"/>
+          </p:cNvSpPr>
+          <p:nvPr>
+            <p:ph type="sldNum" sz="quarter" idx="10"/>
+          </p:nvPr>
+        </p:nvSpPr>
+        <p:spPr/>
+        <p:txBody>
+          <a:bodyPr/>
+          <a:lstStyle/>
+          <a:p>
+            <a:fld id="{EF8A6B0B-A5FB-4629-B823-69B1A9EB3A43}" type="slidenum">
+              <a:rPr lang="zh-TW" altLang="en-US" smtClean="0"/>
+              <a:t>17</a:t>
+            </a:fld>
+            <a:endParaRPr lang="zh-TW" altLang="en-US"/>
+          </a:p>
+        </p:txBody>
+      </p:sp>
+    </p:spTree>
+    <p:extLst>
+      <p:ext uri="{BB962C8B-B14F-4D97-AF65-F5344CB8AC3E}">
+        <p14:creationId xmlns:p14="http://schemas.microsoft.com/office/powerpoint/2010/main" val="1560398161"/>
+      </p:ext>
+    </p:extLst>
+  </p:cSld>
+  <p:clrMapOvr>
+    <a:masterClrMapping/>
+  </p:clrMapOvr>
+</p:notes>
+</file>
+
+<file path=ppt/notesSlides/notesSlide16.xml><?xml version="1.0" encoding="utf-8"?>
+<p:notes xmlns:a="http://schemas.openxmlformats.org/drawingml/2006/main" xmlns:r="http://schemas.openxmlformats.org/officeDocument/2006/relationships" xmlns:p="http://schemas.openxmlformats.org/presentationml/2006/main">
+  <p:cSld>
+    <p:spTree>
+      <p:nvGrpSpPr>
+        <p:cNvPr id="1" name=""/>
+        <p:cNvGrpSpPr/>
+        <p:nvPr/>
+      </p:nvGrpSpPr>
+      <p:grpSpPr>
+        <a:xfrm>
+          <a:off x="0" y="0"/>
+          <a:ext cx="0" cy="0"/>
+          <a:chOff x="0" y="0"/>
+          <a:chExt cx="0" cy="0"/>
+        </a:xfrm>
+      </p:grpSpPr>
+      <p:sp>
+        <p:nvSpPr>
+          <p:cNvPr id="2" name="投影片圖像版面配置區 1"/>
+          <p:cNvSpPr>
+            <a:spLocks noGrp="1" noRot="1" noChangeAspect="1"/>
+          </p:cNvSpPr>
+          <p:nvPr>
+            <p:ph type="sldImg"/>
+          </p:nvPr>
+        </p:nvSpPr>
+        <p:spPr/>
+      </p:sp>
+      <p:sp>
+        <p:nvSpPr>
+          <p:cNvPr id="3" name="備忘稿版面配置區 2"/>
+          <p:cNvSpPr>
+            <a:spLocks noGrp="1"/>
+          </p:cNvSpPr>
+          <p:nvPr>
+            <p:ph type="body" idx="1"/>
+          </p:nvPr>
+        </p:nvSpPr>
+        <p:spPr/>
+        <p:txBody>
+          <a:bodyPr/>
+          <a:lstStyle/>
+          <a:p>
+            <a:endParaRPr lang="zh-TW" altLang="en-US" dirty="0"/>
+          </a:p>
+        </p:txBody>
+      </p:sp>
+      <p:sp>
+        <p:nvSpPr>
+          <p:cNvPr id="4" name="投影片編號版面配置區 3"/>
+          <p:cNvSpPr>
+            <a:spLocks noGrp="1"/>
+          </p:cNvSpPr>
+          <p:nvPr>
+            <p:ph type="sldNum" sz="quarter" idx="10"/>
+          </p:nvPr>
+        </p:nvSpPr>
+        <p:spPr/>
+        <p:txBody>
+          <a:bodyPr/>
+          <a:lstStyle/>
+          <a:p>
+            <a:fld id="{EF8A6B0B-A5FB-4629-B823-69B1A9EB3A43}" type="slidenum">
+              <a:rPr lang="zh-TW" altLang="en-US" smtClean="0"/>
+              <a:t>18</a:t>
+            </a:fld>
+            <a:endParaRPr lang="zh-TW" altLang="en-US"/>
+          </a:p>
+        </p:txBody>
+      </p:sp>
+    </p:spTree>
+    <p:extLst>
+      <p:ext uri="{BB962C8B-B14F-4D97-AF65-F5344CB8AC3E}">
+        <p14:creationId xmlns:p14="http://schemas.microsoft.com/office/powerpoint/2010/main" val="2092174613"/>
+      </p:ext>
+    </p:extLst>
+  </p:cSld>
+  <p:clrMapOvr>
+    <a:masterClrMapping/>
+  </p:clrMapOvr>
+</p:notes>
+</file>
+
 <file path=ppt/notesSlides/notesSlide2.xml><?xml version="1.0" encoding="utf-8"?>
 <p:notes xmlns:a="http://schemas.openxmlformats.org/drawingml/2006/main" xmlns:r="http://schemas.openxmlformats.org/officeDocument/2006/relationships" xmlns:p="http://schemas.openxmlformats.org/presentationml/2006/main">
   <p:cSld>
@@ -994,7 +1504,7 @@
     </p:spTree>
     <p:extLst>
       <p:ext uri="{BB962C8B-B14F-4D97-AF65-F5344CB8AC3E}">
-        <p14:creationId xmlns:p14="http://schemas.microsoft.com/office/powerpoint/2010/main" val="328048826"/>
+        <p14:creationId xmlns:p14="http://schemas.microsoft.com/office/powerpoint/2010/main" val="1931492570"/>
       </p:ext>
     </p:extLst>
   </p:cSld>
@@ -1078,7 +1588,7 @@
     </p:spTree>
     <p:extLst>
       <p:ext uri="{BB962C8B-B14F-4D97-AF65-F5344CB8AC3E}">
-        <p14:creationId xmlns:p14="http://schemas.microsoft.com/office/powerpoint/2010/main" val="457164210"/>
+        <p14:creationId xmlns:p14="http://schemas.microsoft.com/office/powerpoint/2010/main" val="328048826"/>
       </p:ext>
     </p:extLst>
   </p:cSld>
@@ -1162,7 +1672,7 @@
     </p:spTree>
     <p:extLst>
       <p:ext uri="{BB962C8B-B14F-4D97-AF65-F5344CB8AC3E}">
-        <p14:creationId xmlns:p14="http://schemas.microsoft.com/office/powerpoint/2010/main" val="3545196411"/>
+        <p14:creationId xmlns:p14="http://schemas.microsoft.com/office/powerpoint/2010/main" val="457164210"/>
       </p:ext>
     </p:extLst>
   </p:cSld>
@@ -1246,7 +1756,7 @@
     </p:spTree>
     <p:extLst>
       <p:ext uri="{BB962C8B-B14F-4D97-AF65-F5344CB8AC3E}">
-        <p14:creationId xmlns:p14="http://schemas.microsoft.com/office/powerpoint/2010/main" val="2707377493"/>
+        <p14:creationId xmlns:p14="http://schemas.microsoft.com/office/powerpoint/2010/main" val="3545196411"/>
       </p:ext>
     </p:extLst>
   </p:cSld>
@@ -1330,7 +1840,7 @@
     </p:spTree>
     <p:extLst>
       <p:ext uri="{BB962C8B-B14F-4D97-AF65-F5344CB8AC3E}">
-        <p14:creationId xmlns:p14="http://schemas.microsoft.com/office/powerpoint/2010/main" val="3687196995"/>
+        <p14:creationId xmlns:p14="http://schemas.microsoft.com/office/powerpoint/2010/main" val="2707377493"/>
       </p:ext>
     </p:extLst>
   </p:cSld>
@@ -1414,7 +1924,7 @@
     </p:spTree>
     <p:extLst>
       <p:ext uri="{BB962C8B-B14F-4D97-AF65-F5344CB8AC3E}">
-        <p14:creationId xmlns:p14="http://schemas.microsoft.com/office/powerpoint/2010/main" val="789872908"/>
+        <p14:creationId xmlns:p14="http://schemas.microsoft.com/office/powerpoint/2010/main" val="3687196995"/>
       </p:ext>
     </p:extLst>
   </p:cSld>
@@ -1498,7 +2008,7 @@
     </p:spTree>
     <p:extLst>
       <p:ext uri="{BB962C8B-B14F-4D97-AF65-F5344CB8AC3E}">
-        <p14:creationId xmlns:p14="http://schemas.microsoft.com/office/powerpoint/2010/main" val="2517263407"/>
+        <p14:creationId xmlns:p14="http://schemas.microsoft.com/office/powerpoint/2010/main" val="789872908"/>
       </p:ext>
     </p:extLst>
   </p:cSld>
@@ -1642,7 +2152,7 @@
           <a:p>
             <a:fld id="{0C0CC965-A63A-473D-BEFB-C8F9714D5269}" type="datetimeFigureOut">
               <a:rPr lang="zh-TW" altLang="en-US" smtClean="0"/>
-              <a:t>2023/3/14</a:t>
+              <a:t>2023/3/22</a:t>
             </a:fld>
             <a:endParaRPr lang="zh-TW" altLang="en-US"/>
           </a:p>
@@ -1810,7 +2320,7 @@
           <a:p>
             <a:fld id="{0C0CC965-A63A-473D-BEFB-C8F9714D5269}" type="datetimeFigureOut">
               <a:rPr lang="zh-TW" altLang="en-US" smtClean="0"/>
-              <a:t>2023/3/14</a:t>
+              <a:t>2023/3/22</a:t>
             </a:fld>
             <a:endParaRPr lang="zh-TW" altLang="en-US"/>
           </a:p>
@@ -1988,7 +2498,7 @@
           <a:p>
             <a:fld id="{0C0CC965-A63A-473D-BEFB-C8F9714D5269}" type="datetimeFigureOut">
               <a:rPr lang="zh-TW" altLang="en-US" smtClean="0"/>
-              <a:t>2023/3/14</a:t>
+              <a:t>2023/3/22</a:t>
             </a:fld>
             <a:endParaRPr lang="zh-TW" altLang="en-US"/>
           </a:p>
@@ -2210,7 +2720,7 @@
           <a:p>
             <a:fld id="{0C0CC965-A63A-473D-BEFB-C8F9714D5269}" type="datetimeFigureOut">
               <a:rPr lang="zh-TW" altLang="en-US" smtClean="0"/>
-              <a:t>2023/3/14</a:t>
+              <a:t>2023/3/22</a:t>
             </a:fld>
             <a:endParaRPr lang="zh-TW" altLang="en-US"/>
           </a:p>
@@ -2405,7 +2915,7 @@
           <a:p>
             <a:fld id="{0C0CC965-A63A-473D-BEFB-C8F9714D5269}" type="datetimeFigureOut">
               <a:rPr lang="zh-TW" altLang="en-US" smtClean="0"/>
-              <a:t>2023/3/14</a:t>
+              <a:t>2023/3/22</a:t>
             </a:fld>
             <a:endParaRPr lang="zh-TW" altLang="en-US"/>
           </a:p>
@@ -2650,7 +3160,7 @@
           <a:p>
             <a:fld id="{0C0CC965-A63A-473D-BEFB-C8F9714D5269}" type="datetimeFigureOut">
               <a:rPr lang="zh-TW" altLang="en-US" smtClean="0"/>
-              <a:t>2023/3/14</a:t>
+              <a:t>2023/3/22</a:t>
             </a:fld>
             <a:endParaRPr lang="zh-TW" altLang="en-US"/>
           </a:p>
@@ -2879,7 +3389,7 @@
           <a:p>
             <a:fld id="{0C0CC965-A63A-473D-BEFB-C8F9714D5269}" type="datetimeFigureOut">
               <a:rPr lang="zh-TW" altLang="en-US" smtClean="0"/>
-              <a:t>2023/3/14</a:t>
+              <a:t>2023/3/22</a:t>
             </a:fld>
             <a:endParaRPr lang="zh-TW" altLang="en-US"/>
           </a:p>
@@ -3243,7 +3753,7 @@
           <a:p>
             <a:fld id="{0C0CC965-A63A-473D-BEFB-C8F9714D5269}" type="datetimeFigureOut">
               <a:rPr lang="zh-TW" altLang="en-US" smtClean="0"/>
-              <a:t>2023/3/14</a:t>
+              <a:t>2023/3/22</a:t>
             </a:fld>
             <a:endParaRPr lang="zh-TW" altLang="en-US"/>
           </a:p>
@@ -3360,7 +3870,7 @@
           <a:p>
             <a:fld id="{0C0CC965-A63A-473D-BEFB-C8F9714D5269}" type="datetimeFigureOut">
               <a:rPr lang="zh-TW" altLang="en-US" smtClean="0"/>
-              <a:t>2023/3/14</a:t>
+              <a:t>2023/3/22</a:t>
             </a:fld>
             <a:endParaRPr lang="zh-TW" altLang="en-US"/>
           </a:p>
@@ -3455,7 +3965,7 @@
           <a:p>
             <a:fld id="{0C0CC965-A63A-473D-BEFB-C8F9714D5269}" type="datetimeFigureOut">
               <a:rPr lang="zh-TW" altLang="en-US" smtClean="0"/>
-              <a:t>2023/3/14</a:t>
+              <a:t>2023/3/22</a:t>
             </a:fld>
             <a:endParaRPr lang="zh-TW" altLang="en-US"/>
           </a:p>
@@ -3730,7 +4240,7 @@
           <a:p>
             <a:fld id="{0C0CC965-A63A-473D-BEFB-C8F9714D5269}" type="datetimeFigureOut">
               <a:rPr lang="zh-TW" altLang="en-US" smtClean="0"/>
-              <a:t>2023/3/14</a:t>
+              <a:t>2023/3/22</a:t>
             </a:fld>
             <a:endParaRPr lang="zh-TW" altLang="en-US"/>
           </a:p>
@@ -3982,7 +4492,7 @@
           <a:p>
             <a:fld id="{0C0CC965-A63A-473D-BEFB-C8F9714D5269}" type="datetimeFigureOut">
               <a:rPr lang="zh-TW" altLang="en-US" smtClean="0"/>
-              <a:t>2023/3/14</a:t>
+              <a:t>2023/3/22</a:t>
             </a:fld>
             <a:endParaRPr lang="zh-TW" altLang="en-US"/>
           </a:p>
@@ -4196,7 +4706,7 @@
             <a:fld id="{0C0CC965-A63A-473D-BEFB-C8F9714D5269}" type="datetimeFigureOut">
               <a:rPr lang="zh-TW" altLang="en-US" smtClean="0"/>
               <a:pPr/>
-              <a:t>2023/3/14</a:t>
+              <a:t>2023/3/22</a:t>
             </a:fld>
             <a:endParaRPr lang="zh-TW" altLang="en-US"/>
           </a:p>
@@ -4859,6 +5369,200 @@
             </a:r>
             <a:r>
               <a:rPr lang="en-US" altLang="zh-TW" sz="3200" dirty="0"/>
+              <a:t>-</a:t>
+            </a:r>
+            <a:r>
+              <a:rPr lang="zh-TW" altLang="en-US" sz="3200" dirty="0"/>
+              <a:t>圖片</a:t>
+            </a:r>
+            <a:r>
+              <a:rPr lang="en-US" altLang="zh-TW" sz="3200" dirty="0"/>
+              <a:t>OPEN&amp;CLOSE</a:t>
+            </a:r>
+            <a:r>
+              <a:rPr lang="zh-TW" altLang="en-US" sz="3200" dirty="0"/>
+              <a:t> </a:t>
+            </a:r>
+          </a:p>
+        </p:txBody>
+      </p:sp>
+      <p:sp>
+        <p:nvSpPr>
+          <p:cNvPr id="10" name="內容版面配置區 1">
+            <a:extLst>
+              <a:ext uri="{FF2B5EF4-FFF2-40B4-BE49-F238E27FC236}">
+                <a16:creationId xmlns:a16="http://schemas.microsoft.com/office/drawing/2014/main" id="{7525C5FA-E5AD-4056-9857-68D56781A774}"/>
+              </a:ext>
+            </a:extLst>
+          </p:cNvPr>
+          <p:cNvSpPr>
+            <a:spLocks noGrp="1"/>
+          </p:cNvSpPr>
+          <p:nvPr>
+            <p:ph idx="1"/>
+          </p:nvPr>
+        </p:nvSpPr>
+        <p:spPr>
+          <a:xfrm>
+            <a:off x="838200" y="1201850"/>
+            <a:ext cx="10515600" cy="5037776"/>
+          </a:xfrm>
+        </p:spPr>
+        <p:txBody>
+          <a:bodyPr>
+            <a:normAutofit/>
+          </a:bodyPr>
+          <a:lstStyle/>
+          <a:p>
+            <a:pPr marL="0" indent="0">
+              <a:buNone/>
+            </a:pPr>
+            <a:r>
+              <a:rPr lang="en-US" altLang="zh-TW" dirty="0"/>
+              <a:t>13*13</a:t>
+            </a:r>
+          </a:p>
+          <a:p>
+            <a:pPr marL="0" indent="0">
+              <a:buNone/>
+            </a:pPr>
+            <a:r>
+              <a:rPr lang="en-US" altLang="zh-TW" dirty="0"/>
+              <a:t>OPEN:                                                                                          CLOSE:</a:t>
+            </a:r>
+          </a:p>
+        </p:txBody>
+      </p:sp>
+      <p:pic>
+        <p:nvPicPr>
+          <p:cNvPr id="4" name="圖片 3" descr="一張含有 文字 的圖片&#10;&#10;自動產生的描述">
+            <a:extLst>
+              <a:ext uri="{FF2B5EF4-FFF2-40B4-BE49-F238E27FC236}">
+                <a16:creationId xmlns:a16="http://schemas.microsoft.com/office/drawing/2014/main" id="{82868C15-A64C-18C4-2202-ED23466AB2ED}"/>
+              </a:ext>
+            </a:extLst>
+          </p:cNvPr>
+          <p:cNvPicPr>
+            <a:picLocks noChangeAspect="1"/>
+          </p:cNvPicPr>
+          <p:nvPr/>
+        </p:nvPicPr>
+        <p:blipFill>
+          <a:blip r:embed="rId3">
+            <a:extLst>
+              <a:ext uri="{28A0092B-C50C-407E-A947-70E740481C1C}">
+                <a14:useLocalDpi xmlns:a14="http://schemas.microsoft.com/office/drawing/2010/main" val="0"/>
+              </a:ext>
+            </a:extLst>
+          </a:blip>
+          <a:stretch>
+            <a:fillRect/>
+          </a:stretch>
+        </p:blipFill>
+        <p:spPr>
+          <a:xfrm>
+            <a:off x="1545901" y="1201850"/>
+            <a:ext cx="4248525" cy="5037776"/>
+          </a:xfrm>
+          <a:prstGeom prst="rect">
+            <a:avLst/>
+          </a:prstGeom>
+        </p:spPr>
+      </p:pic>
+      <p:pic>
+        <p:nvPicPr>
+          <p:cNvPr id="6" name="圖片 5" descr="一張含有 文字 的圖片&#10;&#10;自動產生的描述">
+            <a:extLst>
+              <a:ext uri="{FF2B5EF4-FFF2-40B4-BE49-F238E27FC236}">
+                <a16:creationId xmlns:a16="http://schemas.microsoft.com/office/drawing/2014/main" id="{3D5A8CE7-0F5E-8BF6-035B-0243508792B8}"/>
+              </a:ext>
+            </a:extLst>
+          </p:cNvPr>
+          <p:cNvPicPr>
+            <a:picLocks noChangeAspect="1"/>
+          </p:cNvPicPr>
+          <p:nvPr/>
+        </p:nvPicPr>
+        <p:blipFill>
+          <a:blip r:embed="rId4">
+            <a:extLst>
+              <a:ext uri="{28A0092B-C50C-407E-A947-70E740481C1C}">
+                <a14:useLocalDpi xmlns:a14="http://schemas.microsoft.com/office/drawing/2010/main" val="0"/>
+              </a:ext>
+            </a:extLst>
+          </a:blip>
+          <a:stretch>
+            <a:fillRect/>
+          </a:stretch>
+        </p:blipFill>
+        <p:spPr>
+          <a:xfrm>
+            <a:off x="7014371" y="1201848"/>
+            <a:ext cx="4000813" cy="5037777"/>
+          </a:xfrm>
+          <a:prstGeom prst="rect">
+            <a:avLst/>
+          </a:prstGeom>
+        </p:spPr>
+      </p:pic>
+    </p:spTree>
+    <p:extLst>
+      <p:ext uri="{BB962C8B-B14F-4D97-AF65-F5344CB8AC3E}">
+        <p14:creationId xmlns:p14="http://schemas.microsoft.com/office/powerpoint/2010/main" val="516655775"/>
+      </p:ext>
+    </p:extLst>
+  </p:cSld>
+  <p:clrMapOvr>
+    <a:masterClrMapping/>
+  </p:clrMapOvr>
+</p:sld>
+</file>
+
+<file path=ppt/slides/slide11.xml><?xml version="1.0" encoding="utf-8"?>
+<p:sld xmlns:a="http://schemas.openxmlformats.org/drawingml/2006/main" xmlns:r="http://schemas.openxmlformats.org/officeDocument/2006/relationships" xmlns:p="http://schemas.openxmlformats.org/presentationml/2006/main">
+  <p:cSld>
+    <p:spTree>
+      <p:nvGrpSpPr>
+        <p:cNvPr id="1" name=""/>
+        <p:cNvGrpSpPr/>
+        <p:nvPr/>
+      </p:nvGrpSpPr>
+      <p:grpSpPr>
+        <a:xfrm>
+          <a:off x="0" y="0"/>
+          <a:ext cx="0" cy="0"/>
+          <a:chOff x="0" y="0"/>
+          <a:chExt cx="0" cy="0"/>
+        </a:xfrm>
+      </p:grpSpPr>
+      <p:sp>
+        <p:nvSpPr>
+          <p:cNvPr id="3" name="標題 2"/>
+          <p:cNvSpPr>
+            <a:spLocks noGrp="1"/>
+          </p:cNvSpPr>
+          <p:nvPr>
+            <p:ph type="title"/>
+          </p:nvPr>
+        </p:nvSpPr>
+        <p:spPr>
+          <a:xfrm>
+            <a:off x="838200" y="365125"/>
+            <a:ext cx="10515600" cy="720000"/>
+          </a:xfrm>
+        </p:spPr>
+        <p:txBody>
+          <a:bodyPr>
+            <a:noAutofit/>
+          </a:bodyPr>
+          <a:lstStyle/>
+          <a:p>
+            <a:r>
+              <a:rPr lang="zh-TW" altLang="en-US" sz="3200" dirty="0"/>
+              <a:t>成果展示</a:t>
+            </a:r>
+            <a:r>
+              <a:rPr lang="en-US" altLang="zh-TW" sz="3200" dirty="0"/>
               <a:t>-AVX</a:t>
             </a:r>
             <a:r>
@@ -4894,7 +5598,23 @@
             </a:pPr>
             <a:r>
               <a:rPr lang="en-US" altLang="zh-TW" dirty="0"/>
-              <a:t>OPEN</a:t>
+              <a:t>OPEN(</a:t>
+            </a:r>
+            <a:r>
+              <a:rPr lang="zh-TW" altLang="en-US" dirty="0"/>
+              <a:t>執行</a:t>
+            </a:r>
+            <a:r>
+              <a:rPr lang="en-US" altLang="zh-TW" dirty="0"/>
+              <a:t>3</a:t>
+            </a:r>
+            <a:r>
+              <a:rPr lang="zh-TW" altLang="en-US" dirty="0"/>
+              <a:t>次取平均秒數</a:t>
+            </a:r>
+            <a:r>
+              <a:rPr lang="en-US" altLang="zh-TW" dirty="0"/>
+              <a:t>)</a:t>
             </a:r>
           </a:p>
           <a:p>
@@ -4920,7 +5640,7 @@
           <p:nvPr>
             <p:extLst>
               <p:ext uri="{D42A27DB-BD31-4B8C-83A1-F6EECF244321}">
-                <p14:modId xmlns:p14="http://schemas.microsoft.com/office/powerpoint/2010/main" val="2429868645"/>
+                <p14:modId xmlns:p14="http://schemas.microsoft.com/office/powerpoint/2010/main" val="3578792139"/>
               </p:ext>
             </p:extLst>
           </p:nvPr>
@@ -5081,10 +5801,18 @@
                     <a:lstStyle/>
                     <a:p>
                       <a:r>
-                        <a:rPr lang="en-US" altLang="zh-TW" dirty="0"/>
-                        <a:t>0.284007s</a:t>
+                        <a:rPr lang="en-US" altLang="zh-TW" dirty="0">
+                          <a:solidFill>
+                            <a:srgbClr val="FF0000"/>
+                          </a:solidFill>
+                        </a:rPr>
+                        <a:t>0.487723s</a:t>
                       </a:r>
-                      <a:endParaRPr lang="zh-TW" altLang="en-US" dirty="0"/>
+                      <a:endParaRPr lang="zh-TW" altLang="en-US" dirty="0">
+                        <a:solidFill>
+                          <a:srgbClr val="FF0000"/>
+                        </a:solidFill>
+                      </a:endParaRPr>
                     </a:p>
                   </a:txBody>
                   <a:tcPr/>
@@ -5112,10 +5840,18 @@
                         <a:defRPr/>
                       </a:pPr>
                       <a:r>
-                        <a:rPr lang="en-US" altLang="zh-TW" dirty="0"/>
-                        <a:t>0.457276s</a:t>
+                        <a:rPr lang="en-US" altLang="zh-TW" dirty="0">
+                          <a:solidFill>
+                            <a:srgbClr val="FF0000"/>
+                          </a:solidFill>
+                        </a:rPr>
+                        <a:t>0.426295s</a:t>
                       </a:r>
-                      <a:endParaRPr lang="zh-TW" altLang="en-US" dirty="0"/>
+                      <a:endParaRPr lang="zh-TW" altLang="en-US" dirty="0">
+                        <a:solidFill>
+                          <a:srgbClr val="FF0000"/>
+                        </a:solidFill>
+                      </a:endParaRPr>
                     </a:p>
                   </a:txBody>
                   <a:tcPr/>
@@ -5126,10 +5862,18 @@
                     <a:lstStyle/>
                     <a:p>
                       <a:r>
-                        <a:rPr lang="en-US" altLang="zh-TW" dirty="0"/>
-                        <a:t>1.61</a:t>
+                        <a:rPr lang="en-US" altLang="zh-TW" dirty="0">
+                          <a:solidFill>
+                            <a:srgbClr val="FF0000"/>
+                          </a:solidFill>
+                        </a:rPr>
+                        <a:t>0.87</a:t>
                       </a:r>
-                      <a:endParaRPr lang="zh-TW" altLang="en-US" dirty="0"/>
+                      <a:endParaRPr lang="zh-TW" altLang="en-US" dirty="0">
+                        <a:solidFill>
+                          <a:srgbClr val="FF0000"/>
+                        </a:solidFill>
+                      </a:endParaRPr>
                     </a:p>
                   </a:txBody>
                   <a:tcPr/>
@@ -5169,10 +5913,18 @@
                     <a:lstStyle/>
                     <a:p>
                       <a:r>
-                        <a:rPr lang="en-US" altLang="zh-TW" dirty="0"/>
-                        <a:t>0.355582s</a:t>
+                        <a:rPr lang="en-US" altLang="zh-TW" dirty="0">
+                          <a:solidFill>
+                            <a:srgbClr val="FF0000"/>
+                          </a:solidFill>
+                        </a:rPr>
+                        <a:t>0.495424s</a:t>
                       </a:r>
-                      <a:endParaRPr lang="zh-TW" altLang="en-US" dirty="0"/>
+                      <a:endParaRPr lang="zh-TW" altLang="en-US" dirty="0">
+                        <a:solidFill>
+                          <a:srgbClr val="FF0000"/>
+                        </a:solidFill>
+                      </a:endParaRPr>
                     </a:p>
                   </a:txBody>
                   <a:tcPr/>
@@ -5183,10 +5935,18 @@
                     <a:lstStyle/>
                     <a:p>
                       <a:r>
-                        <a:rPr lang="en-US" altLang="zh-TW" dirty="0"/>
-                        <a:t>0.493642s</a:t>
+                        <a:rPr lang="en-US" altLang="zh-TW" dirty="0">
+                          <a:solidFill>
+                            <a:srgbClr val="FF0000"/>
+                          </a:solidFill>
+                        </a:rPr>
+                        <a:t>0.322362s</a:t>
                       </a:r>
-                      <a:endParaRPr lang="zh-TW" altLang="en-US" dirty="0"/>
+                      <a:endParaRPr lang="zh-TW" altLang="en-US" dirty="0">
+                        <a:solidFill>
+                          <a:srgbClr val="FF0000"/>
+                        </a:solidFill>
+                      </a:endParaRPr>
                     </a:p>
                   </a:txBody>
                   <a:tcPr/>
@@ -5197,10 +5957,18 @@
                     <a:lstStyle/>
                     <a:p>
                       <a:r>
-                        <a:rPr lang="en-US" altLang="zh-TW" dirty="0"/>
-                        <a:t>1.38</a:t>
+                        <a:rPr lang="en-US" altLang="zh-TW" dirty="0">
+                          <a:solidFill>
+                            <a:srgbClr val="FF0000"/>
+                          </a:solidFill>
+                        </a:rPr>
+                        <a:t>0.65</a:t>
                       </a:r>
-                      <a:endParaRPr lang="zh-TW" altLang="en-US" dirty="0"/>
+                      <a:endParaRPr lang="zh-TW" altLang="en-US" dirty="0">
+                        <a:solidFill>
+                          <a:srgbClr val="FF0000"/>
+                        </a:solidFill>
+                      </a:endParaRPr>
                     </a:p>
                   </a:txBody>
                   <a:tcPr/>
@@ -5240,10 +6008,18 @@
                     <a:lstStyle/>
                     <a:p>
                       <a:r>
-                        <a:rPr lang="en-US" altLang="zh-TW" dirty="0"/>
-                        <a:t>0.401407s</a:t>
+                        <a:rPr lang="en-US" altLang="zh-TW" dirty="0">
+                          <a:solidFill>
+                            <a:srgbClr val="FF0000"/>
+                          </a:solidFill>
+                        </a:rPr>
+                        <a:t>0.378714s</a:t>
                       </a:r>
-                      <a:endParaRPr lang="zh-TW" altLang="en-US" dirty="0"/>
+                      <a:endParaRPr lang="zh-TW" altLang="en-US" dirty="0">
+                        <a:solidFill>
+                          <a:srgbClr val="FF0000"/>
+                        </a:solidFill>
+                      </a:endParaRPr>
                     </a:p>
                   </a:txBody>
                   <a:tcPr/>
@@ -5254,10 +6030,18 @@
                     <a:lstStyle/>
                     <a:p>
                       <a:r>
-                        <a:rPr lang="en-US" altLang="zh-TW" dirty="0"/>
-                        <a:t>0.526163s</a:t>
+                        <a:rPr lang="en-US" altLang="zh-TW" dirty="0">
+                          <a:solidFill>
+                            <a:srgbClr val="FF0000"/>
+                          </a:solidFill>
+                        </a:rPr>
+                        <a:t>0.339533s</a:t>
                       </a:r>
-                      <a:endParaRPr lang="zh-TW" altLang="en-US" dirty="0"/>
+                      <a:endParaRPr lang="zh-TW" altLang="en-US" dirty="0">
+                        <a:solidFill>
+                          <a:srgbClr val="FF0000"/>
+                        </a:solidFill>
+                      </a:endParaRPr>
                     </a:p>
                   </a:txBody>
                   <a:tcPr/>
@@ -5268,10 +6052,18 @@
                     <a:lstStyle/>
                     <a:p>
                       <a:r>
-                        <a:rPr lang="en-US" altLang="zh-TW" dirty="0"/>
-                        <a:t>1.31</a:t>
+                        <a:rPr lang="en-US" altLang="zh-TW" dirty="0">
+                          <a:solidFill>
+                            <a:srgbClr val="FF0000"/>
+                          </a:solidFill>
+                        </a:rPr>
+                        <a:t>0.89</a:t>
                       </a:r>
-                      <a:endParaRPr lang="zh-TW" altLang="en-US" dirty="0"/>
+                      <a:endParaRPr lang="zh-TW" altLang="en-US" dirty="0">
+                        <a:solidFill>
+                          <a:srgbClr val="FF0000"/>
+                        </a:solidFill>
+                      </a:endParaRPr>
                     </a:p>
                   </a:txBody>
                   <a:tcPr/>
@@ -5312,7 +6104,7 @@
                     <a:p>
                       <a:r>
                         <a:rPr lang="en-US" altLang="zh-TW" dirty="0"/>
-                        <a:t>0.476613s</a:t>
+                        <a:t>0.340806s</a:t>
                       </a:r>
                       <a:endParaRPr lang="zh-TW" altLang="en-US" dirty="0"/>
                     </a:p>
@@ -5326,7 +6118,7 @@
                     <a:p>
                       <a:r>
                         <a:rPr lang="en-US" altLang="zh-TW" dirty="0"/>
-                        <a:t>0.631796s</a:t>
+                        <a:t>0.403806s</a:t>
                       </a:r>
                       <a:endParaRPr lang="zh-TW" altLang="en-US" dirty="0"/>
                     </a:p>
@@ -5340,7 +6132,7 @@
                     <a:p>
                       <a:r>
                         <a:rPr lang="en-US" altLang="zh-TW" dirty="0"/>
-                        <a:t>1.33</a:t>
+                        <a:t>1.18</a:t>
                       </a:r>
                       <a:endParaRPr lang="zh-TW" altLang="en-US" dirty="0"/>
                     </a:p>
@@ -5383,7 +6175,7 @@
                     <a:p>
                       <a:r>
                         <a:rPr lang="en-US" altLang="zh-TW" dirty="0"/>
-                        <a:t>0.521540s</a:t>
+                        <a:t>0.371871s</a:t>
                       </a:r>
                       <a:endParaRPr lang="zh-TW" altLang="en-US" dirty="0"/>
                     </a:p>
@@ -5397,7 +6189,7 @@
                     <a:p>
                       <a:r>
                         <a:rPr lang="en-US" altLang="zh-TW" dirty="0"/>
-                        <a:t>0.569071s</a:t>
+                        <a:t>0.480732s</a:t>
                       </a:r>
                       <a:endParaRPr lang="zh-TW" altLang="en-US" dirty="0"/>
                     </a:p>
@@ -5411,7 +6203,7 @@
                     <a:p>
                       <a:r>
                         <a:rPr lang="en-US" altLang="zh-TW" dirty="0"/>
-                        <a:t>1.09</a:t>
+                        <a:t>1.29</a:t>
                       </a:r>
                       <a:endParaRPr lang="zh-TW" altLang="en-US" dirty="0"/>
                     </a:p>
@@ -5454,7 +6246,7 @@
                     <a:p>
                       <a:r>
                         <a:rPr lang="en-US" altLang="zh-TW" dirty="0"/>
-                        <a:t>0.564695s</a:t>
+                        <a:t>0.419381s</a:t>
                       </a:r>
                       <a:endParaRPr lang="zh-TW" altLang="en-US" dirty="0"/>
                     </a:p>
@@ -5468,7 +6260,7 @@
                     <a:p>
                       <a:r>
                         <a:rPr lang="en-US" altLang="zh-TW" dirty="0"/>
-                        <a:t>0.589243s</a:t>
+                        <a:t>0.530049s</a:t>
                       </a:r>
                       <a:endParaRPr lang="zh-TW" altLang="en-US" dirty="0"/>
                     </a:p>
@@ -5482,7 +6274,7 @@
                     <a:p>
                       <a:r>
                         <a:rPr lang="en-US" altLang="zh-TW" dirty="0"/>
-                        <a:t>1.04</a:t>
+                        <a:t>1.26</a:t>
                       </a:r>
                       <a:endParaRPr lang="zh-TW" altLang="en-US" dirty="0"/>
                     </a:p>
@@ -5512,7 +6304,7 @@
 </p:sld>
 </file>
 
-<file path=ppt/slides/slide11.xml><?xml version="1.0" encoding="utf-8"?>
+<file path=ppt/slides/slide12.xml><?xml version="1.0" encoding="utf-8"?>
 <p:sld xmlns:a="http://schemas.openxmlformats.org/drawingml/2006/main" xmlns:r="http://schemas.openxmlformats.org/officeDocument/2006/relationships" xmlns:p="http://schemas.openxmlformats.org/presentationml/2006/main">
   <p:cSld>
     <p:spTree>
@@ -5563,6 +6355,1582 @@
               <a:rPr lang="zh-TW" altLang="en-US" sz="3200" dirty="0"/>
               <a:t>開關的差異</a:t>
             </a:r>
+            <a:r>
+              <a:rPr lang="en-US" altLang="zh-TW" sz="3200" dirty="0"/>
+              <a:t>-OPEN</a:t>
+            </a:r>
+            <a:endParaRPr lang="zh-TW" altLang="en-US" sz="3200" dirty="0"/>
+          </a:p>
+        </p:txBody>
+      </p:sp>
+      <p:pic>
+        <p:nvPicPr>
+          <p:cNvPr id="18" name="圖片 17">
+            <a:extLst>
+              <a:ext uri="{FF2B5EF4-FFF2-40B4-BE49-F238E27FC236}">
+                <a16:creationId xmlns:a16="http://schemas.microsoft.com/office/drawing/2014/main" id="{36E4062F-D470-7E9F-CEDC-694EB61184E4}"/>
+              </a:ext>
+            </a:extLst>
+          </p:cNvPr>
+          <p:cNvPicPr>
+            <a:picLocks noChangeAspect="1"/>
+          </p:cNvPicPr>
+          <p:nvPr/>
+        </p:nvPicPr>
+        <p:blipFill>
+          <a:blip r:embed="rId3"/>
+          <a:stretch>
+            <a:fillRect/>
+          </a:stretch>
+        </p:blipFill>
+        <p:spPr>
+          <a:xfrm>
+            <a:off x="3473925" y="1228165"/>
+            <a:ext cx="5051511" cy="4912659"/>
+          </a:xfrm>
+          <a:prstGeom prst="rect">
+            <a:avLst/>
+          </a:prstGeom>
+        </p:spPr>
+      </p:pic>
+      <p:sp>
+        <p:nvSpPr>
+          <p:cNvPr id="20" name="框架 19">
+            <a:extLst>
+              <a:ext uri="{FF2B5EF4-FFF2-40B4-BE49-F238E27FC236}">
+                <a16:creationId xmlns:a16="http://schemas.microsoft.com/office/drawing/2014/main" id="{6C21B98F-2BFD-ED09-1796-8C545FAC59F7}"/>
+              </a:ext>
+            </a:extLst>
+          </p:cNvPr>
+          <p:cNvSpPr/>
+          <p:nvPr/>
+        </p:nvSpPr>
+        <p:spPr>
+          <a:xfrm>
+            <a:off x="3473925" y="1410788"/>
+            <a:ext cx="3971109" cy="757646"/>
+          </a:xfrm>
+          <a:prstGeom prst="frame">
+            <a:avLst>
+              <a:gd name="adj1" fmla="val 2599"/>
+            </a:avLst>
+          </a:prstGeom>
+          <a:solidFill>
+            <a:srgbClr val="FF0000"/>
+          </a:solidFill>
+          <a:ln>
+            <a:solidFill>
+              <a:srgbClr val="FF0000"/>
+            </a:solidFill>
+          </a:ln>
+        </p:spPr>
+        <p:style>
+          <a:lnRef idx="2">
+            <a:schemeClr val="accent1">
+              <a:shade val="50000"/>
+            </a:schemeClr>
+          </a:lnRef>
+          <a:fillRef idx="1">
+            <a:schemeClr val="accent1"/>
+          </a:fillRef>
+          <a:effectRef idx="0">
+            <a:schemeClr val="accent1"/>
+          </a:effectRef>
+          <a:fontRef idx="minor">
+            <a:schemeClr val="lt1"/>
+          </a:fontRef>
+        </p:style>
+        <p:txBody>
+          <a:bodyPr rtlCol="0" anchor="ctr"/>
+          <a:lstStyle/>
+          <a:p>
+            <a:pPr algn="ctr"/>
+            <a:endParaRPr lang="zh-TW" altLang="en-US">
+              <a:solidFill>
+                <a:schemeClr val="tx1"/>
+              </a:solidFill>
+            </a:endParaRPr>
+          </a:p>
+        </p:txBody>
+      </p:sp>
+      <p:sp>
+        <p:nvSpPr>
+          <p:cNvPr id="21" name="框架 20">
+            <a:extLst>
+              <a:ext uri="{FF2B5EF4-FFF2-40B4-BE49-F238E27FC236}">
+                <a16:creationId xmlns:a16="http://schemas.microsoft.com/office/drawing/2014/main" id="{B721BD3C-94A7-5277-B4D0-3739B92AA51E}"/>
+              </a:ext>
+            </a:extLst>
+          </p:cNvPr>
+          <p:cNvSpPr/>
+          <p:nvPr/>
+        </p:nvSpPr>
+        <p:spPr>
+          <a:xfrm>
+            <a:off x="3473925" y="2168434"/>
+            <a:ext cx="3971109" cy="757646"/>
+          </a:xfrm>
+          <a:prstGeom prst="frame">
+            <a:avLst>
+              <a:gd name="adj1" fmla="val 2599"/>
+            </a:avLst>
+          </a:prstGeom>
+          <a:solidFill>
+            <a:srgbClr val="FF0000"/>
+          </a:solidFill>
+          <a:ln>
+            <a:solidFill>
+              <a:srgbClr val="FF0000"/>
+            </a:solidFill>
+          </a:ln>
+        </p:spPr>
+        <p:style>
+          <a:lnRef idx="2">
+            <a:schemeClr val="accent1">
+              <a:shade val="50000"/>
+            </a:schemeClr>
+          </a:lnRef>
+          <a:fillRef idx="1">
+            <a:schemeClr val="accent1"/>
+          </a:fillRef>
+          <a:effectRef idx="0">
+            <a:schemeClr val="accent1"/>
+          </a:effectRef>
+          <a:fontRef idx="minor">
+            <a:schemeClr val="lt1"/>
+          </a:fontRef>
+        </p:style>
+        <p:txBody>
+          <a:bodyPr rtlCol="0" anchor="ctr"/>
+          <a:lstStyle/>
+          <a:p>
+            <a:pPr algn="ctr"/>
+            <a:endParaRPr lang="zh-TW" altLang="en-US">
+              <a:solidFill>
+                <a:schemeClr val="tx1"/>
+              </a:solidFill>
+            </a:endParaRPr>
+          </a:p>
+        </p:txBody>
+      </p:sp>
+      <p:sp>
+        <p:nvSpPr>
+          <p:cNvPr id="22" name="框架 21">
+            <a:extLst>
+              <a:ext uri="{FF2B5EF4-FFF2-40B4-BE49-F238E27FC236}">
+                <a16:creationId xmlns:a16="http://schemas.microsoft.com/office/drawing/2014/main" id="{7E0DC8CF-8025-2C77-F538-1B7578BD14B5}"/>
+              </a:ext>
+            </a:extLst>
+          </p:cNvPr>
+          <p:cNvSpPr/>
+          <p:nvPr/>
+        </p:nvSpPr>
+        <p:spPr>
+          <a:xfrm>
+            <a:off x="3473922" y="2942285"/>
+            <a:ext cx="3971109" cy="757646"/>
+          </a:xfrm>
+          <a:prstGeom prst="frame">
+            <a:avLst>
+              <a:gd name="adj1" fmla="val 2599"/>
+            </a:avLst>
+          </a:prstGeom>
+          <a:solidFill>
+            <a:srgbClr val="FF0000"/>
+          </a:solidFill>
+          <a:ln>
+            <a:solidFill>
+              <a:srgbClr val="FF0000"/>
+            </a:solidFill>
+          </a:ln>
+        </p:spPr>
+        <p:style>
+          <a:lnRef idx="2">
+            <a:schemeClr val="accent1">
+              <a:shade val="50000"/>
+            </a:schemeClr>
+          </a:lnRef>
+          <a:fillRef idx="1">
+            <a:schemeClr val="accent1"/>
+          </a:fillRef>
+          <a:effectRef idx="0">
+            <a:schemeClr val="accent1"/>
+          </a:effectRef>
+          <a:fontRef idx="minor">
+            <a:schemeClr val="lt1"/>
+          </a:fontRef>
+        </p:style>
+        <p:txBody>
+          <a:bodyPr rtlCol="0" anchor="ctr"/>
+          <a:lstStyle/>
+          <a:p>
+            <a:pPr algn="ctr"/>
+            <a:endParaRPr lang="zh-TW" altLang="en-US">
+              <a:solidFill>
+                <a:schemeClr val="tx1"/>
+              </a:solidFill>
+            </a:endParaRPr>
+          </a:p>
+        </p:txBody>
+      </p:sp>
+      <p:sp>
+        <p:nvSpPr>
+          <p:cNvPr id="23" name="框架 22">
+            <a:extLst>
+              <a:ext uri="{FF2B5EF4-FFF2-40B4-BE49-F238E27FC236}">
+                <a16:creationId xmlns:a16="http://schemas.microsoft.com/office/drawing/2014/main" id="{61548FAF-A6CD-8032-5C0D-80DF0FA5D767}"/>
+              </a:ext>
+            </a:extLst>
+          </p:cNvPr>
+          <p:cNvSpPr/>
+          <p:nvPr/>
+        </p:nvSpPr>
+        <p:spPr>
+          <a:xfrm>
+            <a:off x="3473923" y="3771451"/>
+            <a:ext cx="3971109" cy="757646"/>
+          </a:xfrm>
+          <a:prstGeom prst="frame">
+            <a:avLst>
+              <a:gd name="adj1" fmla="val 2599"/>
+            </a:avLst>
+          </a:prstGeom>
+          <a:solidFill>
+            <a:srgbClr val="FF0000"/>
+          </a:solidFill>
+          <a:ln>
+            <a:solidFill>
+              <a:srgbClr val="FF0000"/>
+            </a:solidFill>
+          </a:ln>
+        </p:spPr>
+        <p:style>
+          <a:lnRef idx="2">
+            <a:schemeClr val="accent1">
+              <a:shade val="50000"/>
+            </a:schemeClr>
+          </a:lnRef>
+          <a:fillRef idx="1">
+            <a:schemeClr val="accent1"/>
+          </a:fillRef>
+          <a:effectRef idx="0">
+            <a:schemeClr val="accent1"/>
+          </a:effectRef>
+          <a:fontRef idx="minor">
+            <a:schemeClr val="lt1"/>
+          </a:fontRef>
+        </p:style>
+        <p:txBody>
+          <a:bodyPr rtlCol="0" anchor="ctr"/>
+          <a:lstStyle/>
+          <a:p>
+            <a:pPr algn="ctr"/>
+            <a:endParaRPr lang="zh-TW" altLang="en-US">
+              <a:solidFill>
+                <a:schemeClr val="tx1"/>
+              </a:solidFill>
+            </a:endParaRPr>
+          </a:p>
+        </p:txBody>
+      </p:sp>
+      <p:sp>
+        <p:nvSpPr>
+          <p:cNvPr id="24" name="框架 23">
+            <a:extLst>
+              <a:ext uri="{FF2B5EF4-FFF2-40B4-BE49-F238E27FC236}">
+                <a16:creationId xmlns:a16="http://schemas.microsoft.com/office/drawing/2014/main" id="{C9A32292-A626-615D-0462-6FF73F7A09A1}"/>
+              </a:ext>
+            </a:extLst>
+          </p:cNvPr>
+          <p:cNvSpPr/>
+          <p:nvPr/>
+        </p:nvSpPr>
+        <p:spPr>
+          <a:xfrm>
+            <a:off x="3473921" y="4541554"/>
+            <a:ext cx="3971109" cy="757646"/>
+          </a:xfrm>
+          <a:prstGeom prst="frame">
+            <a:avLst>
+              <a:gd name="adj1" fmla="val 2599"/>
+            </a:avLst>
+          </a:prstGeom>
+          <a:solidFill>
+            <a:srgbClr val="FF0000"/>
+          </a:solidFill>
+          <a:ln>
+            <a:solidFill>
+              <a:srgbClr val="FF0000"/>
+            </a:solidFill>
+          </a:ln>
+        </p:spPr>
+        <p:style>
+          <a:lnRef idx="2">
+            <a:schemeClr val="accent1">
+              <a:shade val="50000"/>
+            </a:schemeClr>
+          </a:lnRef>
+          <a:fillRef idx="1">
+            <a:schemeClr val="accent1"/>
+          </a:fillRef>
+          <a:effectRef idx="0">
+            <a:schemeClr val="accent1"/>
+          </a:effectRef>
+          <a:fontRef idx="minor">
+            <a:schemeClr val="lt1"/>
+          </a:fontRef>
+        </p:style>
+        <p:txBody>
+          <a:bodyPr rtlCol="0" anchor="ctr"/>
+          <a:lstStyle/>
+          <a:p>
+            <a:pPr algn="ctr"/>
+            <a:endParaRPr lang="zh-TW" altLang="en-US">
+              <a:solidFill>
+                <a:schemeClr val="tx1"/>
+              </a:solidFill>
+            </a:endParaRPr>
+          </a:p>
+        </p:txBody>
+      </p:sp>
+      <p:sp>
+        <p:nvSpPr>
+          <p:cNvPr id="25" name="框架 24">
+            <a:extLst>
+              <a:ext uri="{FF2B5EF4-FFF2-40B4-BE49-F238E27FC236}">
+                <a16:creationId xmlns:a16="http://schemas.microsoft.com/office/drawing/2014/main" id="{3BA6C8E0-645C-8C01-2053-8A2F291E0E2B}"/>
+              </a:ext>
+            </a:extLst>
+          </p:cNvPr>
+          <p:cNvSpPr/>
+          <p:nvPr/>
+        </p:nvSpPr>
+        <p:spPr>
+          <a:xfrm>
+            <a:off x="3473921" y="5341189"/>
+            <a:ext cx="3971109" cy="757646"/>
+          </a:xfrm>
+          <a:prstGeom prst="frame">
+            <a:avLst>
+              <a:gd name="adj1" fmla="val 2599"/>
+            </a:avLst>
+          </a:prstGeom>
+          <a:solidFill>
+            <a:srgbClr val="FF0000"/>
+          </a:solidFill>
+          <a:ln>
+            <a:solidFill>
+              <a:srgbClr val="FF0000"/>
+            </a:solidFill>
+          </a:ln>
+        </p:spPr>
+        <p:style>
+          <a:lnRef idx="2">
+            <a:schemeClr val="accent1">
+              <a:shade val="50000"/>
+            </a:schemeClr>
+          </a:lnRef>
+          <a:fillRef idx="1">
+            <a:schemeClr val="accent1"/>
+          </a:fillRef>
+          <a:effectRef idx="0">
+            <a:schemeClr val="accent1"/>
+          </a:effectRef>
+          <a:fontRef idx="minor">
+            <a:schemeClr val="lt1"/>
+          </a:fontRef>
+        </p:style>
+        <p:txBody>
+          <a:bodyPr rtlCol="0" anchor="ctr"/>
+          <a:lstStyle/>
+          <a:p>
+            <a:pPr algn="ctr"/>
+            <a:endParaRPr lang="zh-TW" altLang="en-US">
+              <a:solidFill>
+                <a:schemeClr val="tx1"/>
+              </a:solidFill>
+            </a:endParaRPr>
+          </a:p>
+        </p:txBody>
+      </p:sp>
+      <p:sp>
+        <p:nvSpPr>
+          <p:cNvPr id="26" name="文字方塊 25">
+            <a:extLst>
+              <a:ext uri="{FF2B5EF4-FFF2-40B4-BE49-F238E27FC236}">
+                <a16:creationId xmlns:a16="http://schemas.microsoft.com/office/drawing/2014/main" id="{41F604DF-4637-62A4-1824-1A9956A02444}"/>
+              </a:ext>
+            </a:extLst>
+          </p:cNvPr>
+          <p:cNvSpPr txBox="1"/>
+          <p:nvPr/>
+        </p:nvSpPr>
+        <p:spPr>
+          <a:xfrm>
+            <a:off x="2778034" y="1422336"/>
+            <a:ext cx="1645920" cy="4524315"/>
+          </a:xfrm>
+          <a:prstGeom prst="rect">
+            <a:avLst/>
+          </a:prstGeom>
+          <a:noFill/>
+        </p:spPr>
+        <p:txBody>
+          <a:bodyPr wrap="square" rtlCol="0">
+            <a:spAutoFit/>
+          </a:bodyPr>
+          <a:lstStyle/>
+          <a:p>
+            <a:r>
+              <a:rPr lang="en-US" altLang="zh-TW" dirty="0"/>
+              <a:t>3*3</a:t>
+            </a:r>
+          </a:p>
+          <a:p>
+            <a:endParaRPr lang="en-US" altLang="zh-TW" dirty="0"/>
+          </a:p>
+          <a:p>
+            <a:endParaRPr lang="en-US" altLang="zh-TW" dirty="0"/>
+          </a:p>
+          <a:p>
+            <a:r>
+              <a:rPr lang="en-US" altLang="zh-TW" dirty="0"/>
+              <a:t>5*5</a:t>
+            </a:r>
+          </a:p>
+          <a:p>
+            <a:endParaRPr lang="en-US" altLang="zh-TW" dirty="0"/>
+          </a:p>
+          <a:p>
+            <a:endParaRPr lang="en-US" altLang="zh-TW" dirty="0"/>
+          </a:p>
+          <a:p>
+            <a:r>
+              <a:rPr lang="en-US" altLang="zh-TW" dirty="0"/>
+              <a:t>7*7</a:t>
+            </a:r>
+          </a:p>
+          <a:p>
+            <a:endParaRPr lang="en-US" altLang="zh-TW" dirty="0"/>
+          </a:p>
+          <a:p>
+            <a:endParaRPr lang="en-US" altLang="zh-TW" dirty="0"/>
+          </a:p>
+          <a:p>
+            <a:r>
+              <a:rPr lang="en-US" altLang="zh-TW" dirty="0"/>
+              <a:t>9*9</a:t>
+            </a:r>
+          </a:p>
+          <a:p>
+            <a:endParaRPr lang="en-US" altLang="zh-TW" dirty="0"/>
+          </a:p>
+          <a:p>
+            <a:endParaRPr lang="en-US" altLang="zh-TW" dirty="0"/>
+          </a:p>
+          <a:p>
+            <a:r>
+              <a:rPr lang="en-US" altLang="zh-TW" dirty="0"/>
+              <a:t>11*11</a:t>
+            </a:r>
+          </a:p>
+          <a:p>
+            <a:endParaRPr lang="en-US" altLang="zh-TW" dirty="0"/>
+          </a:p>
+          <a:p>
+            <a:endParaRPr lang="en-US" altLang="zh-TW" dirty="0"/>
+          </a:p>
+          <a:p>
+            <a:r>
+              <a:rPr lang="en-US" altLang="zh-TW" dirty="0"/>
+              <a:t>13*13</a:t>
+            </a:r>
+          </a:p>
+        </p:txBody>
+      </p:sp>
+    </p:spTree>
+    <p:extLst>
+      <p:ext uri="{BB962C8B-B14F-4D97-AF65-F5344CB8AC3E}">
+        <p14:creationId xmlns:p14="http://schemas.microsoft.com/office/powerpoint/2010/main" val="1629763650"/>
+      </p:ext>
+    </p:extLst>
+  </p:cSld>
+  <p:clrMapOvr>
+    <a:masterClrMapping/>
+  </p:clrMapOvr>
+</p:sld>
+</file>
+
+<file path=ppt/slides/slide13.xml><?xml version="1.0" encoding="utf-8"?>
+<p:sld xmlns:a="http://schemas.openxmlformats.org/drawingml/2006/main" xmlns:r="http://schemas.openxmlformats.org/officeDocument/2006/relationships" xmlns:p="http://schemas.openxmlformats.org/presentationml/2006/main">
+  <p:cSld>
+    <p:spTree>
+      <p:nvGrpSpPr>
+        <p:cNvPr id="1" name=""/>
+        <p:cNvGrpSpPr/>
+        <p:nvPr/>
+      </p:nvGrpSpPr>
+      <p:grpSpPr>
+        <a:xfrm>
+          <a:off x="0" y="0"/>
+          <a:ext cx="0" cy="0"/>
+          <a:chOff x="0" y="0"/>
+          <a:chExt cx="0" cy="0"/>
+        </a:xfrm>
+      </p:grpSpPr>
+      <p:sp>
+        <p:nvSpPr>
+          <p:cNvPr id="3" name="標題 2"/>
+          <p:cNvSpPr>
+            <a:spLocks noGrp="1"/>
+          </p:cNvSpPr>
+          <p:nvPr>
+            <p:ph type="title"/>
+          </p:nvPr>
+        </p:nvSpPr>
+        <p:spPr>
+          <a:xfrm>
+            <a:off x="838200" y="365125"/>
+            <a:ext cx="10515600" cy="720000"/>
+          </a:xfrm>
+        </p:spPr>
+        <p:txBody>
+          <a:bodyPr>
+            <a:noAutofit/>
+          </a:bodyPr>
+          <a:lstStyle/>
+          <a:p>
+            <a:r>
+              <a:rPr lang="zh-TW" altLang="en-US" sz="3200" dirty="0"/>
+              <a:t>成果展示</a:t>
+            </a:r>
+            <a:r>
+              <a:rPr lang="en-US" altLang="zh-TW" sz="3200" dirty="0"/>
+              <a:t>-AVX</a:t>
+            </a:r>
+            <a:r>
+              <a:rPr lang="zh-TW" altLang="en-US" sz="3200" dirty="0"/>
+              <a:t>開關的差異</a:t>
+            </a:r>
+            <a:r>
+              <a:rPr lang="en-US" altLang="zh-TW" sz="3200" dirty="0"/>
+              <a:t>-OPEN</a:t>
+            </a:r>
+            <a:endParaRPr lang="zh-TW" altLang="en-US" sz="3200" dirty="0"/>
+          </a:p>
+        </p:txBody>
+      </p:sp>
+      <p:pic>
+        <p:nvPicPr>
+          <p:cNvPr id="11" name="圖片 10">
+            <a:extLst>
+              <a:ext uri="{FF2B5EF4-FFF2-40B4-BE49-F238E27FC236}">
+                <a16:creationId xmlns:a16="http://schemas.microsoft.com/office/drawing/2014/main" id="{412EFA4B-0F17-3621-BBF0-18A54E083123}"/>
+              </a:ext>
+            </a:extLst>
+          </p:cNvPr>
+          <p:cNvPicPr>
+            <a:picLocks noChangeAspect="1"/>
+          </p:cNvPicPr>
+          <p:nvPr/>
+        </p:nvPicPr>
+        <p:blipFill>
+          <a:blip r:embed="rId3"/>
+          <a:stretch>
+            <a:fillRect/>
+          </a:stretch>
+        </p:blipFill>
+        <p:spPr>
+          <a:xfrm>
+            <a:off x="3065417" y="1234384"/>
+            <a:ext cx="6583680" cy="4667901"/>
+          </a:xfrm>
+          <a:prstGeom prst="rect">
+            <a:avLst/>
+          </a:prstGeom>
+        </p:spPr>
+      </p:pic>
+      <p:sp>
+        <p:nvSpPr>
+          <p:cNvPr id="2" name="框架 1">
+            <a:extLst>
+              <a:ext uri="{FF2B5EF4-FFF2-40B4-BE49-F238E27FC236}">
+                <a16:creationId xmlns:a16="http://schemas.microsoft.com/office/drawing/2014/main" id="{6D3A59DF-749F-FA55-6E18-9F12301EB31F}"/>
+              </a:ext>
+            </a:extLst>
+          </p:cNvPr>
+          <p:cNvSpPr/>
+          <p:nvPr/>
+        </p:nvSpPr>
+        <p:spPr>
+          <a:xfrm>
+            <a:off x="3065417" y="1384662"/>
+            <a:ext cx="3971109" cy="757646"/>
+          </a:xfrm>
+          <a:prstGeom prst="frame">
+            <a:avLst>
+              <a:gd name="adj1" fmla="val 2599"/>
+            </a:avLst>
+          </a:prstGeom>
+          <a:solidFill>
+            <a:srgbClr val="FF0000"/>
+          </a:solidFill>
+          <a:ln>
+            <a:solidFill>
+              <a:srgbClr val="FF0000"/>
+            </a:solidFill>
+          </a:ln>
+        </p:spPr>
+        <p:style>
+          <a:lnRef idx="2">
+            <a:schemeClr val="accent1">
+              <a:shade val="50000"/>
+            </a:schemeClr>
+          </a:lnRef>
+          <a:fillRef idx="1">
+            <a:schemeClr val="accent1"/>
+          </a:fillRef>
+          <a:effectRef idx="0">
+            <a:schemeClr val="accent1"/>
+          </a:effectRef>
+          <a:fontRef idx="minor">
+            <a:schemeClr val="lt1"/>
+          </a:fontRef>
+        </p:style>
+        <p:txBody>
+          <a:bodyPr rtlCol="0" anchor="ctr"/>
+          <a:lstStyle/>
+          <a:p>
+            <a:pPr algn="ctr"/>
+            <a:endParaRPr lang="zh-TW" altLang="en-US">
+              <a:solidFill>
+                <a:schemeClr val="tx1"/>
+              </a:solidFill>
+            </a:endParaRPr>
+          </a:p>
+        </p:txBody>
+      </p:sp>
+      <p:sp>
+        <p:nvSpPr>
+          <p:cNvPr id="4" name="框架 3">
+            <a:extLst>
+              <a:ext uri="{FF2B5EF4-FFF2-40B4-BE49-F238E27FC236}">
+                <a16:creationId xmlns:a16="http://schemas.microsoft.com/office/drawing/2014/main" id="{4C89BAB0-30F8-1AB1-A55B-1568405794E4}"/>
+              </a:ext>
+            </a:extLst>
+          </p:cNvPr>
+          <p:cNvSpPr/>
+          <p:nvPr/>
+        </p:nvSpPr>
+        <p:spPr>
+          <a:xfrm>
+            <a:off x="3065416" y="2142308"/>
+            <a:ext cx="3971109" cy="757646"/>
+          </a:xfrm>
+          <a:prstGeom prst="frame">
+            <a:avLst>
+              <a:gd name="adj1" fmla="val 2599"/>
+            </a:avLst>
+          </a:prstGeom>
+          <a:solidFill>
+            <a:srgbClr val="FF0000"/>
+          </a:solidFill>
+          <a:ln>
+            <a:solidFill>
+              <a:srgbClr val="FF0000"/>
+            </a:solidFill>
+          </a:ln>
+        </p:spPr>
+        <p:style>
+          <a:lnRef idx="2">
+            <a:schemeClr val="accent1">
+              <a:shade val="50000"/>
+            </a:schemeClr>
+          </a:lnRef>
+          <a:fillRef idx="1">
+            <a:schemeClr val="accent1"/>
+          </a:fillRef>
+          <a:effectRef idx="0">
+            <a:schemeClr val="accent1"/>
+          </a:effectRef>
+          <a:fontRef idx="minor">
+            <a:schemeClr val="lt1"/>
+          </a:fontRef>
+        </p:style>
+        <p:txBody>
+          <a:bodyPr rtlCol="0" anchor="ctr"/>
+          <a:lstStyle/>
+          <a:p>
+            <a:pPr algn="ctr"/>
+            <a:endParaRPr lang="zh-TW" altLang="en-US">
+              <a:solidFill>
+                <a:schemeClr val="tx1"/>
+              </a:solidFill>
+            </a:endParaRPr>
+          </a:p>
+        </p:txBody>
+      </p:sp>
+      <p:sp>
+        <p:nvSpPr>
+          <p:cNvPr id="5" name="框架 4">
+            <a:extLst>
+              <a:ext uri="{FF2B5EF4-FFF2-40B4-BE49-F238E27FC236}">
+                <a16:creationId xmlns:a16="http://schemas.microsoft.com/office/drawing/2014/main" id="{56286EF0-03D9-C59D-6455-C9D376DBDCAD}"/>
+              </a:ext>
+            </a:extLst>
+          </p:cNvPr>
+          <p:cNvSpPr/>
+          <p:nvPr/>
+        </p:nvSpPr>
+        <p:spPr>
+          <a:xfrm>
+            <a:off x="3065415" y="2885827"/>
+            <a:ext cx="3971109" cy="757646"/>
+          </a:xfrm>
+          <a:prstGeom prst="frame">
+            <a:avLst>
+              <a:gd name="adj1" fmla="val 2599"/>
+            </a:avLst>
+          </a:prstGeom>
+          <a:solidFill>
+            <a:srgbClr val="FF0000"/>
+          </a:solidFill>
+          <a:ln>
+            <a:solidFill>
+              <a:srgbClr val="FF0000"/>
+            </a:solidFill>
+          </a:ln>
+        </p:spPr>
+        <p:style>
+          <a:lnRef idx="2">
+            <a:schemeClr val="accent1">
+              <a:shade val="50000"/>
+            </a:schemeClr>
+          </a:lnRef>
+          <a:fillRef idx="1">
+            <a:schemeClr val="accent1"/>
+          </a:fillRef>
+          <a:effectRef idx="0">
+            <a:schemeClr val="accent1"/>
+          </a:effectRef>
+          <a:fontRef idx="minor">
+            <a:schemeClr val="lt1"/>
+          </a:fontRef>
+        </p:style>
+        <p:txBody>
+          <a:bodyPr rtlCol="0" anchor="ctr"/>
+          <a:lstStyle/>
+          <a:p>
+            <a:pPr algn="ctr"/>
+            <a:endParaRPr lang="zh-TW" altLang="en-US">
+              <a:solidFill>
+                <a:schemeClr val="tx1"/>
+              </a:solidFill>
+            </a:endParaRPr>
+          </a:p>
+        </p:txBody>
+      </p:sp>
+      <p:sp>
+        <p:nvSpPr>
+          <p:cNvPr id="6" name="框架 5">
+            <a:extLst>
+              <a:ext uri="{FF2B5EF4-FFF2-40B4-BE49-F238E27FC236}">
+                <a16:creationId xmlns:a16="http://schemas.microsoft.com/office/drawing/2014/main" id="{A04B90F2-BCC2-1B49-D108-CB283C3AF80A}"/>
+              </a:ext>
+            </a:extLst>
+          </p:cNvPr>
+          <p:cNvSpPr/>
+          <p:nvPr/>
+        </p:nvSpPr>
+        <p:spPr>
+          <a:xfrm>
+            <a:off x="3065414" y="3629346"/>
+            <a:ext cx="3971109" cy="757646"/>
+          </a:xfrm>
+          <a:prstGeom prst="frame">
+            <a:avLst>
+              <a:gd name="adj1" fmla="val 2599"/>
+            </a:avLst>
+          </a:prstGeom>
+          <a:solidFill>
+            <a:srgbClr val="FF0000"/>
+          </a:solidFill>
+          <a:ln>
+            <a:solidFill>
+              <a:srgbClr val="FF0000"/>
+            </a:solidFill>
+          </a:ln>
+        </p:spPr>
+        <p:style>
+          <a:lnRef idx="2">
+            <a:schemeClr val="accent1">
+              <a:shade val="50000"/>
+            </a:schemeClr>
+          </a:lnRef>
+          <a:fillRef idx="1">
+            <a:schemeClr val="accent1"/>
+          </a:fillRef>
+          <a:effectRef idx="0">
+            <a:schemeClr val="accent1"/>
+          </a:effectRef>
+          <a:fontRef idx="minor">
+            <a:schemeClr val="lt1"/>
+          </a:fontRef>
+        </p:style>
+        <p:txBody>
+          <a:bodyPr rtlCol="0" anchor="ctr"/>
+          <a:lstStyle/>
+          <a:p>
+            <a:pPr algn="ctr"/>
+            <a:endParaRPr lang="zh-TW" altLang="en-US">
+              <a:solidFill>
+                <a:schemeClr val="tx1"/>
+              </a:solidFill>
+            </a:endParaRPr>
+          </a:p>
+        </p:txBody>
+      </p:sp>
+      <p:sp>
+        <p:nvSpPr>
+          <p:cNvPr id="8" name="框架 7">
+            <a:extLst>
+              <a:ext uri="{FF2B5EF4-FFF2-40B4-BE49-F238E27FC236}">
+                <a16:creationId xmlns:a16="http://schemas.microsoft.com/office/drawing/2014/main" id="{EB1E250E-F4BA-8BE2-53F3-B8FEC62A9D1B}"/>
+              </a:ext>
+            </a:extLst>
+          </p:cNvPr>
+          <p:cNvSpPr/>
+          <p:nvPr/>
+        </p:nvSpPr>
+        <p:spPr>
+          <a:xfrm>
+            <a:off x="3065413" y="4398332"/>
+            <a:ext cx="3971109" cy="757646"/>
+          </a:xfrm>
+          <a:prstGeom prst="frame">
+            <a:avLst>
+              <a:gd name="adj1" fmla="val 2599"/>
+            </a:avLst>
+          </a:prstGeom>
+          <a:solidFill>
+            <a:srgbClr val="FF0000"/>
+          </a:solidFill>
+          <a:ln>
+            <a:solidFill>
+              <a:srgbClr val="FF0000"/>
+            </a:solidFill>
+          </a:ln>
+        </p:spPr>
+        <p:style>
+          <a:lnRef idx="2">
+            <a:schemeClr val="accent1">
+              <a:shade val="50000"/>
+            </a:schemeClr>
+          </a:lnRef>
+          <a:fillRef idx="1">
+            <a:schemeClr val="accent1"/>
+          </a:fillRef>
+          <a:effectRef idx="0">
+            <a:schemeClr val="accent1"/>
+          </a:effectRef>
+          <a:fontRef idx="minor">
+            <a:schemeClr val="lt1"/>
+          </a:fontRef>
+        </p:style>
+        <p:txBody>
+          <a:bodyPr rtlCol="0" anchor="ctr"/>
+          <a:lstStyle/>
+          <a:p>
+            <a:pPr algn="ctr"/>
+            <a:endParaRPr lang="zh-TW" altLang="en-US">
+              <a:solidFill>
+                <a:schemeClr val="tx1"/>
+              </a:solidFill>
+            </a:endParaRPr>
+          </a:p>
+        </p:txBody>
+      </p:sp>
+      <p:sp>
+        <p:nvSpPr>
+          <p:cNvPr id="9" name="框架 8">
+            <a:extLst>
+              <a:ext uri="{FF2B5EF4-FFF2-40B4-BE49-F238E27FC236}">
+                <a16:creationId xmlns:a16="http://schemas.microsoft.com/office/drawing/2014/main" id="{D26795A3-FF02-58ED-9AB5-93FF820A04D0}"/>
+              </a:ext>
+            </a:extLst>
+          </p:cNvPr>
+          <p:cNvSpPr/>
+          <p:nvPr/>
+        </p:nvSpPr>
+        <p:spPr>
+          <a:xfrm>
+            <a:off x="3065412" y="5181238"/>
+            <a:ext cx="3971109" cy="757646"/>
+          </a:xfrm>
+          <a:prstGeom prst="frame">
+            <a:avLst>
+              <a:gd name="adj1" fmla="val 2599"/>
+            </a:avLst>
+          </a:prstGeom>
+          <a:solidFill>
+            <a:srgbClr val="FF0000"/>
+          </a:solidFill>
+          <a:ln>
+            <a:solidFill>
+              <a:srgbClr val="FF0000"/>
+            </a:solidFill>
+          </a:ln>
+        </p:spPr>
+        <p:style>
+          <a:lnRef idx="2">
+            <a:schemeClr val="accent1">
+              <a:shade val="50000"/>
+            </a:schemeClr>
+          </a:lnRef>
+          <a:fillRef idx="1">
+            <a:schemeClr val="accent1"/>
+          </a:fillRef>
+          <a:effectRef idx="0">
+            <a:schemeClr val="accent1"/>
+          </a:effectRef>
+          <a:fontRef idx="minor">
+            <a:schemeClr val="lt1"/>
+          </a:fontRef>
+        </p:style>
+        <p:txBody>
+          <a:bodyPr rtlCol="0" anchor="ctr"/>
+          <a:lstStyle/>
+          <a:p>
+            <a:pPr algn="ctr"/>
+            <a:endParaRPr lang="zh-TW" altLang="en-US">
+              <a:solidFill>
+                <a:schemeClr val="tx1"/>
+              </a:solidFill>
+            </a:endParaRPr>
+          </a:p>
+        </p:txBody>
+      </p:sp>
+      <p:sp>
+        <p:nvSpPr>
+          <p:cNvPr id="10" name="文字方塊 9">
+            <a:extLst>
+              <a:ext uri="{FF2B5EF4-FFF2-40B4-BE49-F238E27FC236}">
+                <a16:creationId xmlns:a16="http://schemas.microsoft.com/office/drawing/2014/main" id="{8626DDA8-3C8C-8F8B-2786-8CD7B88B85A4}"/>
+              </a:ext>
+            </a:extLst>
+          </p:cNvPr>
+          <p:cNvSpPr txBox="1"/>
+          <p:nvPr/>
+        </p:nvSpPr>
+        <p:spPr>
+          <a:xfrm>
+            <a:off x="2360023" y="1414569"/>
+            <a:ext cx="1645920" cy="4524315"/>
+          </a:xfrm>
+          <a:prstGeom prst="rect">
+            <a:avLst/>
+          </a:prstGeom>
+          <a:noFill/>
+        </p:spPr>
+        <p:txBody>
+          <a:bodyPr wrap="square" rtlCol="0">
+            <a:spAutoFit/>
+          </a:bodyPr>
+          <a:lstStyle/>
+          <a:p>
+            <a:r>
+              <a:rPr lang="en-US" altLang="zh-TW" dirty="0"/>
+              <a:t>3*3</a:t>
+            </a:r>
+          </a:p>
+          <a:p>
+            <a:endParaRPr lang="en-US" altLang="zh-TW" dirty="0"/>
+          </a:p>
+          <a:p>
+            <a:endParaRPr lang="en-US" altLang="zh-TW" dirty="0"/>
+          </a:p>
+          <a:p>
+            <a:r>
+              <a:rPr lang="en-US" altLang="zh-TW" dirty="0"/>
+              <a:t>5*5</a:t>
+            </a:r>
+          </a:p>
+          <a:p>
+            <a:endParaRPr lang="en-US" altLang="zh-TW" dirty="0"/>
+          </a:p>
+          <a:p>
+            <a:endParaRPr lang="en-US" altLang="zh-TW" dirty="0"/>
+          </a:p>
+          <a:p>
+            <a:r>
+              <a:rPr lang="en-US" altLang="zh-TW" dirty="0"/>
+              <a:t>7*7</a:t>
+            </a:r>
+          </a:p>
+          <a:p>
+            <a:endParaRPr lang="en-US" altLang="zh-TW" dirty="0"/>
+          </a:p>
+          <a:p>
+            <a:endParaRPr lang="en-US" altLang="zh-TW" dirty="0"/>
+          </a:p>
+          <a:p>
+            <a:r>
+              <a:rPr lang="en-US" altLang="zh-TW" dirty="0"/>
+              <a:t>9*9</a:t>
+            </a:r>
+          </a:p>
+          <a:p>
+            <a:endParaRPr lang="en-US" altLang="zh-TW" dirty="0"/>
+          </a:p>
+          <a:p>
+            <a:endParaRPr lang="en-US" altLang="zh-TW" dirty="0"/>
+          </a:p>
+          <a:p>
+            <a:r>
+              <a:rPr lang="en-US" altLang="zh-TW" dirty="0"/>
+              <a:t>11*11</a:t>
+            </a:r>
+          </a:p>
+          <a:p>
+            <a:endParaRPr lang="en-US" altLang="zh-TW" dirty="0"/>
+          </a:p>
+          <a:p>
+            <a:endParaRPr lang="en-US" altLang="zh-TW" dirty="0"/>
+          </a:p>
+          <a:p>
+            <a:r>
+              <a:rPr lang="en-US" altLang="zh-TW" dirty="0"/>
+              <a:t>13*13</a:t>
+            </a:r>
+          </a:p>
+        </p:txBody>
+      </p:sp>
+    </p:spTree>
+    <p:extLst>
+      <p:ext uri="{BB962C8B-B14F-4D97-AF65-F5344CB8AC3E}">
+        <p14:creationId xmlns:p14="http://schemas.microsoft.com/office/powerpoint/2010/main" val="2313248043"/>
+      </p:ext>
+    </p:extLst>
+  </p:cSld>
+  <p:clrMapOvr>
+    <a:masterClrMapping/>
+  </p:clrMapOvr>
+</p:sld>
+</file>
+
+<file path=ppt/slides/slide14.xml><?xml version="1.0" encoding="utf-8"?>
+<p:sld xmlns:a="http://schemas.openxmlformats.org/drawingml/2006/main" xmlns:r="http://schemas.openxmlformats.org/officeDocument/2006/relationships" xmlns:p="http://schemas.openxmlformats.org/presentationml/2006/main">
+  <p:cSld>
+    <p:spTree>
+      <p:nvGrpSpPr>
+        <p:cNvPr id="1" name=""/>
+        <p:cNvGrpSpPr/>
+        <p:nvPr/>
+      </p:nvGrpSpPr>
+      <p:grpSpPr>
+        <a:xfrm>
+          <a:off x="0" y="0"/>
+          <a:ext cx="0" cy="0"/>
+          <a:chOff x="0" y="0"/>
+          <a:chExt cx="0" cy="0"/>
+        </a:xfrm>
+      </p:grpSpPr>
+      <p:sp>
+        <p:nvSpPr>
+          <p:cNvPr id="3" name="標題 2"/>
+          <p:cNvSpPr>
+            <a:spLocks noGrp="1"/>
+          </p:cNvSpPr>
+          <p:nvPr>
+            <p:ph type="title"/>
+          </p:nvPr>
+        </p:nvSpPr>
+        <p:spPr>
+          <a:xfrm>
+            <a:off x="838200" y="365125"/>
+            <a:ext cx="10515600" cy="720000"/>
+          </a:xfrm>
+        </p:spPr>
+        <p:txBody>
+          <a:bodyPr>
+            <a:noAutofit/>
+          </a:bodyPr>
+          <a:lstStyle/>
+          <a:p>
+            <a:r>
+              <a:rPr lang="zh-TW" altLang="en-US" sz="3200" dirty="0"/>
+              <a:t>成果展示</a:t>
+            </a:r>
+            <a:r>
+              <a:rPr lang="en-US" altLang="zh-TW" sz="3200" dirty="0"/>
+              <a:t>-AVX</a:t>
+            </a:r>
+            <a:r>
+              <a:rPr lang="zh-TW" altLang="en-US" sz="3200" dirty="0"/>
+              <a:t>開關的差異</a:t>
+            </a:r>
+            <a:r>
+              <a:rPr lang="en-US" altLang="zh-TW" sz="3200" dirty="0"/>
+              <a:t>-OPEN</a:t>
+            </a:r>
+            <a:endParaRPr lang="zh-TW" altLang="en-US" sz="3200" dirty="0"/>
+          </a:p>
+        </p:txBody>
+      </p:sp>
+      <p:pic>
+        <p:nvPicPr>
+          <p:cNvPr id="14" name="圖片 13">
+            <a:extLst>
+              <a:ext uri="{FF2B5EF4-FFF2-40B4-BE49-F238E27FC236}">
+                <a16:creationId xmlns:a16="http://schemas.microsoft.com/office/drawing/2014/main" id="{17CCDE9E-DAF3-8249-D8FC-7B155F529C31}"/>
+              </a:ext>
+            </a:extLst>
+          </p:cNvPr>
+          <p:cNvPicPr>
+            <a:picLocks noChangeAspect="1"/>
+          </p:cNvPicPr>
+          <p:nvPr/>
+        </p:nvPicPr>
+        <p:blipFill>
+          <a:blip r:embed="rId3"/>
+          <a:stretch>
+            <a:fillRect/>
+          </a:stretch>
+        </p:blipFill>
+        <p:spPr>
+          <a:xfrm>
+            <a:off x="2795452" y="1251801"/>
+            <a:ext cx="6322423" cy="4667901"/>
+          </a:xfrm>
+          <a:prstGeom prst="rect">
+            <a:avLst/>
+          </a:prstGeom>
+        </p:spPr>
+      </p:pic>
+      <p:sp>
+        <p:nvSpPr>
+          <p:cNvPr id="2" name="框架 1">
+            <a:extLst>
+              <a:ext uri="{FF2B5EF4-FFF2-40B4-BE49-F238E27FC236}">
+                <a16:creationId xmlns:a16="http://schemas.microsoft.com/office/drawing/2014/main" id="{8A4391BE-BA05-C946-90B5-C615A7C37238}"/>
+              </a:ext>
+            </a:extLst>
+          </p:cNvPr>
+          <p:cNvSpPr/>
+          <p:nvPr/>
+        </p:nvSpPr>
+        <p:spPr>
+          <a:xfrm>
+            <a:off x="2795452" y="1419496"/>
+            <a:ext cx="3971109" cy="757646"/>
+          </a:xfrm>
+          <a:prstGeom prst="frame">
+            <a:avLst>
+              <a:gd name="adj1" fmla="val 2599"/>
+            </a:avLst>
+          </a:prstGeom>
+          <a:solidFill>
+            <a:srgbClr val="FF0000"/>
+          </a:solidFill>
+          <a:ln>
+            <a:solidFill>
+              <a:srgbClr val="FF0000"/>
+            </a:solidFill>
+          </a:ln>
+        </p:spPr>
+        <p:style>
+          <a:lnRef idx="2">
+            <a:schemeClr val="accent1">
+              <a:shade val="50000"/>
+            </a:schemeClr>
+          </a:lnRef>
+          <a:fillRef idx="1">
+            <a:schemeClr val="accent1"/>
+          </a:fillRef>
+          <a:effectRef idx="0">
+            <a:schemeClr val="accent1"/>
+          </a:effectRef>
+          <a:fontRef idx="minor">
+            <a:schemeClr val="lt1"/>
+          </a:fontRef>
+        </p:style>
+        <p:txBody>
+          <a:bodyPr rtlCol="0" anchor="ctr"/>
+          <a:lstStyle/>
+          <a:p>
+            <a:pPr algn="ctr"/>
+            <a:endParaRPr lang="zh-TW" altLang="en-US">
+              <a:solidFill>
+                <a:schemeClr val="tx1"/>
+              </a:solidFill>
+            </a:endParaRPr>
+          </a:p>
+        </p:txBody>
+      </p:sp>
+      <p:sp>
+        <p:nvSpPr>
+          <p:cNvPr id="4" name="框架 3">
+            <a:extLst>
+              <a:ext uri="{FF2B5EF4-FFF2-40B4-BE49-F238E27FC236}">
+                <a16:creationId xmlns:a16="http://schemas.microsoft.com/office/drawing/2014/main" id="{3A08DB6C-B5AD-11EA-44D8-2AD6B9B1A157}"/>
+              </a:ext>
+            </a:extLst>
+          </p:cNvPr>
+          <p:cNvSpPr/>
+          <p:nvPr/>
+        </p:nvSpPr>
+        <p:spPr>
+          <a:xfrm>
+            <a:off x="2795452" y="2177142"/>
+            <a:ext cx="3971109" cy="757646"/>
+          </a:xfrm>
+          <a:prstGeom prst="frame">
+            <a:avLst>
+              <a:gd name="adj1" fmla="val 2599"/>
+            </a:avLst>
+          </a:prstGeom>
+          <a:solidFill>
+            <a:srgbClr val="FF0000"/>
+          </a:solidFill>
+          <a:ln>
+            <a:solidFill>
+              <a:srgbClr val="FF0000"/>
+            </a:solidFill>
+          </a:ln>
+        </p:spPr>
+        <p:style>
+          <a:lnRef idx="2">
+            <a:schemeClr val="accent1">
+              <a:shade val="50000"/>
+            </a:schemeClr>
+          </a:lnRef>
+          <a:fillRef idx="1">
+            <a:schemeClr val="accent1"/>
+          </a:fillRef>
+          <a:effectRef idx="0">
+            <a:schemeClr val="accent1"/>
+          </a:effectRef>
+          <a:fontRef idx="minor">
+            <a:schemeClr val="lt1"/>
+          </a:fontRef>
+        </p:style>
+        <p:txBody>
+          <a:bodyPr rtlCol="0" anchor="ctr"/>
+          <a:lstStyle/>
+          <a:p>
+            <a:pPr algn="ctr"/>
+            <a:endParaRPr lang="zh-TW" altLang="en-US">
+              <a:solidFill>
+                <a:schemeClr val="tx1"/>
+              </a:solidFill>
+            </a:endParaRPr>
+          </a:p>
+        </p:txBody>
+      </p:sp>
+      <p:sp>
+        <p:nvSpPr>
+          <p:cNvPr id="5" name="框架 4">
+            <a:extLst>
+              <a:ext uri="{FF2B5EF4-FFF2-40B4-BE49-F238E27FC236}">
+                <a16:creationId xmlns:a16="http://schemas.microsoft.com/office/drawing/2014/main" id="{FDDCFFF4-61EE-3C66-1862-F9C25639AC62}"/>
+              </a:ext>
+            </a:extLst>
+          </p:cNvPr>
+          <p:cNvSpPr/>
+          <p:nvPr/>
+        </p:nvSpPr>
+        <p:spPr>
+          <a:xfrm>
+            <a:off x="2795452" y="2911953"/>
+            <a:ext cx="3971109" cy="757646"/>
+          </a:xfrm>
+          <a:prstGeom prst="frame">
+            <a:avLst>
+              <a:gd name="adj1" fmla="val 2599"/>
+            </a:avLst>
+          </a:prstGeom>
+          <a:solidFill>
+            <a:srgbClr val="FF0000"/>
+          </a:solidFill>
+          <a:ln>
+            <a:solidFill>
+              <a:srgbClr val="FF0000"/>
+            </a:solidFill>
+          </a:ln>
+        </p:spPr>
+        <p:style>
+          <a:lnRef idx="2">
+            <a:schemeClr val="accent1">
+              <a:shade val="50000"/>
+            </a:schemeClr>
+          </a:lnRef>
+          <a:fillRef idx="1">
+            <a:schemeClr val="accent1"/>
+          </a:fillRef>
+          <a:effectRef idx="0">
+            <a:schemeClr val="accent1"/>
+          </a:effectRef>
+          <a:fontRef idx="minor">
+            <a:schemeClr val="lt1"/>
+          </a:fontRef>
+        </p:style>
+        <p:txBody>
+          <a:bodyPr rtlCol="0" anchor="ctr"/>
+          <a:lstStyle/>
+          <a:p>
+            <a:pPr algn="ctr"/>
+            <a:endParaRPr lang="zh-TW" altLang="en-US">
+              <a:solidFill>
+                <a:schemeClr val="tx1"/>
+              </a:solidFill>
+            </a:endParaRPr>
+          </a:p>
+        </p:txBody>
+      </p:sp>
+      <p:sp>
+        <p:nvSpPr>
+          <p:cNvPr id="6" name="框架 5">
+            <a:extLst>
+              <a:ext uri="{FF2B5EF4-FFF2-40B4-BE49-F238E27FC236}">
+                <a16:creationId xmlns:a16="http://schemas.microsoft.com/office/drawing/2014/main" id="{65C0F7CE-96AD-00E4-BD9B-E207931DB8E1}"/>
+              </a:ext>
+            </a:extLst>
+          </p:cNvPr>
+          <p:cNvSpPr/>
+          <p:nvPr/>
+        </p:nvSpPr>
+        <p:spPr>
+          <a:xfrm>
+            <a:off x="2795452" y="3649394"/>
+            <a:ext cx="3971109" cy="757646"/>
+          </a:xfrm>
+          <a:prstGeom prst="frame">
+            <a:avLst>
+              <a:gd name="adj1" fmla="val 2599"/>
+            </a:avLst>
+          </a:prstGeom>
+          <a:solidFill>
+            <a:srgbClr val="FF0000"/>
+          </a:solidFill>
+          <a:ln>
+            <a:solidFill>
+              <a:srgbClr val="FF0000"/>
+            </a:solidFill>
+          </a:ln>
+        </p:spPr>
+        <p:style>
+          <a:lnRef idx="2">
+            <a:schemeClr val="accent1">
+              <a:shade val="50000"/>
+            </a:schemeClr>
+          </a:lnRef>
+          <a:fillRef idx="1">
+            <a:schemeClr val="accent1"/>
+          </a:fillRef>
+          <a:effectRef idx="0">
+            <a:schemeClr val="accent1"/>
+          </a:effectRef>
+          <a:fontRef idx="minor">
+            <a:schemeClr val="lt1"/>
+          </a:fontRef>
+        </p:style>
+        <p:txBody>
+          <a:bodyPr rtlCol="0" anchor="ctr"/>
+          <a:lstStyle/>
+          <a:p>
+            <a:pPr algn="ctr"/>
+            <a:endParaRPr lang="zh-TW" altLang="en-US">
+              <a:solidFill>
+                <a:schemeClr val="tx1"/>
+              </a:solidFill>
+            </a:endParaRPr>
+          </a:p>
+        </p:txBody>
+      </p:sp>
+      <p:sp>
+        <p:nvSpPr>
+          <p:cNvPr id="8" name="框架 7">
+            <a:extLst>
+              <a:ext uri="{FF2B5EF4-FFF2-40B4-BE49-F238E27FC236}">
+                <a16:creationId xmlns:a16="http://schemas.microsoft.com/office/drawing/2014/main" id="{0378FB50-4869-0BB5-79DD-616157CD689D}"/>
+              </a:ext>
+            </a:extLst>
+          </p:cNvPr>
+          <p:cNvSpPr/>
+          <p:nvPr/>
+        </p:nvSpPr>
+        <p:spPr>
+          <a:xfrm>
+            <a:off x="2795452" y="4405725"/>
+            <a:ext cx="3971109" cy="757646"/>
+          </a:xfrm>
+          <a:prstGeom prst="frame">
+            <a:avLst>
+              <a:gd name="adj1" fmla="val 2599"/>
+            </a:avLst>
+          </a:prstGeom>
+          <a:solidFill>
+            <a:srgbClr val="FF0000"/>
+          </a:solidFill>
+          <a:ln>
+            <a:solidFill>
+              <a:srgbClr val="FF0000"/>
+            </a:solidFill>
+          </a:ln>
+        </p:spPr>
+        <p:style>
+          <a:lnRef idx="2">
+            <a:schemeClr val="accent1">
+              <a:shade val="50000"/>
+            </a:schemeClr>
+          </a:lnRef>
+          <a:fillRef idx="1">
+            <a:schemeClr val="accent1"/>
+          </a:fillRef>
+          <a:effectRef idx="0">
+            <a:schemeClr val="accent1"/>
+          </a:effectRef>
+          <a:fontRef idx="minor">
+            <a:schemeClr val="lt1"/>
+          </a:fontRef>
+        </p:style>
+        <p:txBody>
+          <a:bodyPr rtlCol="0" anchor="ctr"/>
+          <a:lstStyle/>
+          <a:p>
+            <a:pPr algn="ctr"/>
+            <a:endParaRPr lang="zh-TW" altLang="en-US">
+              <a:solidFill>
+                <a:schemeClr val="tx1"/>
+              </a:solidFill>
+            </a:endParaRPr>
+          </a:p>
+        </p:txBody>
+      </p:sp>
+      <p:sp>
+        <p:nvSpPr>
+          <p:cNvPr id="9" name="框架 8">
+            <a:extLst>
+              <a:ext uri="{FF2B5EF4-FFF2-40B4-BE49-F238E27FC236}">
+                <a16:creationId xmlns:a16="http://schemas.microsoft.com/office/drawing/2014/main" id="{EFB798CC-6BE1-4D89-0675-8455FC60C20D}"/>
+              </a:ext>
+            </a:extLst>
+          </p:cNvPr>
+          <p:cNvSpPr/>
+          <p:nvPr/>
+        </p:nvSpPr>
+        <p:spPr>
+          <a:xfrm>
+            <a:off x="2795452" y="5150639"/>
+            <a:ext cx="3971109" cy="757646"/>
+          </a:xfrm>
+          <a:prstGeom prst="frame">
+            <a:avLst>
+              <a:gd name="adj1" fmla="val 2599"/>
+            </a:avLst>
+          </a:prstGeom>
+          <a:solidFill>
+            <a:srgbClr val="FF0000"/>
+          </a:solidFill>
+          <a:ln>
+            <a:solidFill>
+              <a:srgbClr val="FF0000"/>
+            </a:solidFill>
+          </a:ln>
+        </p:spPr>
+        <p:style>
+          <a:lnRef idx="2">
+            <a:schemeClr val="accent1">
+              <a:shade val="50000"/>
+            </a:schemeClr>
+          </a:lnRef>
+          <a:fillRef idx="1">
+            <a:schemeClr val="accent1"/>
+          </a:fillRef>
+          <a:effectRef idx="0">
+            <a:schemeClr val="accent1"/>
+          </a:effectRef>
+          <a:fontRef idx="minor">
+            <a:schemeClr val="lt1"/>
+          </a:fontRef>
+        </p:style>
+        <p:txBody>
+          <a:bodyPr rtlCol="0" anchor="ctr"/>
+          <a:lstStyle/>
+          <a:p>
+            <a:pPr algn="ctr"/>
+            <a:endParaRPr lang="zh-TW" altLang="en-US">
+              <a:solidFill>
+                <a:schemeClr val="tx1"/>
+              </a:solidFill>
+            </a:endParaRPr>
+          </a:p>
+        </p:txBody>
+      </p:sp>
+    </p:spTree>
+    <p:extLst>
+      <p:ext uri="{BB962C8B-B14F-4D97-AF65-F5344CB8AC3E}">
+        <p14:creationId xmlns:p14="http://schemas.microsoft.com/office/powerpoint/2010/main" val="2501198086"/>
+      </p:ext>
+    </p:extLst>
+  </p:cSld>
+  <p:clrMapOvr>
+    <a:masterClrMapping/>
+  </p:clrMapOvr>
+</p:sld>
+</file>
+
+<file path=ppt/slides/slide15.xml><?xml version="1.0" encoding="utf-8"?>
+<p:sld xmlns:a="http://schemas.openxmlformats.org/drawingml/2006/main" xmlns:r="http://schemas.openxmlformats.org/officeDocument/2006/relationships" xmlns:p="http://schemas.openxmlformats.org/presentationml/2006/main">
+  <p:cSld>
+    <p:spTree>
+      <p:nvGrpSpPr>
+        <p:cNvPr id="1" name=""/>
+        <p:cNvGrpSpPr/>
+        <p:nvPr/>
+      </p:nvGrpSpPr>
+      <p:grpSpPr>
+        <a:xfrm>
+          <a:off x="0" y="0"/>
+          <a:ext cx="0" cy="0"/>
+          <a:chOff x="0" y="0"/>
+          <a:chExt cx="0" cy="0"/>
+        </a:xfrm>
+      </p:grpSpPr>
+      <p:sp>
+        <p:nvSpPr>
+          <p:cNvPr id="3" name="標題 2"/>
+          <p:cNvSpPr>
+            <a:spLocks noGrp="1"/>
+          </p:cNvSpPr>
+          <p:nvPr>
+            <p:ph type="title"/>
+          </p:nvPr>
+        </p:nvSpPr>
+        <p:spPr>
+          <a:xfrm>
+            <a:off x="838200" y="365125"/>
+            <a:ext cx="10515600" cy="720000"/>
+          </a:xfrm>
+        </p:spPr>
+        <p:txBody>
+          <a:bodyPr>
+            <a:noAutofit/>
+          </a:bodyPr>
+          <a:lstStyle/>
+          <a:p>
+            <a:r>
+              <a:rPr lang="zh-TW" altLang="en-US" sz="3200" dirty="0"/>
+              <a:t>成果展示</a:t>
+            </a:r>
+            <a:r>
+              <a:rPr lang="en-US" altLang="zh-TW" sz="3200" dirty="0"/>
+              <a:t>-AVX</a:t>
+            </a:r>
+            <a:r>
+              <a:rPr lang="zh-TW" altLang="en-US" sz="3200" dirty="0"/>
+              <a:t>開關的差異</a:t>
+            </a:r>
           </a:p>
         </p:txBody>
       </p:sp>
@@ -5592,8 +7960,30 @@
             </a:pPr>
             <a:r>
               <a:rPr lang="en-US" altLang="zh-TW" dirty="0"/>
-              <a:t>CLOSE</a:t>
-            </a:r>
+              <a:t>CLOSE(</a:t>
+            </a:r>
+            <a:r>
+              <a:rPr lang="zh-TW" altLang="en-US" dirty="0"/>
+              <a:t>執行</a:t>
+            </a:r>
+            <a:r>
+              <a:rPr lang="en-US" altLang="zh-TW" dirty="0"/>
+              <a:t>3</a:t>
+            </a:r>
+            <a:r>
+              <a:rPr lang="zh-TW" altLang="en-US" dirty="0"/>
+              <a:t>次取平均秒數</a:t>
+            </a:r>
+            <a:r>
+              <a:rPr lang="en-US" altLang="zh-TW" dirty="0"/>
+              <a:t>)</a:t>
+            </a:r>
+          </a:p>
+          <a:p>
+            <a:pPr marL="0" indent="0">
+              <a:buNone/>
+            </a:pPr>
+            <a:endParaRPr lang="en-US" altLang="zh-TW" dirty="0"/>
           </a:p>
           <a:p>
             <a:pPr marL="0" indent="0">
@@ -5618,7 +8008,7 @@
           <p:nvPr>
             <p:extLst>
               <p:ext uri="{D42A27DB-BD31-4B8C-83A1-F6EECF244321}">
-                <p14:modId xmlns:p14="http://schemas.microsoft.com/office/powerpoint/2010/main" val="1368761004"/>
+                <p14:modId xmlns:p14="http://schemas.microsoft.com/office/powerpoint/2010/main" val="3673428192"/>
               </p:ext>
             </p:extLst>
           </p:nvPr>
@@ -5779,10 +8169,18 @@
                     <a:lstStyle/>
                     <a:p>
                       <a:r>
-                        <a:rPr lang="en-US" altLang="zh-TW" dirty="0"/>
-                        <a:t>0.258892s</a:t>
+                        <a:rPr lang="en-US" altLang="zh-TW" dirty="0">
+                          <a:solidFill>
+                            <a:srgbClr val="FF0000"/>
+                          </a:solidFill>
+                        </a:rPr>
+                        <a:t>0.466586</a:t>
                       </a:r>
-                      <a:endParaRPr lang="zh-TW" altLang="en-US" dirty="0"/>
+                      <a:endParaRPr lang="zh-TW" altLang="en-US" dirty="0">
+                        <a:solidFill>
+                          <a:srgbClr val="FF0000"/>
+                        </a:solidFill>
+                      </a:endParaRPr>
                     </a:p>
                   </a:txBody>
                   <a:tcPr/>
@@ -5810,10 +8208,18 @@
                         <a:defRPr/>
                       </a:pPr>
                       <a:r>
-                        <a:rPr lang="en-US" altLang="zh-TW" dirty="0"/>
-                        <a:t>0.422108s</a:t>
+                        <a:rPr lang="en-US" altLang="zh-TW" dirty="0">
+                          <a:solidFill>
+                            <a:srgbClr val="FF0000"/>
+                          </a:solidFill>
+                        </a:rPr>
+                        <a:t>0.305684</a:t>
                       </a:r>
-                      <a:endParaRPr lang="zh-TW" altLang="en-US" dirty="0"/>
+                      <a:endParaRPr lang="zh-TW" altLang="en-US" dirty="0">
+                        <a:solidFill>
+                          <a:srgbClr val="FF0000"/>
+                        </a:solidFill>
+                      </a:endParaRPr>
                     </a:p>
                   </a:txBody>
                   <a:tcPr/>
@@ -5824,10 +8230,18 @@
                     <a:lstStyle/>
                     <a:p>
                       <a:r>
-                        <a:rPr lang="en-US" altLang="zh-TW" dirty="0"/>
-                        <a:t>1.63</a:t>
+                        <a:rPr lang="en-US" altLang="zh-TW" dirty="0">
+                          <a:solidFill>
+                            <a:srgbClr val="FF0000"/>
+                          </a:solidFill>
+                        </a:rPr>
+                        <a:t>0.66</a:t>
                       </a:r>
-                      <a:endParaRPr lang="zh-TW" altLang="en-US" dirty="0"/>
+                      <a:endParaRPr lang="zh-TW" altLang="en-US" dirty="0">
+                        <a:solidFill>
+                          <a:srgbClr val="FF0000"/>
+                        </a:solidFill>
+                      </a:endParaRPr>
                     </a:p>
                   </a:txBody>
                   <a:tcPr/>
@@ -5867,10 +8281,18 @@
                     <a:lstStyle/>
                     <a:p>
                       <a:r>
-                        <a:rPr lang="en-US" altLang="zh-TW" dirty="0"/>
-                        <a:t>0.328063s</a:t>
+                        <a:rPr lang="en-US" altLang="zh-TW" dirty="0">
+                          <a:solidFill>
+                            <a:srgbClr val="FF0000"/>
+                          </a:solidFill>
+                        </a:rPr>
+                        <a:t>0.425962</a:t>
                       </a:r>
-                      <a:endParaRPr lang="zh-TW" altLang="en-US" dirty="0"/>
+                      <a:endParaRPr lang="zh-TW" altLang="en-US" dirty="0">
+                        <a:solidFill>
+                          <a:srgbClr val="FF0000"/>
+                        </a:solidFill>
+                      </a:endParaRPr>
                     </a:p>
                   </a:txBody>
                   <a:tcPr/>
@@ -5881,10 +8303,18 @@
                     <a:lstStyle/>
                     <a:p>
                       <a:r>
-                        <a:rPr lang="en-US" altLang="zh-TW" dirty="0"/>
-                        <a:t>0.444271s</a:t>
+                        <a:rPr lang="en-US" altLang="zh-TW" dirty="0">
+                          <a:solidFill>
+                            <a:srgbClr val="FF0000"/>
+                          </a:solidFill>
+                        </a:rPr>
+                        <a:t>0.312100</a:t>
                       </a:r>
-                      <a:endParaRPr lang="zh-TW" altLang="en-US" dirty="0"/>
+                      <a:endParaRPr lang="zh-TW" altLang="en-US" dirty="0">
+                        <a:solidFill>
+                          <a:srgbClr val="FF0000"/>
+                        </a:solidFill>
+                      </a:endParaRPr>
                     </a:p>
                   </a:txBody>
                   <a:tcPr/>
@@ -5895,10 +8325,18 @@
                     <a:lstStyle/>
                     <a:p>
                       <a:r>
-                        <a:rPr lang="en-US" altLang="zh-TW" dirty="0"/>
-                        <a:t>1.35</a:t>
+                        <a:rPr lang="en-US" altLang="zh-TW" dirty="0">
+                          <a:solidFill>
+                            <a:srgbClr val="FF0000"/>
+                          </a:solidFill>
+                        </a:rPr>
+                        <a:t>0.73</a:t>
                       </a:r>
-                      <a:endParaRPr lang="zh-TW" altLang="en-US" dirty="0"/>
+                      <a:endParaRPr lang="zh-TW" altLang="en-US" dirty="0">
+                        <a:solidFill>
+                          <a:srgbClr val="FF0000"/>
+                        </a:solidFill>
+                      </a:endParaRPr>
                     </a:p>
                   </a:txBody>
                   <a:tcPr/>
@@ -5939,7 +8377,7 @@
                     <a:p>
                       <a:r>
                         <a:rPr lang="en-US" altLang="zh-TW" dirty="0"/>
-                        <a:t>0.394305s</a:t>
+                        <a:t>0.337538</a:t>
                       </a:r>
                       <a:endParaRPr lang="zh-TW" altLang="en-US" dirty="0"/>
                     </a:p>
@@ -5953,7 +8391,7 @@
                     <a:p>
                       <a:r>
                         <a:rPr lang="en-US" altLang="zh-TW" dirty="0"/>
-                        <a:t>0.502641s</a:t>
+                        <a:t>0.352784</a:t>
                       </a:r>
                       <a:endParaRPr lang="zh-TW" altLang="en-US" dirty="0"/>
                     </a:p>
@@ -5967,7 +8405,7 @@
                     <a:p>
                       <a:r>
                         <a:rPr lang="en-US" altLang="zh-TW" dirty="0"/>
-                        <a:t>1.27</a:t>
+                        <a:t>1.05</a:t>
                       </a:r>
                       <a:endParaRPr lang="zh-TW" altLang="en-US" dirty="0"/>
                     </a:p>
@@ -6010,7 +8448,7 @@
                     <a:p>
                       <a:r>
                         <a:rPr lang="en-US" altLang="zh-TW" dirty="0"/>
-                        <a:t>0.460700s</a:t>
+                        <a:t>0.334256</a:t>
                       </a:r>
                       <a:endParaRPr lang="zh-TW" altLang="en-US" dirty="0"/>
                     </a:p>
@@ -6024,7 +8462,7 @@
                     <a:p>
                       <a:r>
                         <a:rPr lang="en-US" altLang="zh-TW" dirty="0"/>
-                        <a:t>0.525613s</a:t>
+                        <a:t>0.399274</a:t>
                       </a:r>
                       <a:endParaRPr lang="zh-TW" altLang="en-US" dirty="0"/>
                     </a:p>
@@ -6038,7 +8476,7 @@
                     <a:p>
                       <a:r>
                         <a:rPr lang="en-US" altLang="zh-TW" dirty="0"/>
-                        <a:t>1.14</a:t>
+                        <a:t>1.19</a:t>
                       </a:r>
                       <a:endParaRPr lang="zh-TW" altLang="en-US" dirty="0"/>
                     </a:p>
@@ -6081,7 +8519,7 @@
                     <a:p>
                       <a:r>
                         <a:rPr lang="en-US" altLang="zh-TW" dirty="0"/>
-                        <a:t>0.476573s</a:t>
+                        <a:t>0.365406</a:t>
                       </a:r>
                       <a:endParaRPr lang="zh-TW" altLang="en-US" dirty="0"/>
                     </a:p>
@@ -6095,7 +8533,7 @@
                     <a:p>
                       <a:r>
                         <a:rPr lang="en-US" altLang="zh-TW" dirty="0"/>
-                        <a:t>0.630692s</a:t>
+                        <a:t>0.465787</a:t>
                       </a:r>
                       <a:endParaRPr lang="zh-TW" altLang="en-US" dirty="0"/>
                     </a:p>
@@ -6109,7 +8547,7 @@
                     <a:p>
                       <a:r>
                         <a:rPr lang="en-US" altLang="zh-TW" dirty="0"/>
-                        <a:t>1.32</a:t>
+                        <a:t>1.27</a:t>
                       </a:r>
                       <a:endParaRPr lang="zh-TW" altLang="en-US" dirty="0"/>
                     </a:p>
@@ -6152,7 +8590,7 @@
                     <a:p>
                       <a:r>
                         <a:rPr lang="en-US" altLang="zh-TW" dirty="0"/>
-                        <a:t>0.580938s</a:t>
+                        <a:t>0.409081</a:t>
                       </a:r>
                       <a:endParaRPr lang="zh-TW" altLang="en-US" dirty="0"/>
                     </a:p>
@@ -6166,7 +8604,7 @@
                     <a:p>
                       <a:r>
                         <a:rPr lang="en-US" altLang="zh-TW" dirty="0"/>
-                        <a:t>0.615490s</a:t>
+                        <a:t>0.519156</a:t>
                       </a:r>
                       <a:endParaRPr lang="zh-TW" altLang="en-US" dirty="0"/>
                     </a:p>
@@ -6180,7 +8618,7 @@
                     <a:p>
                       <a:r>
                         <a:rPr lang="en-US" altLang="zh-TW" dirty="0"/>
-                        <a:t>1.06</a:t>
+                        <a:t>1.27</a:t>
                       </a:r>
                       <a:endParaRPr lang="zh-TW" altLang="en-US" dirty="0"/>
                     </a:p>
@@ -6210,7 +8648,7 @@
 </p:sld>
 </file>
 
-<file path=ppt/slides/slide12.xml><?xml version="1.0" encoding="utf-8"?>
+<file path=ppt/slides/slide16.xml><?xml version="1.0" encoding="utf-8"?>
 <p:sld xmlns:a="http://schemas.openxmlformats.org/drawingml/2006/main" xmlns:r="http://schemas.openxmlformats.org/officeDocument/2006/relationships" xmlns:p="http://schemas.openxmlformats.org/presentationml/2006/main">
   <p:cSld>
     <p:spTree>
@@ -6261,44 +8699,20 @@
               <a:rPr lang="zh-TW" altLang="en-US" sz="3200" dirty="0"/>
               <a:t>開關的差異</a:t>
             </a:r>
+            <a:r>
+              <a:rPr lang="en-US" altLang="zh-TW" sz="3200" dirty="0"/>
+              <a:t>-CLOSE</a:t>
+            </a:r>
+            <a:endParaRPr lang="zh-TW" altLang="en-US" sz="3200" dirty="0"/>
           </a:p>
         </p:txBody>
       </p:sp>
       <p:pic>
         <p:nvPicPr>
-          <p:cNvPr id="6" name="內容版面配置區 5">
+          <p:cNvPr id="4" name="圖片 3">
             <a:extLst>
               <a:ext uri="{FF2B5EF4-FFF2-40B4-BE49-F238E27FC236}">
-                <a16:creationId xmlns:a16="http://schemas.microsoft.com/office/drawing/2014/main" id="{D78AAD02-F69A-804C-8EEA-32628739FBC4}"/>
-              </a:ext>
-            </a:extLst>
-          </p:cNvPr>
-          <p:cNvPicPr>
-            <a:picLocks noGrp="1" noChangeAspect="1"/>
-          </p:cNvPicPr>
-          <p:nvPr>
-            <p:ph idx="1"/>
-          </p:nvPr>
-        </p:nvPicPr>
-        <p:blipFill>
-          <a:blip r:embed="rId3"/>
-          <a:stretch>
-            <a:fillRect/>
-          </a:stretch>
-        </p:blipFill>
-        <p:spPr>
-          <a:xfrm>
-            <a:off x="838199" y="1244111"/>
-            <a:ext cx="3258005" cy="2162477"/>
-          </a:xfrm>
-        </p:spPr>
-      </p:pic>
-      <p:pic>
-        <p:nvPicPr>
-          <p:cNvPr id="8" name="圖片 7">
-            <a:extLst>
-              <a:ext uri="{FF2B5EF4-FFF2-40B4-BE49-F238E27FC236}">
-                <a16:creationId xmlns:a16="http://schemas.microsoft.com/office/drawing/2014/main" id="{A4305657-FC62-D8B0-FD9A-F45BAA754E22}"/>
+                <a16:creationId xmlns:a16="http://schemas.microsoft.com/office/drawing/2014/main" id="{CACDF0AB-D7E2-2926-1384-3DBB3BEF0985}"/>
               </a:ext>
             </a:extLst>
           </p:cNvPr>
@@ -6308,27 +8722,512 @@
           <p:nvPr/>
         </p:nvPicPr>
         <p:blipFill>
-          <a:blip r:embed="rId4"/>
+          <a:blip r:embed="rId3"/>
           <a:stretch>
             <a:fillRect/>
           </a:stretch>
         </p:blipFill>
         <p:spPr>
           <a:xfrm>
-            <a:off x="838200" y="3952443"/>
-            <a:ext cx="3258005" cy="2162477"/>
+            <a:off x="3082835" y="1175657"/>
+            <a:ext cx="4921028" cy="5111932"/>
           </a:xfrm>
           <a:prstGeom prst="rect">
             <a:avLst/>
           </a:prstGeom>
         </p:spPr>
       </p:pic>
+      <p:sp>
+        <p:nvSpPr>
+          <p:cNvPr id="5" name="框架 4">
+            <a:extLst>
+              <a:ext uri="{FF2B5EF4-FFF2-40B4-BE49-F238E27FC236}">
+                <a16:creationId xmlns:a16="http://schemas.microsoft.com/office/drawing/2014/main" id="{7114AAC2-B0AB-4A6F-62D0-0D2AC9A43E83}"/>
+              </a:ext>
+            </a:extLst>
+          </p:cNvPr>
+          <p:cNvSpPr/>
+          <p:nvPr/>
+        </p:nvSpPr>
+        <p:spPr>
+          <a:xfrm>
+            <a:off x="3082835" y="1375954"/>
+            <a:ext cx="3971109" cy="757646"/>
+          </a:xfrm>
+          <a:prstGeom prst="frame">
+            <a:avLst>
+              <a:gd name="adj1" fmla="val 2599"/>
+            </a:avLst>
+          </a:prstGeom>
+          <a:solidFill>
+            <a:srgbClr val="FF0000"/>
+          </a:solidFill>
+          <a:ln>
+            <a:solidFill>
+              <a:srgbClr val="FF0000"/>
+            </a:solidFill>
+          </a:ln>
+        </p:spPr>
+        <p:style>
+          <a:lnRef idx="2">
+            <a:schemeClr val="accent1">
+              <a:shade val="50000"/>
+            </a:schemeClr>
+          </a:lnRef>
+          <a:fillRef idx="1">
+            <a:schemeClr val="accent1"/>
+          </a:fillRef>
+          <a:effectRef idx="0">
+            <a:schemeClr val="accent1"/>
+          </a:effectRef>
+          <a:fontRef idx="minor">
+            <a:schemeClr val="lt1"/>
+          </a:fontRef>
+        </p:style>
+        <p:txBody>
+          <a:bodyPr rtlCol="0" anchor="ctr"/>
+          <a:lstStyle/>
+          <a:p>
+            <a:pPr algn="ctr"/>
+            <a:endParaRPr lang="zh-TW" altLang="en-US">
+              <a:solidFill>
+                <a:schemeClr val="tx1"/>
+              </a:solidFill>
+            </a:endParaRPr>
+          </a:p>
+        </p:txBody>
+      </p:sp>
+      <p:sp>
+        <p:nvSpPr>
+          <p:cNvPr id="6" name="框架 5">
+            <a:extLst>
+              <a:ext uri="{FF2B5EF4-FFF2-40B4-BE49-F238E27FC236}">
+                <a16:creationId xmlns:a16="http://schemas.microsoft.com/office/drawing/2014/main" id="{F74EB8C8-F1D2-DF42-3B26-812BF0328039}"/>
+              </a:ext>
+            </a:extLst>
+          </p:cNvPr>
+          <p:cNvSpPr/>
+          <p:nvPr/>
+        </p:nvSpPr>
+        <p:spPr>
+          <a:xfrm>
+            <a:off x="3082835" y="2133600"/>
+            <a:ext cx="3971109" cy="848178"/>
+          </a:xfrm>
+          <a:prstGeom prst="frame">
+            <a:avLst>
+              <a:gd name="adj1" fmla="val 2599"/>
+            </a:avLst>
+          </a:prstGeom>
+          <a:solidFill>
+            <a:srgbClr val="FF0000"/>
+          </a:solidFill>
+          <a:ln>
+            <a:solidFill>
+              <a:srgbClr val="FF0000"/>
+            </a:solidFill>
+          </a:ln>
+        </p:spPr>
+        <p:style>
+          <a:lnRef idx="2">
+            <a:schemeClr val="accent1">
+              <a:shade val="50000"/>
+            </a:schemeClr>
+          </a:lnRef>
+          <a:fillRef idx="1">
+            <a:schemeClr val="accent1"/>
+          </a:fillRef>
+          <a:effectRef idx="0">
+            <a:schemeClr val="accent1"/>
+          </a:effectRef>
+          <a:fontRef idx="minor">
+            <a:schemeClr val="lt1"/>
+          </a:fontRef>
+        </p:style>
+        <p:txBody>
+          <a:bodyPr rtlCol="0" anchor="ctr"/>
+          <a:lstStyle/>
+          <a:p>
+            <a:pPr algn="ctr"/>
+            <a:endParaRPr lang="zh-TW" altLang="en-US">
+              <a:solidFill>
+                <a:schemeClr val="tx1"/>
+              </a:solidFill>
+            </a:endParaRPr>
+          </a:p>
+        </p:txBody>
+      </p:sp>
+      <p:sp>
+        <p:nvSpPr>
+          <p:cNvPr id="7" name="框架 6">
+            <a:extLst>
+              <a:ext uri="{FF2B5EF4-FFF2-40B4-BE49-F238E27FC236}">
+                <a16:creationId xmlns:a16="http://schemas.microsoft.com/office/drawing/2014/main" id="{7E056FF0-9CDE-D991-FD3B-268255FEEC9E}"/>
+              </a:ext>
+            </a:extLst>
+          </p:cNvPr>
+          <p:cNvSpPr/>
+          <p:nvPr/>
+        </p:nvSpPr>
+        <p:spPr>
+          <a:xfrm>
+            <a:off x="3082835" y="2981778"/>
+            <a:ext cx="3971109" cy="757646"/>
+          </a:xfrm>
+          <a:prstGeom prst="frame">
+            <a:avLst>
+              <a:gd name="adj1" fmla="val 2599"/>
+            </a:avLst>
+          </a:prstGeom>
+          <a:solidFill>
+            <a:srgbClr val="FF0000"/>
+          </a:solidFill>
+          <a:ln>
+            <a:solidFill>
+              <a:srgbClr val="FF0000"/>
+            </a:solidFill>
+          </a:ln>
+        </p:spPr>
+        <p:style>
+          <a:lnRef idx="2">
+            <a:schemeClr val="accent1">
+              <a:shade val="50000"/>
+            </a:schemeClr>
+          </a:lnRef>
+          <a:fillRef idx="1">
+            <a:schemeClr val="accent1"/>
+          </a:fillRef>
+          <a:effectRef idx="0">
+            <a:schemeClr val="accent1"/>
+          </a:effectRef>
+          <a:fontRef idx="minor">
+            <a:schemeClr val="lt1"/>
+          </a:fontRef>
+        </p:style>
+        <p:txBody>
+          <a:bodyPr rtlCol="0" anchor="ctr"/>
+          <a:lstStyle/>
+          <a:p>
+            <a:pPr algn="ctr"/>
+            <a:endParaRPr lang="zh-TW" altLang="en-US">
+              <a:solidFill>
+                <a:schemeClr val="tx1"/>
+              </a:solidFill>
+            </a:endParaRPr>
+          </a:p>
+        </p:txBody>
+      </p:sp>
+      <p:sp>
+        <p:nvSpPr>
+          <p:cNvPr id="8" name="框架 7">
+            <a:extLst>
+              <a:ext uri="{FF2B5EF4-FFF2-40B4-BE49-F238E27FC236}">
+                <a16:creationId xmlns:a16="http://schemas.microsoft.com/office/drawing/2014/main" id="{4908D5A4-B7D4-1ABF-8A79-AE95B42BBA96}"/>
+              </a:ext>
+            </a:extLst>
+          </p:cNvPr>
+          <p:cNvSpPr/>
+          <p:nvPr/>
+        </p:nvSpPr>
+        <p:spPr>
+          <a:xfrm>
+            <a:off x="3082834" y="3731622"/>
+            <a:ext cx="3971109" cy="901337"/>
+          </a:xfrm>
+          <a:prstGeom prst="frame">
+            <a:avLst>
+              <a:gd name="adj1" fmla="val 2599"/>
+            </a:avLst>
+          </a:prstGeom>
+          <a:solidFill>
+            <a:srgbClr val="FF0000"/>
+          </a:solidFill>
+          <a:ln>
+            <a:solidFill>
+              <a:srgbClr val="FF0000"/>
+            </a:solidFill>
+          </a:ln>
+        </p:spPr>
+        <p:style>
+          <a:lnRef idx="2">
+            <a:schemeClr val="accent1">
+              <a:shade val="50000"/>
+            </a:schemeClr>
+          </a:lnRef>
+          <a:fillRef idx="1">
+            <a:schemeClr val="accent1"/>
+          </a:fillRef>
+          <a:effectRef idx="0">
+            <a:schemeClr val="accent1"/>
+          </a:effectRef>
+          <a:fontRef idx="minor">
+            <a:schemeClr val="lt1"/>
+          </a:fontRef>
+        </p:style>
+        <p:txBody>
+          <a:bodyPr rtlCol="0" anchor="ctr"/>
+          <a:lstStyle/>
+          <a:p>
+            <a:pPr algn="ctr"/>
+            <a:endParaRPr lang="zh-TW" altLang="en-US">
+              <a:solidFill>
+                <a:schemeClr val="tx1"/>
+              </a:solidFill>
+            </a:endParaRPr>
+          </a:p>
+        </p:txBody>
+      </p:sp>
+      <p:sp>
+        <p:nvSpPr>
+          <p:cNvPr id="9" name="框架 8">
+            <a:extLst>
+              <a:ext uri="{FF2B5EF4-FFF2-40B4-BE49-F238E27FC236}">
+                <a16:creationId xmlns:a16="http://schemas.microsoft.com/office/drawing/2014/main" id="{54B3C8ED-7F6A-517F-53F1-F359A6BB617E}"/>
+              </a:ext>
+            </a:extLst>
+          </p:cNvPr>
+          <p:cNvSpPr/>
+          <p:nvPr/>
+        </p:nvSpPr>
+        <p:spPr>
+          <a:xfrm>
+            <a:off x="3082834" y="4625157"/>
+            <a:ext cx="3971109" cy="757646"/>
+          </a:xfrm>
+          <a:prstGeom prst="frame">
+            <a:avLst>
+              <a:gd name="adj1" fmla="val 2599"/>
+            </a:avLst>
+          </a:prstGeom>
+          <a:solidFill>
+            <a:srgbClr val="FF0000"/>
+          </a:solidFill>
+          <a:ln>
+            <a:solidFill>
+              <a:srgbClr val="FF0000"/>
+            </a:solidFill>
+          </a:ln>
+        </p:spPr>
+        <p:style>
+          <a:lnRef idx="2">
+            <a:schemeClr val="accent1">
+              <a:shade val="50000"/>
+            </a:schemeClr>
+          </a:lnRef>
+          <a:fillRef idx="1">
+            <a:schemeClr val="accent1"/>
+          </a:fillRef>
+          <a:effectRef idx="0">
+            <a:schemeClr val="accent1"/>
+          </a:effectRef>
+          <a:fontRef idx="minor">
+            <a:schemeClr val="lt1"/>
+          </a:fontRef>
+        </p:style>
+        <p:txBody>
+          <a:bodyPr rtlCol="0" anchor="ctr"/>
+          <a:lstStyle/>
+          <a:p>
+            <a:pPr algn="ctr"/>
+            <a:endParaRPr lang="zh-TW" altLang="en-US">
+              <a:solidFill>
+                <a:schemeClr val="tx1"/>
+              </a:solidFill>
+            </a:endParaRPr>
+          </a:p>
+        </p:txBody>
+      </p:sp>
+      <p:sp>
+        <p:nvSpPr>
+          <p:cNvPr id="10" name="框架 9">
+            <a:extLst>
+              <a:ext uri="{FF2B5EF4-FFF2-40B4-BE49-F238E27FC236}">
+                <a16:creationId xmlns:a16="http://schemas.microsoft.com/office/drawing/2014/main" id="{C0961161-01A9-4A6B-5200-877691D3D774}"/>
+              </a:ext>
+            </a:extLst>
+          </p:cNvPr>
+          <p:cNvSpPr/>
+          <p:nvPr/>
+        </p:nvSpPr>
+        <p:spPr>
+          <a:xfrm>
+            <a:off x="3082833" y="5337444"/>
+            <a:ext cx="3971109" cy="901337"/>
+          </a:xfrm>
+          <a:prstGeom prst="frame">
+            <a:avLst>
+              <a:gd name="adj1" fmla="val 2599"/>
+            </a:avLst>
+          </a:prstGeom>
+          <a:solidFill>
+            <a:srgbClr val="FF0000"/>
+          </a:solidFill>
+          <a:ln>
+            <a:solidFill>
+              <a:srgbClr val="FF0000"/>
+            </a:solidFill>
+          </a:ln>
+        </p:spPr>
+        <p:style>
+          <a:lnRef idx="2">
+            <a:schemeClr val="accent1">
+              <a:shade val="50000"/>
+            </a:schemeClr>
+          </a:lnRef>
+          <a:fillRef idx="1">
+            <a:schemeClr val="accent1"/>
+          </a:fillRef>
+          <a:effectRef idx="0">
+            <a:schemeClr val="accent1"/>
+          </a:effectRef>
+          <a:fontRef idx="minor">
+            <a:schemeClr val="lt1"/>
+          </a:fontRef>
+        </p:style>
+        <p:txBody>
+          <a:bodyPr rtlCol="0" anchor="ctr"/>
+          <a:lstStyle/>
+          <a:p>
+            <a:pPr algn="ctr"/>
+            <a:endParaRPr lang="zh-TW" altLang="en-US">
+              <a:solidFill>
+                <a:schemeClr val="tx1"/>
+              </a:solidFill>
+            </a:endParaRPr>
+          </a:p>
+        </p:txBody>
+      </p:sp>
+      <p:sp>
+        <p:nvSpPr>
+          <p:cNvPr id="11" name="文字方塊 10">
+            <a:extLst>
+              <a:ext uri="{FF2B5EF4-FFF2-40B4-BE49-F238E27FC236}">
+                <a16:creationId xmlns:a16="http://schemas.microsoft.com/office/drawing/2014/main" id="{B12FF0BB-C4C7-276F-FD96-EC12566BA256}"/>
+              </a:ext>
+            </a:extLst>
+          </p:cNvPr>
+          <p:cNvSpPr txBox="1"/>
+          <p:nvPr/>
+        </p:nvSpPr>
+        <p:spPr>
+          <a:xfrm>
+            <a:off x="2259872" y="1375954"/>
+            <a:ext cx="1645920" cy="4524315"/>
+          </a:xfrm>
+          <a:prstGeom prst="rect">
+            <a:avLst/>
+          </a:prstGeom>
+          <a:noFill/>
+        </p:spPr>
+        <p:txBody>
+          <a:bodyPr wrap="square" rtlCol="0">
+            <a:spAutoFit/>
+          </a:bodyPr>
+          <a:lstStyle/>
+          <a:p>
+            <a:r>
+              <a:rPr lang="en-US" altLang="zh-TW" dirty="0"/>
+              <a:t>3*3</a:t>
+            </a:r>
+          </a:p>
+          <a:p>
+            <a:endParaRPr lang="en-US" altLang="zh-TW" dirty="0"/>
+          </a:p>
+          <a:p>
+            <a:endParaRPr lang="en-US" altLang="zh-TW" dirty="0"/>
+          </a:p>
+          <a:p>
+            <a:r>
+              <a:rPr lang="en-US" altLang="zh-TW" dirty="0"/>
+              <a:t>5*5</a:t>
+            </a:r>
+          </a:p>
+          <a:p>
+            <a:endParaRPr lang="en-US" altLang="zh-TW" dirty="0"/>
+          </a:p>
+          <a:p>
+            <a:endParaRPr lang="en-US" altLang="zh-TW" dirty="0"/>
+          </a:p>
+          <a:p>
+            <a:r>
+              <a:rPr lang="en-US" altLang="zh-TW" dirty="0"/>
+              <a:t>7*7</a:t>
+            </a:r>
+          </a:p>
+          <a:p>
+            <a:endParaRPr lang="en-US" altLang="zh-TW" dirty="0"/>
+          </a:p>
+          <a:p>
+            <a:endParaRPr lang="en-US" altLang="zh-TW" dirty="0"/>
+          </a:p>
+          <a:p>
+            <a:r>
+              <a:rPr lang="en-US" altLang="zh-TW" dirty="0"/>
+              <a:t>9*9</a:t>
+            </a:r>
+          </a:p>
+          <a:p>
+            <a:endParaRPr lang="en-US" altLang="zh-TW" dirty="0"/>
+          </a:p>
+          <a:p>
+            <a:endParaRPr lang="en-US" altLang="zh-TW" dirty="0"/>
+          </a:p>
+          <a:p>
+            <a:r>
+              <a:rPr lang="en-US" altLang="zh-TW" dirty="0"/>
+              <a:t>11*11</a:t>
+            </a:r>
+          </a:p>
+          <a:p>
+            <a:endParaRPr lang="en-US" altLang="zh-TW" dirty="0"/>
+          </a:p>
+          <a:p>
+            <a:endParaRPr lang="en-US" altLang="zh-TW" dirty="0"/>
+          </a:p>
+          <a:p>
+            <a:r>
+              <a:rPr lang="en-US" altLang="zh-TW" dirty="0"/>
+              <a:t>13*13</a:t>
+            </a:r>
+          </a:p>
+        </p:txBody>
+      </p:sp>
+    </p:spTree>
+    <p:extLst>
+      <p:ext uri="{BB962C8B-B14F-4D97-AF65-F5344CB8AC3E}">
+        <p14:creationId xmlns:p14="http://schemas.microsoft.com/office/powerpoint/2010/main" val="310815158"/>
+      </p:ext>
+    </p:extLst>
+  </p:cSld>
+  <p:clrMapOvr>
+    <a:masterClrMapping/>
+  </p:clrMapOvr>
+</p:sld>
+</file>
+
+<file path=ppt/slides/slide17.xml><?xml version="1.0" encoding="utf-8"?>
+<p:sld xmlns:a="http://schemas.openxmlformats.org/drawingml/2006/main" xmlns:r="http://schemas.openxmlformats.org/officeDocument/2006/relationships" xmlns:p="http://schemas.openxmlformats.org/presentationml/2006/main">
+  <p:cSld>
+    <p:spTree>
+      <p:nvGrpSpPr>
+        <p:cNvPr id="1" name=""/>
+        <p:cNvGrpSpPr/>
+        <p:nvPr/>
+      </p:nvGrpSpPr>
+      <p:grpSpPr>
+        <a:xfrm>
+          <a:off x="0" y="0"/>
+          <a:ext cx="0" cy="0"/>
+          <a:chOff x="0" y="0"/>
+          <a:chExt cx="0" cy="0"/>
+        </a:xfrm>
+      </p:grpSpPr>
       <p:pic>
         <p:nvPicPr>
-          <p:cNvPr id="10" name="圖片 9">
+          <p:cNvPr id="12" name="圖片 11">
             <a:extLst>
               <a:ext uri="{FF2B5EF4-FFF2-40B4-BE49-F238E27FC236}">
-                <a16:creationId xmlns:a16="http://schemas.microsoft.com/office/drawing/2014/main" id="{10418671-2FD9-4437-1DD1-93B841517422}"/>
+                <a16:creationId xmlns:a16="http://schemas.microsoft.com/office/drawing/2014/main" id="{6D7AFF45-5196-1E13-2279-E3D25145DAFF}"/>
               </a:ext>
             </a:extLst>
           </p:cNvPr>
@@ -6338,27 +9237,554 @@
           <p:nvPr/>
         </p:nvPicPr>
         <p:blipFill>
-          <a:blip r:embed="rId5"/>
+          <a:blip r:embed="rId3"/>
           <a:stretch>
             <a:fillRect/>
           </a:stretch>
         </p:blipFill>
         <p:spPr>
           <a:xfrm>
-            <a:off x="4840144" y="1244111"/>
-            <a:ext cx="3372321" cy="2162477"/>
+            <a:off x="3082832" y="1176950"/>
+            <a:ext cx="5861992" cy="5061832"/>
           </a:xfrm>
           <a:prstGeom prst="rect">
             <a:avLst/>
           </a:prstGeom>
         </p:spPr>
       </p:pic>
+      <p:sp>
+        <p:nvSpPr>
+          <p:cNvPr id="3" name="標題 2"/>
+          <p:cNvSpPr>
+            <a:spLocks noGrp="1"/>
+          </p:cNvSpPr>
+          <p:nvPr>
+            <p:ph type="title"/>
+          </p:nvPr>
+        </p:nvSpPr>
+        <p:spPr>
+          <a:xfrm>
+            <a:off x="838200" y="365125"/>
+            <a:ext cx="10515600" cy="720000"/>
+          </a:xfrm>
+        </p:spPr>
+        <p:txBody>
+          <a:bodyPr>
+            <a:noAutofit/>
+          </a:bodyPr>
+          <a:lstStyle/>
+          <a:p>
+            <a:r>
+              <a:rPr lang="zh-TW" altLang="en-US" sz="3200" dirty="0"/>
+              <a:t>成果展示</a:t>
+            </a:r>
+            <a:r>
+              <a:rPr lang="en-US" altLang="zh-TW" sz="3200" dirty="0"/>
+              <a:t>-AVX</a:t>
+            </a:r>
+            <a:r>
+              <a:rPr lang="zh-TW" altLang="en-US" sz="3200" dirty="0"/>
+              <a:t>開關的差異</a:t>
+            </a:r>
+            <a:r>
+              <a:rPr lang="en-US" altLang="zh-TW" sz="3200" dirty="0"/>
+              <a:t>-CLOSE</a:t>
+            </a:r>
+            <a:endParaRPr lang="zh-TW" altLang="en-US" sz="3200" dirty="0"/>
+          </a:p>
+        </p:txBody>
+      </p:sp>
+      <p:sp>
+        <p:nvSpPr>
+          <p:cNvPr id="5" name="框架 4">
+            <a:extLst>
+              <a:ext uri="{FF2B5EF4-FFF2-40B4-BE49-F238E27FC236}">
+                <a16:creationId xmlns:a16="http://schemas.microsoft.com/office/drawing/2014/main" id="{7114AAC2-B0AB-4A6F-62D0-0D2AC9A43E83}"/>
+              </a:ext>
+            </a:extLst>
+          </p:cNvPr>
+          <p:cNvSpPr/>
+          <p:nvPr/>
+        </p:nvSpPr>
+        <p:spPr>
+          <a:xfrm>
+            <a:off x="3082835" y="1375954"/>
+            <a:ext cx="3971109" cy="757646"/>
+          </a:xfrm>
+          <a:prstGeom prst="frame">
+            <a:avLst>
+              <a:gd name="adj1" fmla="val 2599"/>
+            </a:avLst>
+          </a:prstGeom>
+          <a:solidFill>
+            <a:srgbClr val="FF0000"/>
+          </a:solidFill>
+          <a:ln>
+            <a:solidFill>
+              <a:srgbClr val="FF0000"/>
+            </a:solidFill>
+          </a:ln>
+        </p:spPr>
+        <p:style>
+          <a:lnRef idx="2">
+            <a:schemeClr val="accent1">
+              <a:shade val="50000"/>
+            </a:schemeClr>
+          </a:lnRef>
+          <a:fillRef idx="1">
+            <a:schemeClr val="accent1"/>
+          </a:fillRef>
+          <a:effectRef idx="0">
+            <a:schemeClr val="accent1"/>
+          </a:effectRef>
+          <a:fontRef idx="minor">
+            <a:schemeClr val="lt1"/>
+          </a:fontRef>
+        </p:style>
+        <p:txBody>
+          <a:bodyPr rtlCol="0" anchor="ctr"/>
+          <a:lstStyle/>
+          <a:p>
+            <a:pPr algn="ctr"/>
+            <a:endParaRPr lang="zh-TW" altLang="en-US">
+              <a:solidFill>
+                <a:schemeClr val="tx1"/>
+              </a:solidFill>
+            </a:endParaRPr>
+          </a:p>
+        </p:txBody>
+      </p:sp>
+      <p:sp>
+        <p:nvSpPr>
+          <p:cNvPr id="6" name="框架 5">
+            <a:extLst>
+              <a:ext uri="{FF2B5EF4-FFF2-40B4-BE49-F238E27FC236}">
+                <a16:creationId xmlns:a16="http://schemas.microsoft.com/office/drawing/2014/main" id="{F74EB8C8-F1D2-DF42-3B26-812BF0328039}"/>
+              </a:ext>
+            </a:extLst>
+          </p:cNvPr>
+          <p:cNvSpPr/>
+          <p:nvPr/>
+        </p:nvSpPr>
+        <p:spPr>
+          <a:xfrm>
+            <a:off x="3082835" y="2133600"/>
+            <a:ext cx="3971109" cy="848178"/>
+          </a:xfrm>
+          <a:prstGeom prst="frame">
+            <a:avLst>
+              <a:gd name="adj1" fmla="val 2599"/>
+            </a:avLst>
+          </a:prstGeom>
+          <a:solidFill>
+            <a:srgbClr val="FF0000"/>
+          </a:solidFill>
+          <a:ln>
+            <a:solidFill>
+              <a:srgbClr val="FF0000"/>
+            </a:solidFill>
+          </a:ln>
+        </p:spPr>
+        <p:style>
+          <a:lnRef idx="2">
+            <a:schemeClr val="accent1">
+              <a:shade val="50000"/>
+            </a:schemeClr>
+          </a:lnRef>
+          <a:fillRef idx="1">
+            <a:schemeClr val="accent1"/>
+          </a:fillRef>
+          <a:effectRef idx="0">
+            <a:schemeClr val="accent1"/>
+          </a:effectRef>
+          <a:fontRef idx="minor">
+            <a:schemeClr val="lt1"/>
+          </a:fontRef>
+        </p:style>
+        <p:txBody>
+          <a:bodyPr rtlCol="0" anchor="ctr"/>
+          <a:lstStyle/>
+          <a:p>
+            <a:pPr algn="ctr"/>
+            <a:endParaRPr lang="zh-TW" altLang="en-US">
+              <a:solidFill>
+                <a:schemeClr val="tx1"/>
+              </a:solidFill>
+            </a:endParaRPr>
+          </a:p>
+        </p:txBody>
+      </p:sp>
+      <p:sp>
+        <p:nvSpPr>
+          <p:cNvPr id="7" name="框架 6">
+            <a:extLst>
+              <a:ext uri="{FF2B5EF4-FFF2-40B4-BE49-F238E27FC236}">
+                <a16:creationId xmlns:a16="http://schemas.microsoft.com/office/drawing/2014/main" id="{7E056FF0-9CDE-D991-FD3B-268255FEEC9E}"/>
+              </a:ext>
+            </a:extLst>
+          </p:cNvPr>
+          <p:cNvSpPr/>
+          <p:nvPr/>
+        </p:nvSpPr>
+        <p:spPr>
+          <a:xfrm>
+            <a:off x="3082835" y="2981778"/>
+            <a:ext cx="3971109" cy="757646"/>
+          </a:xfrm>
+          <a:prstGeom prst="frame">
+            <a:avLst>
+              <a:gd name="adj1" fmla="val 2599"/>
+            </a:avLst>
+          </a:prstGeom>
+          <a:solidFill>
+            <a:srgbClr val="FF0000"/>
+          </a:solidFill>
+          <a:ln>
+            <a:solidFill>
+              <a:srgbClr val="FF0000"/>
+            </a:solidFill>
+          </a:ln>
+        </p:spPr>
+        <p:style>
+          <a:lnRef idx="2">
+            <a:schemeClr val="accent1">
+              <a:shade val="50000"/>
+            </a:schemeClr>
+          </a:lnRef>
+          <a:fillRef idx="1">
+            <a:schemeClr val="accent1"/>
+          </a:fillRef>
+          <a:effectRef idx="0">
+            <a:schemeClr val="accent1"/>
+          </a:effectRef>
+          <a:fontRef idx="minor">
+            <a:schemeClr val="lt1"/>
+          </a:fontRef>
+        </p:style>
+        <p:txBody>
+          <a:bodyPr rtlCol="0" anchor="ctr"/>
+          <a:lstStyle/>
+          <a:p>
+            <a:pPr algn="ctr"/>
+            <a:endParaRPr lang="zh-TW" altLang="en-US">
+              <a:solidFill>
+                <a:schemeClr val="tx1"/>
+              </a:solidFill>
+            </a:endParaRPr>
+          </a:p>
+        </p:txBody>
+      </p:sp>
+      <p:sp>
+        <p:nvSpPr>
+          <p:cNvPr id="8" name="框架 7">
+            <a:extLst>
+              <a:ext uri="{FF2B5EF4-FFF2-40B4-BE49-F238E27FC236}">
+                <a16:creationId xmlns:a16="http://schemas.microsoft.com/office/drawing/2014/main" id="{4908D5A4-B7D4-1ABF-8A79-AE95B42BBA96}"/>
+              </a:ext>
+            </a:extLst>
+          </p:cNvPr>
+          <p:cNvSpPr/>
+          <p:nvPr/>
+        </p:nvSpPr>
+        <p:spPr>
+          <a:xfrm>
+            <a:off x="3082834" y="3731622"/>
+            <a:ext cx="3971109" cy="901337"/>
+          </a:xfrm>
+          <a:prstGeom prst="frame">
+            <a:avLst>
+              <a:gd name="adj1" fmla="val 2599"/>
+            </a:avLst>
+          </a:prstGeom>
+          <a:solidFill>
+            <a:srgbClr val="FF0000"/>
+          </a:solidFill>
+          <a:ln>
+            <a:solidFill>
+              <a:srgbClr val="FF0000"/>
+            </a:solidFill>
+          </a:ln>
+        </p:spPr>
+        <p:style>
+          <a:lnRef idx="2">
+            <a:schemeClr val="accent1">
+              <a:shade val="50000"/>
+            </a:schemeClr>
+          </a:lnRef>
+          <a:fillRef idx="1">
+            <a:schemeClr val="accent1"/>
+          </a:fillRef>
+          <a:effectRef idx="0">
+            <a:schemeClr val="accent1"/>
+          </a:effectRef>
+          <a:fontRef idx="minor">
+            <a:schemeClr val="lt1"/>
+          </a:fontRef>
+        </p:style>
+        <p:txBody>
+          <a:bodyPr rtlCol="0" anchor="ctr"/>
+          <a:lstStyle/>
+          <a:p>
+            <a:pPr algn="ctr"/>
+            <a:endParaRPr lang="zh-TW" altLang="en-US">
+              <a:solidFill>
+                <a:schemeClr val="tx1"/>
+              </a:solidFill>
+            </a:endParaRPr>
+          </a:p>
+        </p:txBody>
+      </p:sp>
+      <p:sp>
+        <p:nvSpPr>
+          <p:cNvPr id="9" name="框架 8">
+            <a:extLst>
+              <a:ext uri="{FF2B5EF4-FFF2-40B4-BE49-F238E27FC236}">
+                <a16:creationId xmlns:a16="http://schemas.microsoft.com/office/drawing/2014/main" id="{54B3C8ED-7F6A-517F-53F1-F359A6BB617E}"/>
+              </a:ext>
+            </a:extLst>
+          </p:cNvPr>
+          <p:cNvSpPr/>
+          <p:nvPr/>
+        </p:nvSpPr>
+        <p:spPr>
+          <a:xfrm>
+            <a:off x="3082834" y="4625157"/>
+            <a:ext cx="3971109" cy="757646"/>
+          </a:xfrm>
+          <a:prstGeom prst="frame">
+            <a:avLst>
+              <a:gd name="adj1" fmla="val 2599"/>
+            </a:avLst>
+          </a:prstGeom>
+          <a:solidFill>
+            <a:srgbClr val="FF0000"/>
+          </a:solidFill>
+          <a:ln>
+            <a:solidFill>
+              <a:srgbClr val="FF0000"/>
+            </a:solidFill>
+          </a:ln>
+        </p:spPr>
+        <p:style>
+          <a:lnRef idx="2">
+            <a:schemeClr val="accent1">
+              <a:shade val="50000"/>
+            </a:schemeClr>
+          </a:lnRef>
+          <a:fillRef idx="1">
+            <a:schemeClr val="accent1"/>
+          </a:fillRef>
+          <a:effectRef idx="0">
+            <a:schemeClr val="accent1"/>
+          </a:effectRef>
+          <a:fontRef idx="minor">
+            <a:schemeClr val="lt1"/>
+          </a:fontRef>
+        </p:style>
+        <p:txBody>
+          <a:bodyPr rtlCol="0" anchor="ctr"/>
+          <a:lstStyle/>
+          <a:p>
+            <a:pPr algn="ctr"/>
+            <a:endParaRPr lang="zh-TW" altLang="en-US">
+              <a:solidFill>
+                <a:schemeClr val="tx1"/>
+              </a:solidFill>
+            </a:endParaRPr>
+          </a:p>
+        </p:txBody>
+      </p:sp>
+      <p:sp>
+        <p:nvSpPr>
+          <p:cNvPr id="10" name="框架 9">
+            <a:extLst>
+              <a:ext uri="{FF2B5EF4-FFF2-40B4-BE49-F238E27FC236}">
+                <a16:creationId xmlns:a16="http://schemas.microsoft.com/office/drawing/2014/main" id="{C0961161-01A9-4A6B-5200-877691D3D774}"/>
+              </a:ext>
+            </a:extLst>
+          </p:cNvPr>
+          <p:cNvSpPr/>
+          <p:nvPr/>
+        </p:nvSpPr>
+        <p:spPr>
+          <a:xfrm>
+            <a:off x="3082833" y="5337444"/>
+            <a:ext cx="3971109" cy="901337"/>
+          </a:xfrm>
+          <a:prstGeom prst="frame">
+            <a:avLst>
+              <a:gd name="adj1" fmla="val 2599"/>
+            </a:avLst>
+          </a:prstGeom>
+          <a:solidFill>
+            <a:srgbClr val="FF0000"/>
+          </a:solidFill>
+          <a:ln>
+            <a:solidFill>
+              <a:srgbClr val="FF0000"/>
+            </a:solidFill>
+          </a:ln>
+        </p:spPr>
+        <p:style>
+          <a:lnRef idx="2">
+            <a:schemeClr val="accent1">
+              <a:shade val="50000"/>
+            </a:schemeClr>
+          </a:lnRef>
+          <a:fillRef idx="1">
+            <a:schemeClr val="accent1"/>
+          </a:fillRef>
+          <a:effectRef idx="0">
+            <a:schemeClr val="accent1"/>
+          </a:effectRef>
+          <a:fontRef idx="minor">
+            <a:schemeClr val="lt1"/>
+          </a:fontRef>
+        </p:style>
+        <p:txBody>
+          <a:bodyPr rtlCol="0" anchor="ctr"/>
+          <a:lstStyle/>
+          <a:p>
+            <a:pPr algn="ctr"/>
+            <a:endParaRPr lang="zh-TW" altLang="en-US">
+              <a:solidFill>
+                <a:schemeClr val="tx1"/>
+              </a:solidFill>
+            </a:endParaRPr>
+          </a:p>
+        </p:txBody>
+      </p:sp>
+      <p:sp>
+        <p:nvSpPr>
+          <p:cNvPr id="11" name="文字方塊 10">
+            <a:extLst>
+              <a:ext uri="{FF2B5EF4-FFF2-40B4-BE49-F238E27FC236}">
+                <a16:creationId xmlns:a16="http://schemas.microsoft.com/office/drawing/2014/main" id="{B12FF0BB-C4C7-276F-FD96-EC12566BA256}"/>
+              </a:ext>
+            </a:extLst>
+          </p:cNvPr>
+          <p:cNvSpPr txBox="1"/>
+          <p:nvPr/>
+        </p:nvSpPr>
+        <p:spPr>
+          <a:xfrm>
+            <a:off x="2259872" y="1375954"/>
+            <a:ext cx="1645920" cy="4524315"/>
+          </a:xfrm>
+          <a:prstGeom prst="rect">
+            <a:avLst/>
+          </a:prstGeom>
+          <a:noFill/>
+        </p:spPr>
+        <p:txBody>
+          <a:bodyPr wrap="square" rtlCol="0">
+            <a:spAutoFit/>
+          </a:bodyPr>
+          <a:lstStyle/>
+          <a:p>
+            <a:r>
+              <a:rPr lang="en-US" altLang="zh-TW" dirty="0"/>
+              <a:t>3*3</a:t>
+            </a:r>
+          </a:p>
+          <a:p>
+            <a:endParaRPr lang="en-US" altLang="zh-TW" dirty="0"/>
+          </a:p>
+          <a:p>
+            <a:endParaRPr lang="en-US" altLang="zh-TW" dirty="0"/>
+          </a:p>
+          <a:p>
+            <a:r>
+              <a:rPr lang="en-US" altLang="zh-TW" dirty="0"/>
+              <a:t>5*5</a:t>
+            </a:r>
+          </a:p>
+          <a:p>
+            <a:endParaRPr lang="en-US" altLang="zh-TW" dirty="0"/>
+          </a:p>
+          <a:p>
+            <a:endParaRPr lang="en-US" altLang="zh-TW" dirty="0"/>
+          </a:p>
+          <a:p>
+            <a:r>
+              <a:rPr lang="en-US" altLang="zh-TW" dirty="0"/>
+              <a:t>7*7</a:t>
+            </a:r>
+          </a:p>
+          <a:p>
+            <a:endParaRPr lang="en-US" altLang="zh-TW" dirty="0"/>
+          </a:p>
+          <a:p>
+            <a:endParaRPr lang="en-US" altLang="zh-TW" dirty="0"/>
+          </a:p>
+          <a:p>
+            <a:r>
+              <a:rPr lang="en-US" altLang="zh-TW" dirty="0"/>
+              <a:t>9*9</a:t>
+            </a:r>
+          </a:p>
+          <a:p>
+            <a:endParaRPr lang="en-US" altLang="zh-TW" dirty="0"/>
+          </a:p>
+          <a:p>
+            <a:endParaRPr lang="en-US" altLang="zh-TW" dirty="0"/>
+          </a:p>
+          <a:p>
+            <a:r>
+              <a:rPr lang="en-US" altLang="zh-TW" dirty="0"/>
+              <a:t>11*11</a:t>
+            </a:r>
+          </a:p>
+          <a:p>
+            <a:endParaRPr lang="en-US" altLang="zh-TW" dirty="0"/>
+          </a:p>
+          <a:p>
+            <a:endParaRPr lang="en-US" altLang="zh-TW" dirty="0"/>
+          </a:p>
+          <a:p>
+            <a:r>
+              <a:rPr lang="en-US" altLang="zh-TW" dirty="0"/>
+              <a:t>13*13</a:t>
+            </a:r>
+          </a:p>
+        </p:txBody>
+      </p:sp>
+    </p:spTree>
+    <p:extLst>
+      <p:ext uri="{BB962C8B-B14F-4D97-AF65-F5344CB8AC3E}">
+        <p14:creationId xmlns:p14="http://schemas.microsoft.com/office/powerpoint/2010/main" val="638435442"/>
+      </p:ext>
+    </p:extLst>
+  </p:cSld>
+  <p:clrMapOvr>
+    <a:masterClrMapping/>
+  </p:clrMapOvr>
+</p:sld>
+</file>
+
+<file path=ppt/slides/slide18.xml><?xml version="1.0" encoding="utf-8"?>
+<p:sld xmlns:a="http://schemas.openxmlformats.org/drawingml/2006/main" xmlns:r="http://schemas.openxmlformats.org/officeDocument/2006/relationships" xmlns:p="http://schemas.openxmlformats.org/presentationml/2006/main">
+  <p:cSld>
+    <p:spTree>
+      <p:nvGrpSpPr>
+        <p:cNvPr id="1" name=""/>
+        <p:cNvGrpSpPr/>
+        <p:nvPr/>
+      </p:nvGrpSpPr>
+      <p:grpSpPr>
+        <a:xfrm>
+          <a:off x="0" y="0"/>
+          <a:ext cx="0" cy="0"/>
+          <a:chOff x="0" y="0"/>
+          <a:chExt cx="0" cy="0"/>
+        </a:xfrm>
+      </p:grpSpPr>
       <p:pic>
         <p:nvPicPr>
           <p:cNvPr id="12" name="圖片 11">
             <a:extLst>
               <a:ext uri="{FF2B5EF4-FFF2-40B4-BE49-F238E27FC236}">
-                <a16:creationId xmlns:a16="http://schemas.microsoft.com/office/drawing/2014/main" id="{668DBBD5-6C65-8890-8A99-11E90643ED4C}"/>
+                <a16:creationId xmlns:a16="http://schemas.microsoft.com/office/drawing/2014/main" id="{4B93458E-D808-DFED-FAF3-159ABF1E738E}"/>
               </a:ext>
             </a:extLst>
           </p:cNvPr>
@@ -6368,85 +9794,522 @@
           <p:nvPr/>
         </p:nvPicPr>
         <p:blipFill>
-          <a:blip r:embed="rId6"/>
+          <a:blip r:embed="rId3"/>
           <a:stretch>
             <a:fillRect/>
           </a:stretch>
         </p:blipFill>
         <p:spPr>
           <a:xfrm>
-            <a:off x="4840144" y="3942917"/>
-            <a:ext cx="3372320" cy="2172003"/>
+            <a:off x="3112574" y="1213164"/>
+            <a:ext cx="5452004" cy="5025617"/>
           </a:xfrm>
           <a:prstGeom prst="rect">
             <a:avLst/>
           </a:prstGeom>
         </p:spPr>
       </p:pic>
-      <p:pic>
-        <p:nvPicPr>
-          <p:cNvPr id="15" name="圖片 14">
+      <p:sp>
+        <p:nvSpPr>
+          <p:cNvPr id="3" name="標題 2"/>
+          <p:cNvSpPr>
+            <a:spLocks noGrp="1"/>
+          </p:cNvSpPr>
+          <p:nvPr>
+            <p:ph type="title"/>
+          </p:nvPr>
+        </p:nvSpPr>
+        <p:spPr>
+          <a:xfrm>
+            <a:off x="838200" y="365125"/>
+            <a:ext cx="10515600" cy="720000"/>
+          </a:xfrm>
+        </p:spPr>
+        <p:txBody>
+          <a:bodyPr>
+            <a:noAutofit/>
+          </a:bodyPr>
+          <a:lstStyle/>
+          <a:p>
+            <a:r>
+              <a:rPr lang="zh-TW" altLang="en-US" sz="3200" dirty="0"/>
+              <a:t>成果展示</a:t>
+            </a:r>
+            <a:r>
+              <a:rPr lang="en-US" altLang="zh-TW" sz="3200" dirty="0"/>
+              <a:t>-AVX</a:t>
+            </a:r>
+            <a:r>
+              <a:rPr lang="zh-TW" altLang="en-US" sz="3200" dirty="0"/>
+              <a:t>開關的差異</a:t>
+            </a:r>
+            <a:r>
+              <a:rPr lang="en-US" altLang="zh-TW" sz="3200" dirty="0"/>
+              <a:t>-CLOSE</a:t>
+            </a:r>
+            <a:endParaRPr lang="zh-TW" altLang="en-US" sz="3200" dirty="0"/>
+          </a:p>
+        </p:txBody>
+      </p:sp>
+      <p:sp>
+        <p:nvSpPr>
+          <p:cNvPr id="5" name="框架 4">
             <a:extLst>
               <a:ext uri="{FF2B5EF4-FFF2-40B4-BE49-F238E27FC236}">
-                <a16:creationId xmlns:a16="http://schemas.microsoft.com/office/drawing/2014/main" id="{48644245-69B8-CDDA-9495-727830DB3DA6}"/>
+                <a16:creationId xmlns:a16="http://schemas.microsoft.com/office/drawing/2014/main" id="{7114AAC2-B0AB-4A6F-62D0-0D2AC9A43E83}"/>
               </a:ext>
             </a:extLst>
           </p:cNvPr>
-          <p:cNvPicPr>
-            <a:picLocks noChangeAspect="1"/>
-          </p:cNvPicPr>
+          <p:cNvSpPr/>
           <p:nvPr/>
-        </p:nvPicPr>
-        <p:blipFill>
-          <a:blip r:embed="rId7"/>
-          <a:stretch>
-            <a:fillRect/>
-          </a:stretch>
-        </p:blipFill>
-        <p:spPr>
-          <a:xfrm>
-            <a:off x="8737297" y="1244111"/>
-            <a:ext cx="3000794" cy="2162477"/>
+        </p:nvSpPr>
+        <p:spPr>
+          <a:xfrm>
+            <a:off x="3082835" y="1375954"/>
+            <a:ext cx="3971109" cy="757646"/>
+          </a:xfrm>
+          <a:prstGeom prst="frame">
+            <a:avLst>
+              <a:gd name="adj1" fmla="val 2599"/>
+            </a:avLst>
+          </a:prstGeom>
+          <a:solidFill>
+            <a:srgbClr val="FF0000"/>
+          </a:solidFill>
+          <a:ln>
+            <a:solidFill>
+              <a:srgbClr val="FF0000"/>
+            </a:solidFill>
+          </a:ln>
+        </p:spPr>
+        <p:style>
+          <a:lnRef idx="2">
+            <a:schemeClr val="accent1">
+              <a:shade val="50000"/>
+            </a:schemeClr>
+          </a:lnRef>
+          <a:fillRef idx="1">
+            <a:schemeClr val="accent1"/>
+          </a:fillRef>
+          <a:effectRef idx="0">
+            <a:schemeClr val="accent1"/>
+          </a:effectRef>
+          <a:fontRef idx="minor">
+            <a:schemeClr val="lt1"/>
+          </a:fontRef>
+        </p:style>
+        <p:txBody>
+          <a:bodyPr rtlCol="0" anchor="ctr"/>
+          <a:lstStyle/>
+          <a:p>
+            <a:pPr algn="ctr"/>
+            <a:endParaRPr lang="zh-TW" altLang="en-US">
+              <a:solidFill>
+                <a:schemeClr val="tx1"/>
+              </a:solidFill>
+            </a:endParaRPr>
+          </a:p>
+        </p:txBody>
+      </p:sp>
+      <p:sp>
+        <p:nvSpPr>
+          <p:cNvPr id="6" name="框架 5">
+            <a:extLst>
+              <a:ext uri="{FF2B5EF4-FFF2-40B4-BE49-F238E27FC236}">
+                <a16:creationId xmlns:a16="http://schemas.microsoft.com/office/drawing/2014/main" id="{F74EB8C8-F1D2-DF42-3B26-812BF0328039}"/>
+              </a:ext>
+            </a:extLst>
+          </p:cNvPr>
+          <p:cNvSpPr/>
+          <p:nvPr/>
+        </p:nvSpPr>
+        <p:spPr>
+          <a:xfrm>
+            <a:off x="3082835" y="2133600"/>
+            <a:ext cx="3971109" cy="848178"/>
+          </a:xfrm>
+          <a:prstGeom prst="frame">
+            <a:avLst>
+              <a:gd name="adj1" fmla="val 2599"/>
+            </a:avLst>
+          </a:prstGeom>
+          <a:solidFill>
+            <a:srgbClr val="FF0000"/>
+          </a:solidFill>
+          <a:ln>
+            <a:solidFill>
+              <a:srgbClr val="FF0000"/>
+            </a:solidFill>
+          </a:ln>
+        </p:spPr>
+        <p:style>
+          <a:lnRef idx="2">
+            <a:schemeClr val="accent1">
+              <a:shade val="50000"/>
+            </a:schemeClr>
+          </a:lnRef>
+          <a:fillRef idx="1">
+            <a:schemeClr val="accent1"/>
+          </a:fillRef>
+          <a:effectRef idx="0">
+            <a:schemeClr val="accent1"/>
+          </a:effectRef>
+          <a:fontRef idx="minor">
+            <a:schemeClr val="lt1"/>
+          </a:fontRef>
+        </p:style>
+        <p:txBody>
+          <a:bodyPr rtlCol="0" anchor="ctr"/>
+          <a:lstStyle/>
+          <a:p>
+            <a:pPr algn="ctr"/>
+            <a:endParaRPr lang="zh-TW" altLang="en-US">
+              <a:solidFill>
+                <a:schemeClr val="tx1"/>
+              </a:solidFill>
+            </a:endParaRPr>
+          </a:p>
+        </p:txBody>
+      </p:sp>
+      <p:sp>
+        <p:nvSpPr>
+          <p:cNvPr id="7" name="框架 6">
+            <a:extLst>
+              <a:ext uri="{FF2B5EF4-FFF2-40B4-BE49-F238E27FC236}">
+                <a16:creationId xmlns:a16="http://schemas.microsoft.com/office/drawing/2014/main" id="{7E056FF0-9CDE-D991-FD3B-268255FEEC9E}"/>
+              </a:ext>
+            </a:extLst>
+          </p:cNvPr>
+          <p:cNvSpPr/>
+          <p:nvPr/>
+        </p:nvSpPr>
+        <p:spPr>
+          <a:xfrm>
+            <a:off x="3082835" y="2981778"/>
+            <a:ext cx="3971109" cy="757646"/>
+          </a:xfrm>
+          <a:prstGeom prst="frame">
+            <a:avLst>
+              <a:gd name="adj1" fmla="val 2599"/>
+            </a:avLst>
+          </a:prstGeom>
+          <a:solidFill>
+            <a:srgbClr val="FF0000"/>
+          </a:solidFill>
+          <a:ln>
+            <a:solidFill>
+              <a:srgbClr val="FF0000"/>
+            </a:solidFill>
+          </a:ln>
+        </p:spPr>
+        <p:style>
+          <a:lnRef idx="2">
+            <a:schemeClr val="accent1">
+              <a:shade val="50000"/>
+            </a:schemeClr>
+          </a:lnRef>
+          <a:fillRef idx="1">
+            <a:schemeClr val="accent1"/>
+          </a:fillRef>
+          <a:effectRef idx="0">
+            <a:schemeClr val="accent1"/>
+          </a:effectRef>
+          <a:fontRef idx="minor">
+            <a:schemeClr val="lt1"/>
+          </a:fontRef>
+        </p:style>
+        <p:txBody>
+          <a:bodyPr rtlCol="0" anchor="ctr"/>
+          <a:lstStyle/>
+          <a:p>
+            <a:pPr algn="ctr"/>
+            <a:endParaRPr lang="zh-TW" altLang="en-US">
+              <a:solidFill>
+                <a:schemeClr val="tx1"/>
+              </a:solidFill>
+            </a:endParaRPr>
+          </a:p>
+        </p:txBody>
+      </p:sp>
+      <p:sp>
+        <p:nvSpPr>
+          <p:cNvPr id="8" name="框架 7">
+            <a:extLst>
+              <a:ext uri="{FF2B5EF4-FFF2-40B4-BE49-F238E27FC236}">
+                <a16:creationId xmlns:a16="http://schemas.microsoft.com/office/drawing/2014/main" id="{4908D5A4-B7D4-1ABF-8A79-AE95B42BBA96}"/>
+              </a:ext>
+            </a:extLst>
+          </p:cNvPr>
+          <p:cNvSpPr/>
+          <p:nvPr/>
+        </p:nvSpPr>
+        <p:spPr>
+          <a:xfrm>
+            <a:off x="3082834" y="3731622"/>
+            <a:ext cx="3971109" cy="901337"/>
+          </a:xfrm>
+          <a:prstGeom prst="frame">
+            <a:avLst>
+              <a:gd name="adj1" fmla="val 2599"/>
+            </a:avLst>
+          </a:prstGeom>
+          <a:solidFill>
+            <a:srgbClr val="FF0000"/>
+          </a:solidFill>
+          <a:ln>
+            <a:solidFill>
+              <a:srgbClr val="FF0000"/>
+            </a:solidFill>
+          </a:ln>
+        </p:spPr>
+        <p:style>
+          <a:lnRef idx="2">
+            <a:schemeClr val="accent1">
+              <a:shade val="50000"/>
+            </a:schemeClr>
+          </a:lnRef>
+          <a:fillRef idx="1">
+            <a:schemeClr val="accent1"/>
+          </a:fillRef>
+          <a:effectRef idx="0">
+            <a:schemeClr val="accent1"/>
+          </a:effectRef>
+          <a:fontRef idx="minor">
+            <a:schemeClr val="lt1"/>
+          </a:fontRef>
+        </p:style>
+        <p:txBody>
+          <a:bodyPr rtlCol="0" anchor="ctr"/>
+          <a:lstStyle/>
+          <a:p>
+            <a:pPr algn="ctr"/>
+            <a:endParaRPr lang="zh-TW" altLang="en-US">
+              <a:solidFill>
+                <a:schemeClr val="tx1"/>
+              </a:solidFill>
+            </a:endParaRPr>
+          </a:p>
+        </p:txBody>
+      </p:sp>
+      <p:sp>
+        <p:nvSpPr>
+          <p:cNvPr id="9" name="框架 8">
+            <a:extLst>
+              <a:ext uri="{FF2B5EF4-FFF2-40B4-BE49-F238E27FC236}">
+                <a16:creationId xmlns:a16="http://schemas.microsoft.com/office/drawing/2014/main" id="{54B3C8ED-7F6A-517F-53F1-F359A6BB617E}"/>
+              </a:ext>
+            </a:extLst>
+          </p:cNvPr>
+          <p:cNvSpPr/>
+          <p:nvPr/>
+        </p:nvSpPr>
+        <p:spPr>
+          <a:xfrm>
+            <a:off x="3082834" y="4625157"/>
+            <a:ext cx="3971109" cy="757646"/>
+          </a:xfrm>
+          <a:prstGeom prst="frame">
+            <a:avLst>
+              <a:gd name="adj1" fmla="val 2599"/>
+            </a:avLst>
+          </a:prstGeom>
+          <a:solidFill>
+            <a:srgbClr val="FF0000"/>
+          </a:solidFill>
+          <a:ln>
+            <a:solidFill>
+              <a:srgbClr val="FF0000"/>
+            </a:solidFill>
+          </a:ln>
+        </p:spPr>
+        <p:style>
+          <a:lnRef idx="2">
+            <a:schemeClr val="accent1">
+              <a:shade val="50000"/>
+            </a:schemeClr>
+          </a:lnRef>
+          <a:fillRef idx="1">
+            <a:schemeClr val="accent1"/>
+          </a:fillRef>
+          <a:effectRef idx="0">
+            <a:schemeClr val="accent1"/>
+          </a:effectRef>
+          <a:fontRef idx="minor">
+            <a:schemeClr val="lt1"/>
+          </a:fontRef>
+        </p:style>
+        <p:txBody>
+          <a:bodyPr rtlCol="0" anchor="ctr"/>
+          <a:lstStyle/>
+          <a:p>
+            <a:pPr algn="ctr"/>
+            <a:endParaRPr lang="zh-TW" altLang="en-US">
+              <a:solidFill>
+                <a:schemeClr val="tx1"/>
+              </a:solidFill>
+            </a:endParaRPr>
+          </a:p>
+        </p:txBody>
+      </p:sp>
+      <p:sp>
+        <p:nvSpPr>
+          <p:cNvPr id="10" name="框架 9">
+            <a:extLst>
+              <a:ext uri="{FF2B5EF4-FFF2-40B4-BE49-F238E27FC236}">
+                <a16:creationId xmlns:a16="http://schemas.microsoft.com/office/drawing/2014/main" id="{C0961161-01A9-4A6B-5200-877691D3D774}"/>
+              </a:ext>
+            </a:extLst>
+          </p:cNvPr>
+          <p:cNvSpPr/>
+          <p:nvPr/>
+        </p:nvSpPr>
+        <p:spPr>
+          <a:xfrm>
+            <a:off x="3082833" y="5337444"/>
+            <a:ext cx="3971109" cy="901337"/>
+          </a:xfrm>
+          <a:prstGeom prst="frame">
+            <a:avLst>
+              <a:gd name="adj1" fmla="val 2599"/>
+            </a:avLst>
+          </a:prstGeom>
+          <a:solidFill>
+            <a:srgbClr val="FF0000"/>
+          </a:solidFill>
+          <a:ln>
+            <a:solidFill>
+              <a:srgbClr val="FF0000"/>
+            </a:solidFill>
+          </a:ln>
+        </p:spPr>
+        <p:style>
+          <a:lnRef idx="2">
+            <a:schemeClr val="accent1">
+              <a:shade val="50000"/>
+            </a:schemeClr>
+          </a:lnRef>
+          <a:fillRef idx="1">
+            <a:schemeClr val="accent1"/>
+          </a:fillRef>
+          <a:effectRef idx="0">
+            <a:schemeClr val="accent1"/>
+          </a:effectRef>
+          <a:fontRef idx="minor">
+            <a:schemeClr val="lt1"/>
+          </a:fontRef>
+        </p:style>
+        <p:txBody>
+          <a:bodyPr rtlCol="0" anchor="ctr"/>
+          <a:lstStyle/>
+          <a:p>
+            <a:pPr algn="ctr"/>
+            <a:endParaRPr lang="zh-TW" altLang="en-US">
+              <a:solidFill>
+                <a:schemeClr val="tx1"/>
+              </a:solidFill>
+            </a:endParaRPr>
+          </a:p>
+        </p:txBody>
+      </p:sp>
+      <p:sp>
+        <p:nvSpPr>
+          <p:cNvPr id="11" name="文字方塊 10">
+            <a:extLst>
+              <a:ext uri="{FF2B5EF4-FFF2-40B4-BE49-F238E27FC236}">
+                <a16:creationId xmlns:a16="http://schemas.microsoft.com/office/drawing/2014/main" id="{B12FF0BB-C4C7-276F-FD96-EC12566BA256}"/>
+              </a:ext>
+            </a:extLst>
+          </p:cNvPr>
+          <p:cNvSpPr txBox="1"/>
+          <p:nvPr/>
+        </p:nvSpPr>
+        <p:spPr>
+          <a:xfrm>
+            <a:off x="2259872" y="1375954"/>
+            <a:ext cx="1645920" cy="4524315"/>
           </a:xfrm>
           <a:prstGeom prst="rect">
             <a:avLst/>
           </a:prstGeom>
-        </p:spPr>
-      </p:pic>
-      <p:pic>
-        <p:nvPicPr>
-          <p:cNvPr id="17" name="圖片 16">
-            <a:extLst>
-              <a:ext uri="{FF2B5EF4-FFF2-40B4-BE49-F238E27FC236}">
-                <a16:creationId xmlns:a16="http://schemas.microsoft.com/office/drawing/2014/main" id="{86DE0674-A8F7-70BF-74CE-EADBA0DD4FFE}"/>
-              </a:ext>
-            </a:extLst>
-          </p:cNvPr>
-          <p:cNvPicPr>
-            <a:picLocks noChangeAspect="1"/>
-          </p:cNvPicPr>
-          <p:nvPr/>
-        </p:nvPicPr>
-        <p:blipFill>
-          <a:blip r:embed="rId8"/>
-          <a:stretch>
-            <a:fillRect/>
-          </a:stretch>
-        </p:blipFill>
-        <p:spPr>
-          <a:xfrm>
-            <a:off x="8737297" y="3942917"/>
-            <a:ext cx="2934750" cy="2162477"/>
-          </a:xfrm>
-          <a:prstGeom prst="rect">
-            <a:avLst/>
-          </a:prstGeom>
-        </p:spPr>
-      </p:pic>
+          <a:noFill/>
+        </p:spPr>
+        <p:txBody>
+          <a:bodyPr wrap="square" rtlCol="0">
+            <a:spAutoFit/>
+          </a:bodyPr>
+          <a:lstStyle/>
+          <a:p>
+            <a:r>
+              <a:rPr lang="en-US" altLang="zh-TW" dirty="0"/>
+              <a:t>3*3</a:t>
+            </a:r>
+          </a:p>
+          <a:p>
+            <a:endParaRPr lang="en-US" altLang="zh-TW" dirty="0"/>
+          </a:p>
+          <a:p>
+            <a:endParaRPr lang="en-US" altLang="zh-TW" dirty="0"/>
+          </a:p>
+          <a:p>
+            <a:r>
+              <a:rPr lang="en-US" altLang="zh-TW" dirty="0"/>
+              <a:t>5*5</a:t>
+            </a:r>
+          </a:p>
+          <a:p>
+            <a:endParaRPr lang="en-US" altLang="zh-TW" dirty="0"/>
+          </a:p>
+          <a:p>
+            <a:endParaRPr lang="en-US" altLang="zh-TW" dirty="0"/>
+          </a:p>
+          <a:p>
+            <a:r>
+              <a:rPr lang="en-US" altLang="zh-TW" dirty="0"/>
+              <a:t>7*7</a:t>
+            </a:r>
+          </a:p>
+          <a:p>
+            <a:endParaRPr lang="en-US" altLang="zh-TW" dirty="0"/>
+          </a:p>
+          <a:p>
+            <a:endParaRPr lang="en-US" altLang="zh-TW" dirty="0"/>
+          </a:p>
+          <a:p>
+            <a:r>
+              <a:rPr lang="en-US" altLang="zh-TW" dirty="0"/>
+              <a:t>9*9</a:t>
+            </a:r>
+          </a:p>
+          <a:p>
+            <a:endParaRPr lang="en-US" altLang="zh-TW" dirty="0"/>
+          </a:p>
+          <a:p>
+            <a:endParaRPr lang="en-US" altLang="zh-TW" dirty="0"/>
+          </a:p>
+          <a:p>
+            <a:r>
+              <a:rPr lang="en-US" altLang="zh-TW" dirty="0"/>
+              <a:t>11*11</a:t>
+            </a:r>
+          </a:p>
+          <a:p>
+            <a:endParaRPr lang="en-US" altLang="zh-TW" dirty="0"/>
+          </a:p>
+          <a:p>
+            <a:endParaRPr lang="en-US" altLang="zh-TW" dirty="0"/>
+          </a:p>
+          <a:p>
+            <a:r>
+              <a:rPr lang="en-US" altLang="zh-TW" dirty="0"/>
+              <a:t>13*13</a:t>
+            </a:r>
+          </a:p>
+        </p:txBody>
+      </p:sp>
     </p:spTree>
     <p:extLst>
       <p:ext uri="{BB962C8B-B14F-4D97-AF65-F5344CB8AC3E}">
-        <p14:creationId xmlns:p14="http://schemas.microsoft.com/office/powerpoint/2010/main" val="1629763650"/>
+        <p14:creationId xmlns:p14="http://schemas.microsoft.com/office/powerpoint/2010/main" val="3380057892"/>
       </p:ext>
     </p:extLst>
   </p:cSld>
@@ -7226,79 +11089,26 @@
             </a:r>
             <a:r>
               <a:rPr lang="zh-TW" altLang="en-US" sz="3200" dirty="0"/>
-              <a:t>圖片</a:t>
-            </a:r>
-            <a:r>
-              <a:rPr lang="en-US" altLang="zh-TW" sz="3200" dirty="0"/>
-              <a:t>OPEN&amp;CLOSE</a:t>
-            </a:r>
-            <a:r>
-              <a:rPr lang="zh-TW" altLang="en-US" sz="3200" dirty="0"/>
-              <a:t> </a:t>
-            </a:r>
-          </a:p>
-        </p:txBody>
-      </p:sp>
-      <p:sp>
-        <p:nvSpPr>
-          <p:cNvPr id="10" name="內容版面配置區 1">
+              <a:t>原圖</a:t>
+            </a:r>
+          </a:p>
+        </p:txBody>
+      </p:sp>
+      <p:pic>
+        <p:nvPicPr>
+          <p:cNvPr id="5" name="內容版面配置區 4" descr="一張含有 文字, 衣服, 服裝 的圖片&#10;&#10;自動產生的描述">
             <a:extLst>
               <a:ext uri="{FF2B5EF4-FFF2-40B4-BE49-F238E27FC236}">
-                <a16:creationId xmlns:a16="http://schemas.microsoft.com/office/drawing/2014/main" id="{7525C5FA-E5AD-4056-9857-68D56781A774}"/>
-              </a:ext>
-            </a:extLst>
-          </p:cNvPr>
-          <p:cNvSpPr>
-            <a:spLocks noGrp="1"/>
-          </p:cNvSpPr>
-          <p:nvPr>
-            <p:ph idx="1"/>
-          </p:nvPr>
-        </p:nvSpPr>
-        <p:spPr>
-          <a:xfrm>
-            <a:off x="838200" y="1201850"/>
-            <a:ext cx="10515600" cy="5037776"/>
-          </a:xfrm>
-        </p:spPr>
-        <p:txBody>
-          <a:bodyPr>
-            <a:normAutofit/>
-          </a:bodyPr>
-          <a:lstStyle/>
-          <a:p>
-            <a:pPr marL="0" indent="0">
-              <a:buNone/>
-            </a:pPr>
-            <a:r>
-              <a:rPr lang="en-US" altLang="zh-TW" dirty="0"/>
-              <a:t>3*3</a:t>
-            </a:r>
-          </a:p>
-          <a:p>
-            <a:pPr marL="0" indent="0">
-              <a:buNone/>
-            </a:pPr>
-            <a:r>
-              <a:rPr lang="en-US" altLang="zh-TW" dirty="0"/>
-              <a:t>OPEN:                                                                                          CLOSE:</a:t>
-            </a:r>
-          </a:p>
-        </p:txBody>
-      </p:sp>
-      <p:pic>
-        <p:nvPicPr>
-          <p:cNvPr id="4" name="圖片 3" descr="一張含有 文字, 圖書 的圖片&#10;&#10;自動產生的描述">
-            <a:extLst>
-              <a:ext uri="{FF2B5EF4-FFF2-40B4-BE49-F238E27FC236}">
-                <a16:creationId xmlns:a16="http://schemas.microsoft.com/office/drawing/2014/main" id="{B418165F-FC0B-FDE6-98CB-CE29C560FD16}"/>
+                <a16:creationId xmlns:a16="http://schemas.microsoft.com/office/drawing/2014/main" id="{C1571EE9-3B9C-9E85-A8F2-11267699B3B0}"/>
               </a:ext>
             </a:extLst>
           </p:cNvPr>
           <p:cNvPicPr>
-            <a:picLocks noChangeAspect="1"/>
+            <a:picLocks noGrp="1" noChangeAspect="1"/>
           </p:cNvPicPr>
-          <p:nvPr/>
+          <p:nvPr>
+            <p:ph idx="1"/>
+          </p:nvPr>
         </p:nvPicPr>
         <p:blipFill>
           <a:blip r:embed="rId3">
@@ -7314,50 +11124,55 @@
         </p:blipFill>
         <p:spPr>
           <a:xfrm>
-            <a:off x="1868630" y="1234723"/>
-            <a:ext cx="3540161" cy="5004903"/>
+            <a:off x="4314519" y="1201738"/>
+            <a:ext cx="3562961" cy="5037137"/>
+          </a:xfrm>
+        </p:spPr>
+      </p:pic>
+      <p:sp>
+        <p:nvSpPr>
+          <p:cNvPr id="7" name="文字方塊 6">
+            <a:extLst>
+              <a:ext uri="{FF2B5EF4-FFF2-40B4-BE49-F238E27FC236}">
+                <a16:creationId xmlns:a16="http://schemas.microsoft.com/office/drawing/2014/main" id="{5728E266-4BA1-A0D3-E663-F5653D69C34A}"/>
+              </a:ext>
+            </a:extLst>
+          </p:cNvPr>
+          <p:cNvSpPr txBox="1"/>
+          <p:nvPr/>
+        </p:nvSpPr>
+        <p:spPr>
+          <a:xfrm>
+            <a:off x="1801640" y="1955549"/>
+            <a:ext cx="2634559" cy="369332"/>
           </a:xfrm>
           <a:prstGeom prst="rect">
             <a:avLst/>
           </a:prstGeom>
-        </p:spPr>
-      </p:pic>
-      <p:pic>
-        <p:nvPicPr>
-          <p:cNvPr id="6" name="圖片 5" descr="一張含有 文字 的圖片&#10;&#10;自動產生的描述">
-            <a:extLst>
-              <a:ext uri="{FF2B5EF4-FFF2-40B4-BE49-F238E27FC236}">
-                <a16:creationId xmlns:a16="http://schemas.microsoft.com/office/drawing/2014/main" id="{91C633A7-6D64-F350-9E6E-532BA8534A10}"/>
-              </a:ext>
-            </a:extLst>
-          </p:cNvPr>
-          <p:cNvPicPr>
-            <a:picLocks noChangeAspect="1"/>
-          </p:cNvPicPr>
-          <p:nvPr/>
-        </p:nvPicPr>
-        <p:blipFill>
-          <a:blip r:embed="rId4">
-            <a:extLst>
-              <a:ext uri="{28A0092B-C50C-407E-A947-70E740481C1C}">
-                <a14:useLocalDpi xmlns:a14="http://schemas.microsoft.com/office/drawing/2010/main" val="0"/>
-              </a:ext>
-            </a:extLst>
-          </a:blip>
-          <a:stretch>
-            <a:fillRect/>
-          </a:stretch>
-        </p:blipFill>
-        <p:spPr>
-          <a:xfrm>
-            <a:off x="7005407" y="1234723"/>
-            <a:ext cx="3540161" cy="5004903"/>
-          </a:xfrm>
-          <a:prstGeom prst="rect">
-            <a:avLst/>
-          </a:prstGeom>
-        </p:spPr>
-      </p:pic>
+          <a:noFill/>
+        </p:spPr>
+        <p:txBody>
+          <a:bodyPr wrap="square" rtlCol="0">
+            <a:spAutoFit/>
+          </a:bodyPr>
+          <a:lstStyle/>
+          <a:p>
+            <a:r>
+              <a:rPr lang="en-US" altLang="zh-TW" dirty="0"/>
+              <a:t>800</a:t>
+            </a:r>
+            <a:r>
+              <a:rPr lang="zh-TW" altLang="en-US" dirty="0"/>
+              <a:t>*</a:t>
+            </a:r>
+            <a:r>
+              <a:rPr lang="en-US" altLang="zh-TW" dirty="0"/>
+              <a:t>1131</a:t>
+            </a:r>
+            <a:endParaRPr lang="zh-TW" altLang="en-US" dirty="0"/>
+          </a:p>
+        </p:txBody>
+      </p:sp>
     </p:spTree>
     <p:extLst>
       <p:ext uri="{BB962C8B-B14F-4D97-AF65-F5344CB8AC3E}">
@@ -7466,6 +11281,200 @@
             </a:pPr>
             <a:r>
               <a:rPr lang="en-US" altLang="zh-TW" dirty="0"/>
+              <a:t>3*3</a:t>
+            </a:r>
+          </a:p>
+          <a:p>
+            <a:pPr marL="0" indent="0">
+              <a:buNone/>
+            </a:pPr>
+            <a:r>
+              <a:rPr lang="en-US" altLang="zh-TW" dirty="0"/>
+              <a:t>OPEN:                                                                                          CLOSE:</a:t>
+            </a:r>
+          </a:p>
+        </p:txBody>
+      </p:sp>
+      <p:pic>
+        <p:nvPicPr>
+          <p:cNvPr id="4" name="圖片 3" descr="一張含有 文字, 圖書 的圖片&#10;&#10;自動產生的描述">
+            <a:extLst>
+              <a:ext uri="{FF2B5EF4-FFF2-40B4-BE49-F238E27FC236}">
+                <a16:creationId xmlns:a16="http://schemas.microsoft.com/office/drawing/2014/main" id="{B418165F-FC0B-FDE6-98CB-CE29C560FD16}"/>
+              </a:ext>
+            </a:extLst>
+          </p:cNvPr>
+          <p:cNvPicPr>
+            <a:picLocks noChangeAspect="1"/>
+          </p:cNvPicPr>
+          <p:nvPr/>
+        </p:nvPicPr>
+        <p:blipFill>
+          <a:blip r:embed="rId3">
+            <a:extLst>
+              <a:ext uri="{28A0092B-C50C-407E-A947-70E740481C1C}">
+                <a14:useLocalDpi xmlns:a14="http://schemas.microsoft.com/office/drawing/2010/main" val="0"/>
+              </a:ext>
+            </a:extLst>
+          </a:blip>
+          <a:stretch>
+            <a:fillRect/>
+          </a:stretch>
+        </p:blipFill>
+        <p:spPr>
+          <a:xfrm>
+            <a:off x="1868630" y="1234723"/>
+            <a:ext cx="3540161" cy="5004903"/>
+          </a:xfrm>
+          <a:prstGeom prst="rect">
+            <a:avLst/>
+          </a:prstGeom>
+        </p:spPr>
+      </p:pic>
+      <p:pic>
+        <p:nvPicPr>
+          <p:cNvPr id="6" name="圖片 5" descr="一張含有 文字 的圖片&#10;&#10;自動產生的描述">
+            <a:extLst>
+              <a:ext uri="{FF2B5EF4-FFF2-40B4-BE49-F238E27FC236}">
+                <a16:creationId xmlns:a16="http://schemas.microsoft.com/office/drawing/2014/main" id="{91C633A7-6D64-F350-9E6E-532BA8534A10}"/>
+              </a:ext>
+            </a:extLst>
+          </p:cNvPr>
+          <p:cNvPicPr>
+            <a:picLocks noChangeAspect="1"/>
+          </p:cNvPicPr>
+          <p:nvPr/>
+        </p:nvPicPr>
+        <p:blipFill>
+          <a:blip r:embed="rId4">
+            <a:extLst>
+              <a:ext uri="{28A0092B-C50C-407E-A947-70E740481C1C}">
+                <a14:useLocalDpi xmlns:a14="http://schemas.microsoft.com/office/drawing/2010/main" val="0"/>
+              </a:ext>
+            </a:extLst>
+          </a:blip>
+          <a:stretch>
+            <a:fillRect/>
+          </a:stretch>
+        </p:blipFill>
+        <p:spPr>
+          <a:xfrm>
+            <a:off x="7005407" y="1234723"/>
+            <a:ext cx="3540161" cy="5004903"/>
+          </a:xfrm>
+          <a:prstGeom prst="rect">
+            <a:avLst/>
+          </a:prstGeom>
+        </p:spPr>
+      </p:pic>
+    </p:spTree>
+    <p:extLst>
+      <p:ext uri="{BB962C8B-B14F-4D97-AF65-F5344CB8AC3E}">
+        <p14:creationId xmlns:p14="http://schemas.microsoft.com/office/powerpoint/2010/main" val="103249488"/>
+      </p:ext>
+    </p:extLst>
+  </p:cSld>
+  <p:clrMapOvr>
+    <a:masterClrMapping/>
+  </p:clrMapOvr>
+</p:sld>
+</file>
+
+<file path=ppt/slides/slide6.xml><?xml version="1.0" encoding="utf-8"?>
+<p:sld xmlns:a="http://schemas.openxmlformats.org/drawingml/2006/main" xmlns:r="http://schemas.openxmlformats.org/officeDocument/2006/relationships" xmlns:p="http://schemas.openxmlformats.org/presentationml/2006/main">
+  <p:cSld>
+    <p:spTree>
+      <p:nvGrpSpPr>
+        <p:cNvPr id="1" name=""/>
+        <p:cNvGrpSpPr/>
+        <p:nvPr/>
+      </p:nvGrpSpPr>
+      <p:grpSpPr>
+        <a:xfrm>
+          <a:off x="0" y="0"/>
+          <a:ext cx="0" cy="0"/>
+          <a:chOff x="0" y="0"/>
+          <a:chExt cx="0" cy="0"/>
+        </a:xfrm>
+      </p:grpSpPr>
+      <p:sp>
+        <p:nvSpPr>
+          <p:cNvPr id="3" name="標題 2"/>
+          <p:cNvSpPr>
+            <a:spLocks noGrp="1"/>
+          </p:cNvSpPr>
+          <p:nvPr>
+            <p:ph type="title"/>
+          </p:nvPr>
+        </p:nvSpPr>
+        <p:spPr>
+          <a:xfrm>
+            <a:off x="838200" y="365125"/>
+            <a:ext cx="10515600" cy="720000"/>
+          </a:xfrm>
+        </p:spPr>
+        <p:txBody>
+          <a:bodyPr>
+            <a:noAutofit/>
+          </a:bodyPr>
+          <a:lstStyle/>
+          <a:p>
+            <a:r>
+              <a:rPr lang="zh-TW" altLang="en-US" sz="3200" dirty="0"/>
+              <a:t>成果展示</a:t>
+            </a:r>
+            <a:r>
+              <a:rPr lang="en-US" altLang="zh-TW" sz="3200" dirty="0"/>
+              <a:t>-</a:t>
+            </a:r>
+            <a:r>
+              <a:rPr lang="zh-TW" altLang="en-US" sz="3200" dirty="0"/>
+              <a:t>圖片</a:t>
+            </a:r>
+            <a:r>
+              <a:rPr lang="en-US" altLang="zh-TW" sz="3200" dirty="0"/>
+              <a:t>OPEN&amp;CLOSE</a:t>
+            </a:r>
+            <a:r>
+              <a:rPr lang="zh-TW" altLang="en-US" sz="3200" dirty="0"/>
+              <a:t> </a:t>
+            </a:r>
+          </a:p>
+        </p:txBody>
+      </p:sp>
+      <p:sp>
+        <p:nvSpPr>
+          <p:cNvPr id="10" name="內容版面配置區 1">
+            <a:extLst>
+              <a:ext uri="{FF2B5EF4-FFF2-40B4-BE49-F238E27FC236}">
+                <a16:creationId xmlns:a16="http://schemas.microsoft.com/office/drawing/2014/main" id="{7525C5FA-E5AD-4056-9857-68D56781A774}"/>
+              </a:ext>
+            </a:extLst>
+          </p:cNvPr>
+          <p:cNvSpPr>
+            <a:spLocks noGrp="1"/>
+          </p:cNvSpPr>
+          <p:nvPr>
+            <p:ph idx="1"/>
+          </p:nvPr>
+        </p:nvSpPr>
+        <p:spPr>
+          <a:xfrm>
+            <a:off x="838200" y="1201850"/>
+            <a:ext cx="10515600" cy="5037776"/>
+          </a:xfrm>
+        </p:spPr>
+        <p:txBody>
+          <a:bodyPr>
+            <a:normAutofit/>
+          </a:bodyPr>
+          <a:lstStyle/>
+          <a:p>
+            <a:pPr marL="0" indent="0">
+              <a:buNone/>
+            </a:pPr>
+            <a:r>
+              <a:rPr lang="en-US" altLang="zh-TW" dirty="0"/>
               <a:t>5*5</a:t>
             </a:r>
           </a:p>
@@ -7565,7 +11574,7 @@
 </p:sld>
 </file>
 
-<file path=ppt/slides/slide6.xml><?xml version="1.0" encoding="utf-8"?>
+<file path=ppt/slides/slide7.xml><?xml version="1.0" encoding="utf-8"?>
 <p:sld xmlns:a="http://schemas.openxmlformats.org/drawingml/2006/main" xmlns:r="http://schemas.openxmlformats.org/officeDocument/2006/relationships" xmlns:p="http://schemas.openxmlformats.org/presentationml/2006/main">
   <p:cSld>
     <p:spTree>
@@ -7759,7 +11768,7 @@
 </p:sld>
 </file>
 
-<file path=ppt/slides/slide7.xml><?xml version="1.0" encoding="utf-8"?>
+<file path=ppt/slides/slide8.xml><?xml version="1.0" encoding="utf-8"?>
 <p:sld xmlns:a="http://schemas.openxmlformats.org/drawingml/2006/main" xmlns:r="http://schemas.openxmlformats.org/officeDocument/2006/relationships" xmlns:p="http://schemas.openxmlformats.org/presentationml/2006/main">
   <p:cSld>
     <p:spTree>
@@ -7953,7 +11962,7 @@
 </p:sld>
 </file>
 
-<file path=ppt/slides/slide8.xml><?xml version="1.0" encoding="utf-8"?>
+<file path=ppt/slides/slide9.xml><?xml version="1.0" encoding="utf-8"?>
 <p:sld xmlns:a="http://schemas.openxmlformats.org/drawingml/2006/main" xmlns:r="http://schemas.openxmlformats.org/officeDocument/2006/relationships" xmlns:p="http://schemas.openxmlformats.org/presentationml/2006/main">
   <p:cSld>
     <p:spTree>
@@ -8138,200 +12147,6 @@
     <p:extLst>
       <p:ext uri="{BB962C8B-B14F-4D97-AF65-F5344CB8AC3E}">
         <p14:creationId xmlns:p14="http://schemas.microsoft.com/office/powerpoint/2010/main" val="384911301"/>
-      </p:ext>
-    </p:extLst>
-  </p:cSld>
-  <p:clrMapOvr>
-    <a:masterClrMapping/>
-  </p:clrMapOvr>
-</p:sld>
-</file>
-
-<file path=ppt/slides/slide9.xml><?xml version="1.0" encoding="utf-8"?>
-<p:sld xmlns:a="http://schemas.openxmlformats.org/drawingml/2006/main" xmlns:r="http://schemas.openxmlformats.org/officeDocument/2006/relationships" xmlns:p="http://schemas.openxmlformats.org/presentationml/2006/main">
-  <p:cSld>
-    <p:spTree>
-      <p:nvGrpSpPr>
-        <p:cNvPr id="1" name=""/>
-        <p:cNvGrpSpPr/>
-        <p:nvPr/>
-      </p:nvGrpSpPr>
-      <p:grpSpPr>
-        <a:xfrm>
-          <a:off x="0" y="0"/>
-          <a:ext cx="0" cy="0"/>
-          <a:chOff x="0" y="0"/>
-          <a:chExt cx="0" cy="0"/>
-        </a:xfrm>
-      </p:grpSpPr>
-      <p:sp>
-        <p:nvSpPr>
-          <p:cNvPr id="3" name="標題 2"/>
-          <p:cNvSpPr>
-            <a:spLocks noGrp="1"/>
-          </p:cNvSpPr>
-          <p:nvPr>
-            <p:ph type="title"/>
-          </p:nvPr>
-        </p:nvSpPr>
-        <p:spPr>
-          <a:xfrm>
-            <a:off x="838200" y="365125"/>
-            <a:ext cx="10515600" cy="720000"/>
-          </a:xfrm>
-        </p:spPr>
-        <p:txBody>
-          <a:bodyPr>
-            <a:noAutofit/>
-          </a:bodyPr>
-          <a:lstStyle/>
-          <a:p>
-            <a:r>
-              <a:rPr lang="zh-TW" altLang="en-US" sz="3200" dirty="0"/>
-              <a:t>成果展示</a:t>
-            </a:r>
-            <a:r>
-              <a:rPr lang="en-US" altLang="zh-TW" sz="3200" dirty="0"/>
-              <a:t>-</a:t>
-            </a:r>
-            <a:r>
-              <a:rPr lang="zh-TW" altLang="en-US" sz="3200" dirty="0"/>
-              <a:t>圖片</a:t>
-            </a:r>
-            <a:r>
-              <a:rPr lang="en-US" altLang="zh-TW" sz="3200" dirty="0"/>
-              <a:t>OPEN&amp;CLOSE</a:t>
-            </a:r>
-            <a:r>
-              <a:rPr lang="zh-TW" altLang="en-US" sz="3200" dirty="0"/>
-              <a:t> </a:t>
-            </a:r>
-          </a:p>
-        </p:txBody>
-      </p:sp>
-      <p:sp>
-        <p:nvSpPr>
-          <p:cNvPr id="10" name="內容版面配置區 1">
-            <a:extLst>
-              <a:ext uri="{FF2B5EF4-FFF2-40B4-BE49-F238E27FC236}">
-                <a16:creationId xmlns:a16="http://schemas.microsoft.com/office/drawing/2014/main" id="{7525C5FA-E5AD-4056-9857-68D56781A774}"/>
-              </a:ext>
-            </a:extLst>
-          </p:cNvPr>
-          <p:cNvSpPr>
-            <a:spLocks noGrp="1"/>
-          </p:cNvSpPr>
-          <p:nvPr>
-            <p:ph idx="1"/>
-          </p:nvPr>
-        </p:nvSpPr>
-        <p:spPr>
-          <a:xfrm>
-            <a:off x="838200" y="1201850"/>
-            <a:ext cx="10515600" cy="5037776"/>
-          </a:xfrm>
-        </p:spPr>
-        <p:txBody>
-          <a:bodyPr>
-            <a:normAutofit/>
-          </a:bodyPr>
-          <a:lstStyle/>
-          <a:p>
-            <a:pPr marL="0" indent="0">
-              <a:buNone/>
-            </a:pPr>
-            <a:r>
-              <a:rPr lang="en-US" altLang="zh-TW" dirty="0"/>
-              <a:t>13*13</a:t>
-            </a:r>
-          </a:p>
-          <a:p>
-            <a:pPr marL="0" indent="0">
-              <a:buNone/>
-            </a:pPr>
-            <a:r>
-              <a:rPr lang="en-US" altLang="zh-TW" dirty="0"/>
-              <a:t>OPEN:                                                                                          CLOSE:</a:t>
-            </a:r>
-          </a:p>
-        </p:txBody>
-      </p:sp>
-      <p:pic>
-        <p:nvPicPr>
-          <p:cNvPr id="4" name="圖片 3" descr="一張含有 文字 的圖片&#10;&#10;自動產生的描述">
-            <a:extLst>
-              <a:ext uri="{FF2B5EF4-FFF2-40B4-BE49-F238E27FC236}">
-                <a16:creationId xmlns:a16="http://schemas.microsoft.com/office/drawing/2014/main" id="{82868C15-A64C-18C4-2202-ED23466AB2ED}"/>
-              </a:ext>
-            </a:extLst>
-          </p:cNvPr>
-          <p:cNvPicPr>
-            <a:picLocks noChangeAspect="1"/>
-          </p:cNvPicPr>
-          <p:nvPr/>
-        </p:nvPicPr>
-        <p:blipFill>
-          <a:blip r:embed="rId3">
-            <a:extLst>
-              <a:ext uri="{28A0092B-C50C-407E-A947-70E740481C1C}">
-                <a14:useLocalDpi xmlns:a14="http://schemas.microsoft.com/office/drawing/2010/main" val="0"/>
-              </a:ext>
-            </a:extLst>
-          </a:blip>
-          <a:stretch>
-            <a:fillRect/>
-          </a:stretch>
-        </p:blipFill>
-        <p:spPr>
-          <a:xfrm>
-            <a:off x="1545901" y="1201850"/>
-            <a:ext cx="4248525" cy="5037776"/>
-          </a:xfrm>
-          <a:prstGeom prst="rect">
-            <a:avLst/>
-          </a:prstGeom>
-        </p:spPr>
-      </p:pic>
-      <p:pic>
-        <p:nvPicPr>
-          <p:cNvPr id="6" name="圖片 5" descr="一張含有 文字 的圖片&#10;&#10;自動產生的描述">
-            <a:extLst>
-              <a:ext uri="{FF2B5EF4-FFF2-40B4-BE49-F238E27FC236}">
-                <a16:creationId xmlns:a16="http://schemas.microsoft.com/office/drawing/2014/main" id="{3D5A8CE7-0F5E-8BF6-035B-0243508792B8}"/>
-              </a:ext>
-            </a:extLst>
-          </p:cNvPr>
-          <p:cNvPicPr>
-            <a:picLocks noChangeAspect="1"/>
-          </p:cNvPicPr>
-          <p:nvPr/>
-        </p:nvPicPr>
-        <p:blipFill>
-          <a:blip r:embed="rId4">
-            <a:extLst>
-              <a:ext uri="{28A0092B-C50C-407E-A947-70E740481C1C}">
-                <a14:useLocalDpi xmlns:a14="http://schemas.microsoft.com/office/drawing/2010/main" val="0"/>
-              </a:ext>
-            </a:extLst>
-          </a:blip>
-          <a:stretch>
-            <a:fillRect/>
-          </a:stretch>
-        </p:blipFill>
-        <p:spPr>
-          <a:xfrm>
-            <a:off x="7014371" y="1201848"/>
-            <a:ext cx="4000813" cy="5037777"/>
-          </a:xfrm>
-          <a:prstGeom prst="rect">
-            <a:avLst/>
-          </a:prstGeom>
-        </p:spPr>
-      </p:pic>
-    </p:spTree>
-    <p:extLst>
-      <p:ext uri="{BB962C8B-B14F-4D97-AF65-F5344CB8AC3E}">
-        <p14:creationId xmlns:p14="http://schemas.microsoft.com/office/powerpoint/2010/main" val="516655775"/>
       </p:ext>
     </p:extLst>
   </p:cSld>
